--- a/Bootcamp/html-uvod/html-uvod.pptx
+++ b/Bootcamp/html-uvod/html-uvod.pptx
@@ -5,7 +5,7 @@
     <p:sldMasterId id="2147483648" r:id="rId4"/>
   </p:sldMasterIdLst>
   <p:notesMasterIdLst>
-    <p:notesMasterId r:id="rId35"/>
+    <p:notesMasterId r:id="rId27"/>
   </p:notesMasterIdLst>
   <p:sldIdLst>
     <p:sldId id="282" r:id="rId5"/>
@@ -28,16 +28,8 @@
     <p:sldId id="300" r:id="rId22"/>
     <p:sldId id="301" r:id="rId23"/>
     <p:sldId id="302" r:id="rId24"/>
-    <p:sldId id="304" r:id="rId25"/>
-    <p:sldId id="305" r:id="rId26"/>
-    <p:sldId id="306" r:id="rId27"/>
-    <p:sldId id="275" r:id="rId28"/>
-    <p:sldId id="267" r:id="rId29"/>
-    <p:sldId id="268" r:id="rId30"/>
-    <p:sldId id="269" r:id="rId31"/>
-    <p:sldId id="265" r:id="rId32"/>
-    <p:sldId id="276" r:id="rId33"/>
-    <p:sldId id="303" r:id="rId34"/>
+    <p:sldId id="303" r:id="rId25"/>
+    <p:sldId id="308" r:id="rId26"/>
   </p:sldIdLst>
   <p:sldSz cx="12192000" cy="6858000"/>
   <p:notesSz cx="6858000" cy="9144000"/>
@@ -165,16 +157,8 @@
             <p14:sldId id="300"/>
             <p14:sldId id="301"/>
             <p14:sldId id="302"/>
-            <p14:sldId id="304"/>
-            <p14:sldId id="305"/>
-            <p14:sldId id="306"/>
-            <p14:sldId id="275"/>
-            <p14:sldId id="267"/>
-            <p14:sldId id="268"/>
-            <p14:sldId id="269"/>
-            <p14:sldId id="265"/>
-            <p14:sldId id="276"/>
             <p14:sldId id="303"/>
+            <p14:sldId id="308"/>
           </p14:sldIdLst>
         </p14:section>
       </p14:sectionLst>
@@ -279,7 +263,7 @@
           <a:p>
             <a:fld id="{B2A70591-2E3C-5F42-A4E1-C0F5A0F4E5DB}" type="datetimeFigureOut">
               <a:rPr lang="en-US" smtClean="0"/>
-              <a:t>3/5/2025</a:t>
+              <a:t>4/6/2025</a:t>
             </a:fld>
             <a:endParaRPr lang="en-US"/>
           </a:p>
@@ -1162,520 +1146,6 @@
   <p:cSld>
     <p:spTree>
       <p:nvGrpSpPr>
-        <p:cNvPr id="1" name="">
-          <a:extLst>
-            <a:ext uri="{FF2B5EF4-FFF2-40B4-BE49-F238E27FC236}">
-              <a16:creationId xmlns:a16="http://schemas.microsoft.com/office/drawing/2014/main" id="{94FA7F15-F4A3-7DE5-C189-9B2BB39872B2}"/>
-            </a:ext>
-          </a:extLst>
-        </p:cNvPr>
-        <p:cNvGrpSpPr/>
-        <p:nvPr/>
-      </p:nvGrpSpPr>
-      <p:grpSpPr>
-        <a:xfrm>
-          <a:off x="0" y="0"/>
-          <a:ext cx="0" cy="0"/>
-          <a:chOff x="0" y="0"/>
-          <a:chExt cx="0" cy="0"/>
-        </a:xfrm>
-      </p:grpSpPr>
-      <p:sp>
-        <p:nvSpPr>
-          <p:cNvPr id="2" name="Slide Image Placeholder 1">
-            <a:extLst>
-              <a:ext uri="{FF2B5EF4-FFF2-40B4-BE49-F238E27FC236}">
-                <a16:creationId xmlns:a16="http://schemas.microsoft.com/office/drawing/2014/main" id="{A5A5A00E-5D7E-E353-ADD5-F97D1727EB23}"/>
-              </a:ext>
-            </a:extLst>
-          </p:cNvPr>
-          <p:cNvSpPr>
-            <a:spLocks noGrp="1" noRot="1" noChangeAspect="1"/>
-          </p:cNvSpPr>
-          <p:nvPr>
-            <p:ph type="sldImg"/>
-          </p:nvPr>
-        </p:nvSpPr>
-        <p:spPr/>
-      </p:sp>
-      <p:sp>
-        <p:nvSpPr>
-          <p:cNvPr id="3" name="Notes Placeholder 2">
-            <a:extLst>
-              <a:ext uri="{FF2B5EF4-FFF2-40B4-BE49-F238E27FC236}">
-                <a16:creationId xmlns:a16="http://schemas.microsoft.com/office/drawing/2014/main" id="{940008BE-7B75-5E41-A50D-8BA7144AF079}"/>
-              </a:ext>
-            </a:extLst>
-          </p:cNvPr>
-          <p:cNvSpPr>
-            <a:spLocks noGrp="1"/>
-          </p:cNvSpPr>
-          <p:nvPr>
-            <p:ph type="body" idx="1"/>
-          </p:nvPr>
-        </p:nvSpPr>
-        <p:spPr/>
-        <p:txBody>
-          <a:bodyPr/>
-          <a:lstStyle/>
-          <a:p>
-            <a:r>
-              <a:rPr lang="hr-HR" dirty="0"/>
-              <a:t>U </a:t>
-            </a:r>
-            <a:r>
-              <a:rPr lang="hr-HR" b="1" dirty="0"/>
-              <a:t>ranoj fazi interneta</a:t>
-            </a:r>
-            <a:r>
-              <a:rPr lang="hr-HR" dirty="0"/>
-              <a:t> (1990-ih), nije bilo CSS-a!</a:t>
-            </a:r>
-            <a:br>
-              <a:rPr lang="hr-HR" dirty="0"/>
-            </a:br>
-            <a:r>
-              <a:rPr lang="hr-HR" dirty="0"/>
-              <a:t>🔹 </a:t>
-            </a:r>
-            <a:r>
-              <a:rPr lang="hr-HR" b="1" dirty="0"/>
-              <a:t>HTML je bio jedini alat za pravljenje sajtova</a:t>
-            </a:r>
-            <a:br>
-              <a:rPr lang="hr-HR" dirty="0"/>
-            </a:br>
-            <a:r>
-              <a:rPr lang="hr-HR" dirty="0"/>
-              <a:t>🔹 </a:t>
-            </a:r>
-            <a:r>
-              <a:rPr lang="hr-HR" b="1" dirty="0"/>
-              <a:t>Nije bilo načina za dizajniranje stranica</a:t>
-            </a:r>
-            <a:r>
-              <a:rPr lang="hr-HR" dirty="0"/>
-              <a:t> – sve su izgledale dosadno.</a:t>
-            </a:r>
-          </a:p>
-          <a:p>
-            <a:r>
-              <a:rPr lang="hr-HR" dirty="0"/>
-              <a:t>Marc Andreessen, osnivač prvog internet pretraživača </a:t>
-            </a:r>
-            <a:r>
-              <a:rPr lang="hr-HR" b="1" dirty="0"/>
-              <a:t>Mosaic</a:t>
-            </a:r>
-            <a:r>
-              <a:rPr lang="hr-HR" dirty="0"/>
-              <a:t>, 1994. godine je rekao:</a:t>
-            </a:r>
-            <a:br>
-              <a:rPr lang="hr-HR" dirty="0"/>
-            </a:br>
-            <a:r>
-              <a:rPr lang="hr-HR" dirty="0"/>
-              <a:t>👉 </a:t>
-            </a:r>
-            <a:r>
-              <a:rPr lang="hr-HR" b="1" dirty="0"/>
-              <a:t>"Ako želite da kontrolišete izgled sajta... nažalost, nemate sreće."</a:t>
-            </a:r>
-            <a:br>
-              <a:rPr lang="hr-HR" dirty="0"/>
-            </a:br>
-            <a:r>
-              <a:rPr lang="hr-HR" dirty="0"/>
-              <a:t>🔹 HTML </a:t>
-            </a:r>
-            <a:r>
-              <a:rPr lang="hr-HR" b="1" dirty="0"/>
-              <a:t>nije mogao da menja fontove, boje ili raspored sadržaja</a:t>
-            </a:r>
-            <a:r>
-              <a:rPr lang="hr-HR" dirty="0"/>
-              <a:t>.</a:t>
-            </a:r>
-            <a:endParaRPr lang="en-US" dirty="0"/>
-          </a:p>
-          <a:p>
-            <a:endParaRPr lang="en-US" dirty="0"/>
-          </a:p>
-          <a:p>
-            <a:r>
-              <a:rPr lang="hr-HR" b="1" dirty="0"/>
-              <a:t>Prvi pokušaj stilizacije – HTML 3.2 (1997)</a:t>
-            </a:r>
-          </a:p>
-          <a:p>
-            <a:pPr>
-              <a:buFont typeface="+mj-lt"/>
-              <a:buAutoNum type="arabicPeriod" startAt="1997"/>
-            </a:pPr>
-            <a:r>
-              <a:rPr lang="hr-HR" dirty="0"/>
-              <a:t>godine pojavljuje se </a:t>
-            </a:r>
-            <a:r>
-              <a:rPr lang="hr-HR" b="1" dirty="0"/>
-              <a:t>HTML 3.2</a:t>
-            </a:r>
-            <a:r>
-              <a:rPr lang="hr-HR" dirty="0"/>
-              <a:t>, koji je dodao:</a:t>
-            </a:r>
-            <a:br>
-              <a:rPr lang="hr-HR" dirty="0"/>
-            </a:br>
-            <a:r>
-              <a:rPr lang="hr-HR" dirty="0"/>
-              <a:t>✅ &lt;font&gt; – menja veličinu i boju teksta</a:t>
-            </a:r>
-            <a:br>
-              <a:rPr lang="hr-HR" dirty="0"/>
-            </a:br>
-            <a:r>
-              <a:rPr lang="hr-HR" dirty="0"/>
-              <a:t>✅ color – menja boju slova</a:t>
-            </a:r>
-            <a:br>
-              <a:rPr lang="hr-HR" dirty="0"/>
-            </a:br>
-            <a:r>
-              <a:rPr lang="hr-HR" dirty="0"/>
-              <a:t>✅ &lt;center&gt; – centriranje teksta</a:t>
-            </a:r>
-          </a:p>
-          <a:p>
-            <a:r>
-              <a:rPr lang="hr-HR" dirty="0"/>
-              <a:t>🚨 </a:t>
-            </a:r>
-            <a:r>
-              <a:rPr lang="hr-HR" b="1" dirty="0"/>
-              <a:t>Ali ovo je brzo postao haos!</a:t>
-            </a:r>
-            <a:br>
-              <a:rPr lang="hr-HR" dirty="0"/>
-            </a:br>
-            <a:r>
-              <a:rPr lang="hr-HR" dirty="0"/>
-              <a:t>🔹 HTML je </a:t>
-            </a:r>
-            <a:r>
-              <a:rPr lang="hr-HR" b="1" dirty="0"/>
-              <a:t>postao prepun neurednog koda</a:t>
-            </a:r>
-            <a:br>
-              <a:rPr lang="hr-HR" dirty="0"/>
-            </a:br>
-            <a:r>
-              <a:rPr lang="hr-HR" dirty="0"/>
-              <a:t>🔹 Mešanje </a:t>
-            </a:r>
-            <a:r>
-              <a:rPr lang="hr-HR" b="1" dirty="0"/>
-              <a:t>sadržaja i stilova</a:t>
-            </a:r>
-            <a:r>
-              <a:rPr lang="hr-HR" dirty="0"/>
-              <a:t> pravilo je probleme</a:t>
-            </a:r>
-            <a:br>
-              <a:rPr lang="hr-HR" dirty="0"/>
-            </a:br>
-            <a:r>
-              <a:rPr lang="hr-HR" dirty="0"/>
-              <a:t>🔹 </a:t>
-            </a:r>
-            <a:r>
-              <a:rPr lang="hr-HR" b="1" dirty="0"/>
-              <a:t>Web stranice su bile ogromne i teške za održavanje</a:t>
-            </a:r>
-            <a:endParaRPr lang="hr-HR" dirty="0"/>
-          </a:p>
-          <a:p>
-            <a:r>
-              <a:rPr lang="hr-HR" dirty="0"/>
-              <a:t>Rezultat? 🤦‍♂️</a:t>
-            </a:r>
-            <a:br>
-              <a:rPr lang="hr-HR" dirty="0"/>
-            </a:br>
-            <a:r>
-              <a:rPr lang="hr-HR" dirty="0"/>
-              <a:t>👉 </a:t>
-            </a:r>
-            <a:r>
-              <a:rPr lang="hr-HR" b="1" dirty="0"/>
-              <a:t>Ovaj način stilizacije je odbačen</a:t>
-            </a:r>
-            <a:r>
-              <a:rPr lang="hr-HR" dirty="0"/>
-              <a:t> </a:t>
-            </a:r>
-            <a:r>
-              <a:rPr lang="hr-HR" i="1" dirty="0"/>
-              <a:t>(depreciran)</a:t>
-            </a:r>
-            <a:r>
-              <a:rPr lang="hr-HR" dirty="0"/>
-              <a:t>.</a:t>
-            </a:r>
-            <a:endParaRPr lang="en-US" dirty="0"/>
-          </a:p>
-          <a:p>
-            <a:endParaRPr lang="en-US" dirty="0"/>
-          </a:p>
-          <a:p>
-            <a:r>
-              <a:rPr lang="hr-HR" b="1" dirty="0"/>
-              <a:t>Rešenje – CSS (1996)</a:t>
-            </a:r>
-          </a:p>
-          <a:p>
-            <a:r>
-              <a:rPr lang="hr-HR" dirty="0"/>
-              <a:t>🔹 </a:t>
-            </a:r>
-            <a:r>
-              <a:rPr lang="hr-HR" b="1" dirty="0"/>
-              <a:t>1996. godine, W3C je predstavio CSS kao rešenje!</a:t>
-            </a:r>
-            <a:br>
-              <a:rPr lang="hr-HR" dirty="0"/>
-            </a:br>
-            <a:r>
-              <a:rPr lang="hr-HR" dirty="0"/>
-              <a:t>🔹 </a:t>
-            </a:r>
-            <a:r>
-              <a:rPr lang="hr-HR" b="1" dirty="0"/>
-              <a:t>Glavna ideja CSS-a</a:t>
-            </a:r>
-            <a:r>
-              <a:rPr lang="hr-HR" dirty="0"/>
-              <a:t> – </a:t>
-            </a:r>
-            <a:r>
-              <a:rPr lang="hr-HR" b="1" dirty="0"/>
-              <a:t>razdvajanje sadržaja i dizajna</a:t>
-            </a:r>
-            <a:br>
-              <a:rPr lang="hr-HR" dirty="0"/>
-            </a:br>
-            <a:r>
-              <a:rPr lang="hr-HR" dirty="0"/>
-              <a:t>🔹 </a:t>
-            </a:r>
-            <a:r>
-              <a:rPr lang="hr-HR" b="1" dirty="0"/>
-              <a:t>CSS se brine o izgledu</a:t>
-            </a:r>
-            <a:r>
-              <a:rPr lang="hr-HR" dirty="0"/>
-              <a:t>, dok </a:t>
-            </a:r>
-            <a:r>
-              <a:rPr lang="hr-HR" b="1" dirty="0"/>
-              <a:t>HTML ostaje čist i fokusiran na sadržaj</a:t>
-            </a:r>
-            <a:endParaRPr lang="hr-HR" dirty="0"/>
-          </a:p>
-          <a:p>
-            <a:r>
-              <a:rPr lang="hr-HR" dirty="0"/>
-              <a:t>Håkon Wium Lie (tvorac CSS-a) rekao je:</a:t>
-            </a:r>
-            <a:br>
-              <a:rPr lang="hr-HR" dirty="0"/>
-            </a:br>
-            <a:r>
-              <a:rPr lang="hr-HR" dirty="0"/>
-              <a:t>👉 </a:t>
-            </a:r>
-            <a:r>
-              <a:rPr lang="hr-HR" b="1" dirty="0"/>
-              <a:t>"Ne treba ti haotičan HTML da bi napravio lep dizajn!"</a:t>
-            </a:r>
-            <a:endParaRPr lang="hr-HR" dirty="0"/>
-          </a:p>
-          <a:p>
-            <a:endParaRPr lang="hr-HR" dirty="0"/>
-          </a:p>
-          <a:p>
-            <a:endParaRPr lang="hr-HR" dirty="0"/>
-          </a:p>
-        </p:txBody>
-      </p:sp>
-      <p:sp>
-        <p:nvSpPr>
-          <p:cNvPr id="4" name="Slide Number Placeholder 3">
-            <a:extLst>
-              <a:ext uri="{FF2B5EF4-FFF2-40B4-BE49-F238E27FC236}">
-                <a16:creationId xmlns:a16="http://schemas.microsoft.com/office/drawing/2014/main" id="{9CFE1346-E3B4-7649-681B-F54BCF37F7A5}"/>
-              </a:ext>
-            </a:extLst>
-          </p:cNvPr>
-          <p:cNvSpPr>
-            <a:spLocks noGrp="1"/>
-          </p:cNvSpPr>
-          <p:nvPr>
-            <p:ph type="sldNum" sz="quarter" idx="5"/>
-          </p:nvPr>
-        </p:nvSpPr>
-        <p:spPr/>
-        <p:txBody>
-          <a:bodyPr/>
-          <a:lstStyle/>
-          <a:p>
-            <a:fld id="{343B951A-A665-1949-AEDB-B62DC9BE7F13}" type="slidenum">
-              <a:rPr lang="en-US" smtClean="0"/>
-              <a:t>22</a:t>
-            </a:fld>
-            <a:endParaRPr lang="en-US"/>
-          </a:p>
-        </p:txBody>
-      </p:sp>
-    </p:spTree>
-    <p:extLst>
-      <p:ext uri="{BB962C8B-B14F-4D97-AF65-F5344CB8AC3E}">
-        <p14:creationId xmlns:p14="http://schemas.microsoft.com/office/powerpoint/2010/main" val="320097878"/>
-      </p:ext>
-    </p:extLst>
-  </p:cSld>
-  <p:clrMapOvr>
-    <a:masterClrMapping/>
-  </p:clrMapOvr>
-</p:notes>
-</file>
-
-<file path=ppt/notesSlides/notesSlide16.xml><?xml version="1.0" encoding="utf-8"?>
-<p:notes xmlns:a="http://schemas.openxmlformats.org/drawingml/2006/main" xmlns:r="http://schemas.openxmlformats.org/officeDocument/2006/relationships" xmlns:p="http://schemas.openxmlformats.org/presentationml/2006/main">
-  <p:cSld>
-    <p:spTree>
-      <p:nvGrpSpPr>
-        <p:cNvPr id="1" name="">
-          <a:extLst>
-            <a:ext uri="{FF2B5EF4-FFF2-40B4-BE49-F238E27FC236}">
-              <a16:creationId xmlns:a16="http://schemas.microsoft.com/office/drawing/2014/main" id="{6E69C0DF-4325-4FE5-110E-1069EB11A32D}"/>
-            </a:ext>
-          </a:extLst>
-        </p:cNvPr>
-        <p:cNvGrpSpPr/>
-        <p:nvPr/>
-      </p:nvGrpSpPr>
-      <p:grpSpPr>
-        <a:xfrm>
-          <a:off x="0" y="0"/>
-          <a:ext cx="0" cy="0"/>
-          <a:chOff x="0" y="0"/>
-          <a:chExt cx="0" cy="0"/>
-        </a:xfrm>
-      </p:grpSpPr>
-      <p:sp>
-        <p:nvSpPr>
-          <p:cNvPr id="2" name="Slide Image Placeholder 1">
-            <a:extLst>
-              <a:ext uri="{FF2B5EF4-FFF2-40B4-BE49-F238E27FC236}">
-                <a16:creationId xmlns:a16="http://schemas.microsoft.com/office/drawing/2014/main" id="{79451D02-5BBB-4A7A-E748-1DC06B95D488}"/>
-              </a:ext>
-            </a:extLst>
-          </p:cNvPr>
-          <p:cNvSpPr>
-            <a:spLocks noGrp="1" noRot="1" noChangeAspect="1"/>
-          </p:cNvSpPr>
-          <p:nvPr>
-            <p:ph type="sldImg"/>
-          </p:nvPr>
-        </p:nvSpPr>
-        <p:spPr/>
-      </p:sp>
-      <p:sp>
-        <p:nvSpPr>
-          <p:cNvPr id="3" name="Notes Placeholder 2">
-            <a:extLst>
-              <a:ext uri="{FF2B5EF4-FFF2-40B4-BE49-F238E27FC236}">
-                <a16:creationId xmlns:a16="http://schemas.microsoft.com/office/drawing/2014/main" id="{748AC3AC-1D73-6D71-B6DE-5A8DEB08497F}"/>
-              </a:ext>
-            </a:extLst>
-          </p:cNvPr>
-          <p:cNvSpPr>
-            <a:spLocks noGrp="1"/>
-          </p:cNvSpPr>
-          <p:nvPr>
-            <p:ph type="body" idx="1"/>
-          </p:nvPr>
-        </p:nvSpPr>
-        <p:spPr/>
-        <p:txBody>
-          <a:bodyPr/>
-          <a:lstStyle/>
-          <a:p>
-            <a:r>
-              <a:rPr lang="en-US" dirty="0"/>
-              <a:t>https://dinoduvnjak.github.io/css-toogle/</a:t>
-            </a:r>
-          </a:p>
-          <a:p>
-            <a:endParaRPr lang="en-US" dirty="0"/>
-          </a:p>
-          <a:p>
-            <a:r>
-              <a:rPr lang="hr-HR" dirty="0"/>
-              <a:t>https://developer.mozilla.org/en-US/docs/MDN/Guides</a:t>
-            </a:r>
-          </a:p>
-        </p:txBody>
-      </p:sp>
-      <p:sp>
-        <p:nvSpPr>
-          <p:cNvPr id="4" name="Slide Number Placeholder 3">
-            <a:extLst>
-              <a:ext uri="{FF2B5EF4-FFF2-40B4-BE49-F238E27FC236}">
-                <a16:creationId xmlns:a16="http://schemas.microsoft.com/office/drawing/2014/main" id="{309EAAB6-00DB-F145-280F-EB4788C0F682}"/>
-              </a:ext>
-            </a:extLst>
-          </p:cNvPr>
-          <p:cNvSpPr>
-            <a:spLocks noGrp="1"/>
-          </p:cNvSpPr>
-          <p:nvPr>
-            <p:ph type="sldNum" sz="quarter" idx="5"/>
-          </p:nvPr>
-        </p:nvSpPr>
-        <p:spPr/>
-        <p:txBody>
-          <a:bodyPr/>
-          <a:lstStyle/>
-          <a:p>
-            <a:fld id="{343B951A-A665-1949-AEDB-B62DC9BE7F13}" type="slidenum">
-              <a:rPr lang="en-US" smtClean="0"/>
-              <a:t>23</a:t>
-            </a:fld>
-            <a:endParaRPr lang="en-US"/>
-          </a:p>
-        </p:txBody>
-      </p:sp>
-    </p:spTree>
-    <p:extLst>
-      <p:ext uri="{BB962C8B-B14F-4D97-AF65-F5344CB8AC3E}">
-        <p14:creationId xmlns:p14="http://schemas.microsoft.com/office/powerpoint/2010/main" val="83616497"/>
-      </p:ext>
-    </p:extLst>
-  </p:cSld>
-  <p:clrMapOvr>
-    <a:masterClrMapping/>
-  </p:clrMapOvr>
-</p:notes>
-</file>
-
-<file path=ppt/notesSlides/notesSlide17.xml><?xml version="1.0" encoding="utf-8"?>
-<p:notes xmlns:a="http://schemas.openxmlformats.org/drawingml/2006/main" xmlns:r="http://schemas.openxmlformats.org/officeDocument/2006/relationships" xmlns:p="http://schemas.openxmlformats.org/presentationml/2006/main">
-  <p:cSld>
-    <p:spTree>
-      <p:nvGrpSpPr>
         <p:cNvPr id="1" name=""/>
         <p:cNvGrpSpPr/>
         <p:nvPr/>
@@ -1768,7 +1238,7 @@
           <a:p>
             <a:fld id="{343B951A-A665-1949-AEDB-B62DC9BE7F13}" type="slidenum">
               <a:rPr lang="en-US" smtClean="0"/>
-              <a:t>30</a:t>
+              <a:t>21</a:t>
             </a:fld>
             <a:endParaRPr lang="en-US"/>
           </a:p>
@@ -4901,7 +4371,7 @@
                 <a:ea typeface="Open Sans" panose="020B0606030504020204" pitchFamily="34" charset="0"/>
                 <a:cs typeface="Open Sans" panose="020B0606030504020204" pitchFamily="34" charset="0"/>
               </a:rPr>
-              <a:t>05/03/2025</a:t>
+              <a:t>06/04/2025</a:t>
             </a:fld>
             <a:endParaRPr lang="en-GB" sz="1800" b="0" i="0" kern="1200" dirty="0">
               <a:solidFill>
@@ -5646,7 +5116,7 @@
                 <a:ea typeface="Open Sans" panose="020B0606030504020204" pitchFamily="34" charset="0"/>
                 <a:cs typeface="Open Sans" panose="020B0606030504020204" pitchFamily="34" charset="0"/>
               </a:rPr>
-              <a:t>05/03/2025</a:t>
+              <a:t>06/04/2025</a:t>
             </a:fld>
             <a:endParaRPr lang="en-GB" sz="1800" b="0" i="0" kern="1200" dirty="0">
               <a:solidFill>
@@ -6169,7 +5639,7 @@
                 <a:ea typeface="Open Sans" panose="020B0606030504020204" pitchFamily="34" charset="0"/>
                 <a:cs typeface="Open Sans" panose="020B0606030504020204" pitchFamily="34" charset="0"/>
               </a:rPr>
-              <a:t>05/03/2025</a:t>
+              <a:t>06/04/2025</a:t>
             </a:fld>
             <a:endParaRPr lang="en-GB" sz="1800" b="0" i="0" kern="1200" dirty="0">
               <a:solidFill>
@@ -7135,7 +6605,7 @@
                 <a:ea typeface="Open Sans" panose="020B0606030504020204" pitchFamily="34" charset="0"/>
                 <a:cs typeface="Open Sans" panose="020B0606030504020204" pitchFamily="34" charset="0"/>
               </a:rPr>
-              <a:t>05/03/2025</a:t>
+              <a:t>06/04/2025</a:t>
             </a:fld>
             <a:endParaRPr lang="en-GB" sz="1800" b="0" i="0" kern="1200" dirty="0">
               <a:solidFill>
@@ -7574,7 +7044,7 @@
                 <a:ea typeface="Open Sans" panose="020B0606030504020204" pitchFamily="34" charset="0"/>
                 <a:cs typeface="Open Sans" panose="020B0606030504020204" pitchFamily="34" charset="0"/>
               </a:rPr>
-              <a:t>05/03/2025</a:t>
+              <a:t>06/04/2025</a:t>
             </a:fld>
             <a:endParaRPr lang="en-GB" sz="1800" b="0" i="0" kern="1200" dirty="0">
               <a:solidFill>
@@ -9344,7 +8814,7 @@
                 <a:ea typeface="Open Sans" pitchFamily="2" charset="0"/>
                 <a:cs typeface="Open Sans" pitchFamily="2" charset="0"/>
               </a:rPr>
-              <a:t>05/03/2025</a:t>
+              <a:t>06/04/2025</a:t>
             </a:fld>
             <a:endParaRPr lang="en-GB" sz="1800" b="0" i="0" kern="1200" dirty="0">
               <a:solidFill>
@@ -11094,7 +10564,7 @@
                 <a:ea typeface="Open Sans" pitchFamily="2" charset="0"/>
                 <a:cs typeface="Open Sans" pitchFamily="2" charset="0"/>
               </a:rPr>
-              <a:t>05/03/2025</a:t>
+              <a:t>06/04/2025</a:t>
             </a:fld>
             <a:endParaRPr lang="en-GB" sz="1800" b="0" i="0" kern="1200" dirty="0">
               <a:solidFill>
@@ -11611,7 +11081,7 @@
                 <a:ea typeface="Open Sans" panose="020B0606030504020204" pitchFamily="34" charset="0"/>
                 <a:cs typeface="Open Sans" panose="020B0606030504020204" pitchFamily="34" charset="0"/>
               </a:rPr>
-              <a:t>05/03/2025</a:t>
+              <a:t>06/04/2025</a:t>
             </a:fld>
             <a:endParaRPr lang="en-GB" sz="1800" b="0" i="0" kern="1200" dirty="0">
               <a:solidFill>
@@ -12208,7 +11678,7 @@
                 <a:ea typeface="Open Sans" pitchFamily="2" charset="0"/>
                 <a:cs typeface="Open Sans" pitchFamily="2" charset="0"/>
               </a:rPr>
-              <a:t>05/03/2025</a:t>
+              <a:t>06/04/2025</a:t>
             </a:fld>
             <a:endParaRPr lang="en-GB" sz="1800" b="0" i="0" kern="1200" dirty="0">
               <a:solidFill>
@@ -12748,7 +12218,7 @@
                 <a:ea typeface="Open Sans" panose="020B0606030504020204" pitchFamily="34" charset="0"/>
                 <a:cs typeface="Open Sans" panose="020B0606030504020204" pitchFamily="34" charset="0"/>
               </a:rPr>
-              <a:t>05/03/2025</a:t>
+              <a:t>06/04/2025</a:t>
             </a:fld>
             <a:endParaRPr lang="en-GB" sz="1800" b="0" i="0" kern="1200" dirty="0">
               <a:solidFill>
@@ -13449,7 +12919,7 @@
                 <a:ea typeface="Open Sans" panose="020B0606030504020204" pitchFamily="34" charset="0"/>
                 <a:cs typeface="Open Sans" panose="020B0606030504020204" pitchFamily="34" charset="0"/>
               </a:rPr>
-              <a:t>05/03/2025</a:t>
+              <a:t>06/04/2025</a:t>
             </a:fld>
             <a:endParaRPr lang="en-GB" sz="1800" b="0" i="0" kern="1200" dirty="0">
               <a:solidFill>
@@ -13812,7 +13282,7 @@
                 <a:ea typeface="Open Sans" pitchFamily="2" charset="0"/>
                 <a:cs typeface="Open Sans" pitchFamily="2" charset="0"/>
               </a:rPr>
-              <a:t>05/03/2025</a:t>
+              <a:t>06/04/2025</a:t>
             </a:fld>
             <a:endParaRPr lang="en-GB" sz="1800" b="0" i="0" kern="1200" dirty="0">
               <a:solidFill>
@@ -14207,7 +13677,7 @@
                 <a:ea typeface="Open Sans" pitchFamily="2" charset="0"/>
                 <a:cs typeface="Open Sans" pitchFamily="2" charset="0"/>
               </a:rPr>
-              <a:t>05/03/2025</a:t>
+              <a:t>06/04/2025</a:t>
             </a:fld>
             <a:endParaRPr lang="en-GB" sz="1800" b="0" i="0" kern="1200" dirty="0">
               <a:solidFill>
@@ -19680,7 +19150,7 @@
         <p:cNvPr id="1" name="">
           <a:extLst>
             <a:ext uri="{FF2B5EF4-FFF2-40B4-BE49-F238E27FC236}">
-              <a16:creationId xmlns:a16="http://schemas.microsoft.com/office/drawing/2014/main" id="{5017AFEA-5C4D-F5E9-33C4-0C604EFC774B}"/>
+              <a16:creationId xmlns:a16="http://schemas.microsoft.com/office/drawing/2014/main" id="{432D48B8-C10E-533E-5B21-45A029172051}"/>
             </a:ext>
           </a:extLst>
         </p:cNvPr>
@@ -19700,7 +19170,7 @@
           <p:cNvPr id="2" name="Title 1">
             <a:extLst>
               <a:ext uri="{FF2B5EF4-FFF2-40B4-BE49-F238E27FC236}">
-                <a16:creationId xmlns:a16="http://schemas.microsoft.com/office/drawing/2014/main" id="{B05BB044-B4BD-767A-124E-897543A3AF78}"/>
+                <a16:creationId xmlns:a16="http://schemas.microsoft.com/office/drawing/2014/main" id="{5591EEDC-8401-DC09-C721-5DE263A3850D}"/>
               </a:ext>
             </a:extLst>
           </p:cNvPr>
@@ -19714,327 +19184,28 @@
         <p:spPr/>
         <p:txBody>
           <a:bodyPr>
-            <a:normAutofit/>
+            <a:normAutofit fontScale="90000"/>
           </a:bodyPr>
           <a:lstStyle/>
           <a:p>
             <a:r>
-              <a:rPr lang="en-US" sz="3600" b="1" dirty="0">
-                <a:effectLst/>
-                <a:latin typeface="Calibri" panose="020F0502020204030204" pitchFamily="34" charset="0"/>
-                <a:ea typeface="Calibri" panose="020F0502020204030204" pitchFamily="34" charset="0"/>
-                <a:cs typeface="Times New Roman" panose="02020603050405020304" pitchFamily="18" charset="0"/>
-              </a:rPr>
-              <a:t>UVOD U CSS</a:t>
-            </a:r>
-            <a:endParaRPr lang="en-US" sz="3600" dirty="0"/>
+              <a:rPr lang="en-US" dirty="0"/>
+              <a:t>O</a:t>
+            </a:r>
+            <a:r>
+              <a:rPr lang="hr-HR" dirty="0"/>
+              <a:t>snovna struktura HTML fajla (Boilerplate)</a:t>
+            </a:r>
+            <a:endParaRPr lang="en-US" dirty="0"/>
           </a:p>
         </p:txBody>
       </p:sp>
-      <p:sp>
-        <p:nvSpPr>
-          <p:cNvPr id="5" name="Text Placeholder 4">
-            <a:extLst>
-              <a:ext uri="{FF2B5EF4-FFF2-40B4-BE49-F238E27FC236}">
-                <a16:creationId xmlns:a16="http://schemas.microsoft.com/office/drawing/2014/main" id="{19616318-209D-387B-86DF-DB1FAB559476}"/>
-              </a:ext>
-            </a:extLst>
-          </p:cNvPr>
-          <p:cNvSpPr>
-            <a:spLocks noGrp="1"/>
-          </p:cNvSpPr>
-          <p:nvPr>
-            <p:ph type="body" idx="1"/>
-          </p:nvPr>
-        </p:nvSpPr>
-        <p:spPr/>
-        <p:txBody>
-          <a:bodyPr/>
-          <a:lstStyle/>
-          <a:p>
-            <a:r>
-              <a:rPr lang="en-US" dirty="0" err="1"/>
-              <a:t>Stilizacija</a:t>
-            </a:r>
-            <a:r>
-              <a:rPr lang="en-US" dirty="0"/>
-              <a:t> web </a:t>
-            </a:r>
-            <a:r>
-              <a:rPr lang="en-US" dirty="0" err="1"/>
-              <a:t>stranica</a:t>
-            </a:r>
-            <a:endParaRPr lang="hr-HR" dirty="0"/>
-          </a:p>
-        </p:txBody>
-      </p:sp>
-    </p:spTree>
-    <p:extLst>
-      <p:ext uri="{BB962C8B-B14F-4D97-AF65-F5344CB8AC3E}">
-        <p14:creationId xmlns:p14="http://schemas.microsoft.com/office/powerpoint/2010/main" val="3990747488"/>
-      </p:ext>
-    </p:extLst>
-  </p:cSld>
-  <p:clrMapOvr>
-    <a:masterClrMapping/>
-  </p:clrMapOvr>
-</p:sld>
-</file>
-
-<file path=ppt/slides/slide22.xml><?xml version="1.0" encoding="utf-8"?>
-<p:sld xmlns:a="http://schemas.openxmlformats.org/drawingml/2006/main" xmlns:r="http://schemas.openxmlformats.org/officeDocument/2006/relationships" xmlns:p="http://schemas.openxmlformats.org/presentationml/2006/main">
-  <p:cSld>
-    <p:spTree>
-      <p:nvGrpSpPr>
-        <p:cNvPr id="1" name="">
-          <a:extLst>
-            <a:ext uri="{FF2B5EF4-FFF2-40B4-BE49-F238E27FC236}">
-              <a16:creationId xmlns:a16="http://schemas.microsoft.com/office/drawing/2014/main" id="{CDCF0313-C99D-EAD0-6F3B-EA42B6A2277D}"/>
-            </a:ext>
-          </a:extLst>
-        </p:cNvPr>
-        <p:cNvGrpSpPr/>
-        <p:nvPr/>
-      </p:nvGrpSpPr>
-      <p:grpSpPr>
-        <a:xfrm>
-          <a:off x="0" y="0"/>
-          <a:ext cx="0" cy="0"/>
-          <a:chOff x="0" y="0"/>
-          <a:chExt cx="0" cy="0"/>
-        </a:xfrm>
-      </p:grpSpPr>
       <p:pic>
         <p:nvPicPr>
-          <p:cNvPr id="5" name="Picture 4" descr="A diagram of a waterfall&#10;&#10;AI-generated content may be incorrect.">
-            <a:extLst>
-              <a:ext uri="{FF2B5EF4-FFF2-40B4-BE49-F238E27FC236}">
-                <a16:creationId xmlns:a16="http://schemas.microsoft.com/office/drawing/2014/main" id="{FBAFAC77-96B4-7828-3D12-10114C92ABEB}"/>
-              </a:ext>
-            </a:extLst>
-          </p:cNvPr>
-          <p:cNvPicPr>
-            <a:picLocks noChangeAspect="1"/>
-          </p:cNvPicPr>
-          <p:nvPr/>
-        </p:nvPicPr>
-        <p:blipFill>
-          <a:blip r:embed="rId3"/>
-          <a:srcRect l="21703" r="4989" b="-1"/>
-          <a:stretch/>
-        </p:blipFill>
-        <p:spPr>
-          <a:xfrm>
-            <a:off x="6022976" y="987425"/>
-            <a:ext cx="5332412" cy="4873625"/>
-          </a:xfrm>
-          <a:prstGeom prst="rect">
-            <a:avLst/>
-          </a:prstGeom>
-          <a:noFill/>
-        </p:spPr>
-      </p:pic>
-      <p:sp>
-        <p:nvSpPr>
-          <p:cNvPr id="2" name="Title 1">
-            <a:extLst>
-              <a:ext uri="{FF2B5EF4-FFF2-40B4-BE49-F238E27FC236}">
-                <a16:creationId xmlns:a16="http://schemas.microsoft.com/office/drawing/2014/main" id="{25829A98-E11B-B641-1BFC-1C63F1903ECC}"/>
-              </a:ext>
-            </a:extLst>
-          </p:cNvPr>
-          <p:cNvSpPr>
-            <a:spLocks noGrp="1"/>
-          </p:cNvSpPr>
-          <p:nvPr>
-            <p:ph type="title"/>
-          </p:nvPr>
-        </p:nvSpPr>
-        <p:spPr>
-          <a:xfrm>
-            <a:off x="839788" y="987424"/>
-            <a:ext cx="3932237" cy="1433464"/>
-          </a:xfrm>
-        </p:spPr>
-        <p:txBody>
-          <a:bodyPr anchor="b">
-            <a:normAutofit/>
-          </a:bodyPr>
-          <a:lstStyle/>
-          <a:p>
-            <a:r>
-              <a:rPr lang="en-US" dirty="0"/>
-              <a:t>Sto je CSS?</a:t>
-            </a:r>
-            <a:endParaRPr lang="hr-HR" dirty="0"/>
-          </a:p>
-        </p:txBody>
-      </p:sp>
-      <p:sp>
-        <p:nvSpPr>
-          <p:cNvPr id="3" name="Content Placeholder 2">
-            <a:extLst>
-              <a:ext uri="{FF2B5EF4-FFF2-40B4-BE49-F238E27FC236}">
-                <a16:creationId xmlns:a16="http://schemas.microsoft.com/office/drawing/2014/main" id="{D07557F7-C7EB-BF18-35AE-7D014E536DD1}"/>
-              </a:ext>
-            </a:extLst>
-          </p:cNvPr>
-          <p:cNvSpPr>
-            <a:spLocks noGrp="1"/>
-          </p:cNvSpPr>
-          <p:nvPr>
-            <p:ph type="body" sz="half" idx="2"/>
-          </p:nvPr>
-        </p:nvSpPr>
-        <p:spPr>
-          <a:xfrm>
-            <a:off x="839788" y="2708920"/>
-            <a:ext cx="3932237" cy="3161656"/>
-          </a:xfrm>
-        </p:spPr>
-        <p:txBody>
-          <a:bodyPr>
-            <a:normAutofit/>
-          </a:bodyPr>
-          <a:lstStyle/>
-          <a:p>
-            <a:r>
-              <a:rPr lang="hr-HR" dirty="0"/>
-              <a:t>CSS je skraćenica za </a:t>
-            </a:r>
-            <a:r>
-              <a:rPr lang="hr-HR" b="1" dirty="0"/>
-              <a:t>Cascading Style Sheets</a:t>
-            </a:r>
-            <a:r>
-              <a:rPr lang="hr-HR" dirty="0"/>
-              <a:t> </a:t>
-            </a:r>
-            <a:r>
-              <a:rPr lang="hr-HR" i="1" dirty="0"/>
-              <a:t>(Kaskadne </a:t>
-            </a:r>
-            <a:r>
-              <a:rPr lang="en-US" i="1" dirty="0" err="1"/>
-              <a:t>Stilizirane</a:t>
-            </a:r>
-            <a:r>
-              <a:rPr lang="en-US" i="1" dirty="0"/>
-              <a:t> </a:t>
-            </a:r>
-            <a:r>
-              <a:rPr lang="en-US" i="1" dirty="0" err="1"/>
-              <a:t>tabele</a:t>
-            </a:r>
-            <a:endParaRPr lang="en-US" i="1" dirty="0"/>
-          </a:p>
-          <a:p>
-            <a:r>
-              <a:rPr lang="hr-HR" dirty="0"/>
-              <a:t>💡 </a:t>
-            </a:r>
-            <a:r>
-              <a:rPr lang="hr-HR" b="1" dirty="0"/>
-              <a:t>Šta znači "kaskadno" (Cascading)?</a:t>
-            </a:r>
-            <a:br>
-              <a:rPr lang="hr-HR" dirty="0"/>
-            </a:br>
-            <a:r>
-              <a:rPr lang="hr-HR" dirty="0"/>
-              <a:t>👉 Zamislimo </a:t>
-            </a:r>
-            <a:r>
-              <a:rPr lang="hr-HR" b="1" dirty="0"/>
-              <a:t>vodopad</a:t>
-            </a:r>
-            <a:r>
-              <a:rPr lang="hr-HR" dirty="0"/>
-              <a:t> – voda teče sa jednog nivoa na drugi.</a:t>
-            </a:r>
-            <a:br>
-              <a:rPr lang="hr-HR" dirty="0"/>
-            </a:br>
-            <a:r>
-              <a:rPr lang="hr-HR" dirty="0"/>
-              <a:t>👉 Isto tako, </a:t>
-            </a:r>
-            <a:r>
-              <a:rPr lang="hr-HR" b="1" dirty="0"/>
-              <a:t>CSS stilovi se primenjuju od najopštijih do najspecifičnijih pravila</a:t>
-            </a:r>
-            <a:r>
-              <a:rPr lang="hr-HR" dirty="0"/>
-              <a:t>.</a:t>
-            </a:r>
-            <a:br>
-              <a:rPr lang="hr-HR" dirty="0"/>
-            </a:br>
-            <a:r>
-              <a:rPr lang="hr-HR" dirty="0"/>
-              <a:t>👉 Ovo omogućava </a:t>
-            </a:r>
-            <a:r>
-              <a:rPr lang="hr-HR" b="1" dirty="0"/>
-              <a:t>kontrolu dizajna</a:t>
-            </a:r>
-            <a:r>
-              <a:rPr lang="hr-HR" dirty="0"/>
-              <a:t> i fleksibilnost.</a:t>
-            </a:r>
-            <a:r>
-              <a:rPr lang="hr-HR" i="1" dirty="0"/>
-              <a:t> Tabele)</a:t>
-            </a:r>
-            <a:r>
-              <a:rPr lang="hr-HR" dirty="0"/>
-              <a:t>.</a:t>
-            </a:r>
-          </a:p>
-        </p:txBody>
-      </p:sp>
-    </p:spTree>
-    <p:extLst>
-      <p:ext uri="{BB962C8B-B14F-4D97-AF65-F5344CB8AC3E}">
-        <p14:creationId xmlns:p14="http://schemas.microsoft.com/office/powerpoint/2010/main" val="1827180886"/>
-      </p:ext>
-    </p:extLst>
-  </p:cSld>
-  <p:clrMapOvr>
-    <a:masterClrMapping/>
-  </p:clrMapOvr>
-</p:sld>
-</file>
-
-<file path=ppt/slides/slide23.xml><?xml version="1.0" encoding="utf-8"?>
-<p:sld xmlns:a="http://schemas.openxmlformats.org/drawingml/2006/main" xmlns:r="http://schemas.openxmlformats.org/officeDocument/2006/relationships" xmlns:p="http://schemas.openxmlformats.org/presentationml/2006/main">
-  <p:cSld>
-    <p:spTree>
-      <p:nvGrpSpPr>
-        <p:cNvPr id="1" name="">
-          <a:extLst>
-            <a:ext uri="{FF2B5EF4-FFF2-40B4-BE49-F238E27FC236}">
-              <a16:creationId xmlns:a16="http://schemas.microsoft.com/office/drawing/2014/main" id="{53BF6CF5-EDE4-0A57-D87A-09F72FD6EE0B}"/>
-            </a:ext>
-          </a:extLst>
-        </p:cNvPr>
-        <p:cNvGrpSpPr/>
-        <p:nvPr/>
-      </p:nvGrpSpPr>
-      <p:grpSpPr>
-        <a:xfrm>
-          <a:off x="0" y="0"/>
-          <a:ext cx="0" cy="0"/>
-          <a:chOff x="0" y="0"/>
-          <a:chExt cx="0" cy="0"/>
-        </a:xfrm>
-      </p:grpSpPr>
-      <p:pic>
-        <p:nvPicPr>
-          <p:cNvPr id="5" name="Picture 4">
-            <a:extLst>
-              <a:ext uri="{FF2B5EF4-FFF2-40B4-BE49-F238E27FC236}">
-                <a16:creationId xmlns:a16="http://schemas.microsoft.com/office/drawing/2014/main" id="{708AAE8E-1FA9-2F2A-C197-4ECFEBD02BB4}"/>
+          <p:cNvPr id="8" name="Picture 7">
+            <a:extLst>
+              <a:ext uri="{FF2B5EF4-FFF2-40B4-BE49-F238E27FC236}">
+                <a16:creationId xmlns:a16="http://schemas.microsoft.com/office/drawing/2014/main" id="{BC35637A-06F3-B314-EFBE-32B61A5EF9E5}"/>
               </a:ext>
             </a:extLst>
           </p:cNvPr>
@@ -20051,197 +19222,18 @@
         </p:blipFill>
         <p:spPr>
           <a:xfrm>
-            <a:off x="5183188" y="1010959"/>
-            <a:ext cx="7008812" cy="4836080"/>
+            <a:off x="0" y="1800109"/>
+            <a:ext cx="12192000" cy="3257781"/>
           </a:xfrm>
           <a:prstGeom prst="rect">
             <a:avLst/>
           </a:prstGeom>
-          <a:noFill/>
         </p:spPr>
       </p:pic>
-      <p:sp>
-        <p:nvSpPr>
-          <p:cNvPr id="2" name="Title 1">
-            <a:extLst>
-              <a:ext uri="{FF2B5EF4-FFF2-40B4-BE49-F238E27FC236}">
-                <a16:creationId xmlns:a16="http://schemas.microsoft.com/office/drawing/2014/main" id="{E56E5785-3589-C08C-8BF2-17DBD948FB55}"/>
-              </a:ext>
-            </a:extLst>
-          </p:cNvPr>
-          <p:cNvSpPr>
-            <a:spLocks noGrp="1"/>
-          </p:cNvSpPr>
-          <p:nvPr>
-            <p:ph type="title"/>
-          </p:nvPr>
-        </p:nvSpPr>
-        <p:spPr>
-          <a:xfrm>
-            <a:off x="839788" y="987424"/>
-            <a:ext cx="3932237" cy="1433464"/>
-          </a:xfrm>
-        </p:spPr>
-        <p:txBody>
-          <a:bodyPr anchor="b">
-            <a:normAutofit/>
-          </a:bodyPr>
-          <a:lstStyle/>
-          <a:p>
-            <a:r>
-              <a:rPr lang="pt-BR" dirty="0"/>
-              <a:t>zaŠto KORISTIMO CSS?</a:t>
-            </a:r>
-            <a:endParaRPr lang="hr-HR" dirty="0"/>
-          </a:p>
-        </p:txBody>
-      </p:sp>
-      <p:sp>
-        <p:nvSpPr>
-          <p:cNvPr id="3" name="Content Placeholder 2">
-            <a:extLst>
-              <a:ext uri="{FF2B5EF4-FFF2-40B4-BE49-F238E27FC236}">
-                <a16:creationId xmlns:a16="http://schemas.microsoft.com/office/drawing/2014/main" id="{C9343F72-CA71-B353-B2F0-AE77656A959B}"/>
-              </a:ext>
-            </a:extLst>
-          </p:cNvPr>
-          <p:cNvSpPr>
-            <a:spLocks noGrp="1"/>
-          </p:cNvSpPr>
-          <p:nvPr>
-            <p:ph type="body" sz="half" idx="2"/>
-          </p:nvPr>
-        </p:nvSpPr>
-        <p:spPr>
-          <a:xfrm>
-            <a:off x="839788" y="2708920"/>
-            <a:ext cx="3932237" cy="3161656"/>
-          </a:xfrm>
-        </p:spPr>
-        <p:txBody>
-          <a:bodyPr>
-            <a:normAutofit/>
-          </a:bodyPr>
-          <a:lstStyle/>
-          <a:p>
-            <a:pPr marL="15875" indent="0">
-              <a:buNone/>
-            </a:pPr>
-            <a:r>
-              <a:rPr lang="hr-HR" sz="1500"/>
-              <a:t>🎨 </a:t>
-            </a:r>
-            <a:r>
-              <a:rPr lang="hr-HR" sz="1500" b="1"/>
-              <a:t>CSS </a:t>
-            </a:r>
-            <a:r>
-              <a:rPr lang="en-US" sz="1500" b="1" err="1"/>
-              <a:t>transformira</a:t>
-            </a:r>
-            <a:r>
-              <a:rPr lang="hr-HR" sz="1500" b="1"/>
-              <a:t> običan HTML u atraktivan dizajn!</a:t>
-            </a:r>
-            <a:endParaRPr lang="hr-HR" sz="1500"/>
-          </a:p>
-          <a:p>
-            <a:pPr marL="15875" indent="0">
-              <a:buNone/>
-            </a:pPr>
-            <a:r>
-              <a:rPr lang="hr-HR" sz="1500"/>
-              <a:t>🔹 Bez CSS-a – sajtovi su obični, crno-beli i dosadni.</a:t>
-            </a:r>
-            <a:br>
-              <a:rPr lang="hr-HR" sz="1500"/>
-            </a:br>
-            <a:r>
-              <a:rPr lang="hr-HR" sz="1500"/>
-              <a:t>🔹 </a:t>
-            </a:r>
-            <a:r>
-              <a:rPr lang="hr-HR" sz="1500" b="1"/>
-              <a:t>Uz CSS – možemo menjati:</a:t>
-            </a:r>
-            <a:endParaRPr lang="hr-HR" sz="1500"/>
-          </a:p>
-          <a:p>
-            <a:pPr marL="15875" indent="0">
-              <a:buNone/>
-            </a:pPr>
-            <a:r>
-              <a:rPr lang="hr-HR" sz="1500"/>
-              <a:t>🎨 </a:t>
-            </a:r>
-            <a:r>
-              <a:rPr lang="hr-HR" sz="1500" b="1"/>
-              <a:t>Boje</a:t>
-            </a:r>
-            <a:endParaRPr lang="hr-HR" sz="1500"/>
-          </a:p>
-          <a:p>
-            <a:pPr marL="15875" indent="0">
-              <a:buNone/>
-            </a:pPr>
-            <a:r>
-              <a:rPr lang="hr-HR" sz="1500"/>
-              <a:t>🔤 </a:t>
-            </a:r>
-            <a:r>
-              <a:rPr lang="hr-HR" sz="1500" b="1"/>
-              <a:t>Fontove</a:t>
-            </a:r>
-            <a:endParaRPr lang="hr-HR" sz="1500"/>
-          </a:p>
-          <a:p>
-            <a:pPr marL="15875" indent="0">
-              <a:buNone/>
-            </a:pPr>
-            <a:r>
-              <a:rPr lang="hr-HR" sz="1500"/>
-              <a:t>🖼 </a:t>
-            </a:r>
-            <a:r>
-              <a:rPr lang="hr-HR" sz="1500" b="1"/>
-              <a:t>Pozadinske slike</a:t>
-            </a:r>
-            <a:endParaRPr lang="hr-HR" sz="1500"/>
-          </a:p>
-          <a:p>
-            <a:pPr marL="15875" indent="0">
-              <a:buNone/>
-            </a:pPr>
-            <a:r>
-              <a:rPr lang="hr-HR" sz="1500"/>
-              <a:t>📏 </a:t>
-            </a:r>
-            <a:r>
-              <a:rPr lang="hr-HR" sz="1500" b="1"/>
-              <a:t>Raspored i veličinu elemenata</a:t>
-            </a:r>
-            <a:endParaRPr lang="hr-HR" sz="1500"/>
-          </a:p>
-          <a:p>
-            <a:pPr marL="15875" indent="0">
-              <a:buNone/>
-            </a:pPr>
-            <a:r>
-              <a:rPr lang="hr-HR" sz="1500"/>
-              <a:t>✨ </a:t>
-            </a:r>
-            <a:r>
-              <a:rPr lang="hr-HR" sz="1500" b="1"/>
-              <a:t>Animacije i efekte</a:t>
-            </a:r>
-            <a:endParaRPr lang="hr-HR" sz="1500"/>
-          </a:p>
-        </p:txBody>
-      </p:sp>
     </p:spTree>
     <p:extLst>
       <p:ext uri="{BB962C8B-B14F-4D97-AF65-F5344CB8AC3E}">
-        <p14:creationId xmlns:p14="http://schemas.microsoft.com/office/powerpoint/2010/main" val="3809409439"/>
+        <p14:creationId xmlns:p14="http://schemas.microsoft.com/office/powerpoint/2010/main" val="185019066"/>
       </p:ext>
     </p:extLst>
   </p:cSld>
@@ -20251,7 +19243,7 @@
 </p:sld>
 </file>
 
-<file path=ppt/slides/slide24.xml><?xml version="1.0" encoding="utf-8"?>
+<file path=ppt/slides/slide22.xml><?xml version="1.0" encoding="utf-8"?>
 <p:sld xmlns:a="http://schemas.openxmlformats.org/drawingml/2006/main" xmlns:r="http://schemas.openxmlformats.org/officeDocument/2006/relationships" xmlns:p="http://schemas.openxmlformats.org/presentationml/2006/main">
   <p:cSld>
     <p:spTree>
@@ -20270,10 +19262,10 @@
       </p:grpSpPr>
       <p:sp>
         <p:nvSpPr>
-          <p:cNvPr id="2" name="Picture Placeholder 1">
-            <a:extLst>
-              <a:ext uri="{FF2B5EF4-FFF2-40B4-BE49-F238E27FC236}">
-                <a16:creationId xmlns:a16="http://schemas.microsoft.com/office/drawing/2014/main" id="{76DF399B-6A53-F045-AB09-8553BE7D18AF}"/>
+          <p:cNvPr id="7" name="Title 1">
+            <a:extLst>
+              <a:ext uri="{FF2B5EF4-FFF2-40B4-BE49-F238E27FC236}">
+                <a16:creationId xmlns:a16="http://schemas.microsoft.com/office/drawing/2014/main" id="{EB6FC78D-D009-9506-33F4-AA90F8108997}"/>
               </a:ext>
             </a:extLst>
           </p:cNvPr>
@@ -20281,24 +19273,50 @@
             <a:spLocks noGrp="1"/>
           </p:cNvSpPr>
           <p:nvPr>
-            <p:ph type="pic" idx="1"/>
+            <p:ph type="ctrTitle"/>
           </p:nvPr>
         </p:nvSpPr>
-        <p:spPr/>
+        <p:spPr>
+          <a:xfrm>
+            <a:off x="1018954" y="929972"/>
+            <a:ext cx="9144000" cy="1013780"/>
+          </a:xfrm>
+        </p:spPr>
         <p:txBody>
           <a:bodyPr/>
           <a:lstStyle/>
           <a:p>
-            <a:endParaRPr lang="hr-HR"/>
+            <a:pPr algn="ctr"/>
+            <a:r>
+              <a:rPr lang="en-US" dirty="0"/>
+              <a:t>ZAVR</a:t>
+            </a:r>
+            <a:r>
+              <a:rPr lang="hr-HR" dirty="0"/>
+              <a:t>š</a:t>
+            </a:r>
+            <a:r>
+              <a:rPr lang="en-US" dirty="0"/>
+              <a:t>NA VJE</a:t>
+            </a:r>
+            <a:r>
+              <a:rPr lang="hr-HR" dirty="0"/>
+              <a:t>ž</a:t>
+            </a:r>
+            <a:r>
+              <a:rPr lang="en-US" dirty="0" err="1"/>
+              <a:t>ba</a:t>
+            </a:r>
+            <a:endParaRPr lang="hr-HR" dirty="0"/>
           </a:p>
         </p:txBody>
       </p:sp>
       <p:sp>
         <p:nvSpPr>
-          <p:cNvPr id="3" name="Title 2">
-            <a:extLst>
-              <a:ext uri="{FF2B5EF4-FFF2-40B4-BE49-F238E27FC236}">
-                <a16:creationId xmlns:a16="http://schemas.microsoft.com/office/drawing/2014/main" id="{ECD12B56-F705-924A-AE46-58078BF5E475}"/>
+          <p:cNvPr id="8" name="Text Placeholder 5">
+            <a:extLst>
+              <a:ext uri="{FF2B5EF4-FFF2-40B4-BE49-F238E27FC236}">
+                <a16:creationId xmlns:a16="http://schemas.microsoft.com/office/drawing/2014/main" id="{DF5068FB-3941-C9EA-80C4-C54D6D99BACB}"/>
               </a:ext>
             </a:extLst>
           </p:cNvPr>
@@ -20306,372 +19324,190 @@
             <a:spLocks noGrp="1"/>
           </p:cNvSpPr>
           <p:nvPr>
-            <p:ph type="title"/>
+            <p:ph type="subTitle" idx="1"/>
           </p:nvPr>
         </p:nvSpPr>
-        <p:spPr/>
+        <p:spPr>
+          <a:xfrm>
+            <a:off x="1061483" y="2213230"/>
+            <a:ext cx="9144000" cy="4040085"/>
+          </a:xfrm>
+        </p:spPr>
         <p:txBody>
-          <a:bodyPr/>
+          <a:bodyPr>
+            <a:noAutofit/>
+          </a:bodyPr>
           <a:lstStyle/>
           <a:p>
-            <a:endParaRPr lang="en-US"/>
-          </a:p>
-        </p:txBody>
-      </p:sp>
-      <p:sp>
-        <p:nvSpPr>
-          <p:cNvPr id="4" name="Text Placeholder 3">
-            <a:extLst>
-              <a:ext uri="{FF2B5EF4-FFF2-40B4-BE49-F238E27FC236}">
-                <a16:creationId xmlns:a16="http://schemas.microsoft.com/office/drawing/2014/main" id="{84A19C17-CB0D-6D45-8CDC-6A8A3C7935D5}"/>
-              </a:ext>
-            </a:extLst>
-          </p:cNvPr>
-          <p:cNvSpPr>
-            <a:spLocks noGrp="1"/>
-          </p:cNvSpPr>
-          <p:nvPr>
-            <p:ph type="body" sz="half" idx="2"/>
-          </p:nvPr>
-        </p:nvSpPr>
-        <p:spPr/>
-        <p:txBody>
-          <a:bodyPr/>
-          <a:lstStyle/>
-          <a:p>
-            <a:endParaRPr lang="en-US"/>
+            <a:r>
+              <a:rPr lang="en-US" sz="1200" dirty="0" err="1"/>
+              <a:t>Implementirajte</a:t>
+            </a:r>
+            <a:r>
+              <a:rPr lang="en-US" sz="1200" dirty="0"/>
+              <a:t> </a:t>
+            </a:r>
+            <a:r>
+              <a:rPr lang="en-US" sz="1200" dirty="0" err="1"/>
+              <a:t>stranicu</a:t>
+            </a:r>
+            <a:r>
+              <a:rPr lang="en-US" sz="1200" dirty="0"/>
+              <a:t> u HTML-u koji </a:t>
+            </a:r>
+            <a:r>
+              <a:rPr lang="en-US" sz="1200" dirty="0" err="1"/>
+              <a:t>sadrzi</a:t>
+            </a:r>
+            <a:r>
+              <a:rPr lang="en-US" sz="1200" dirty="0"/>
+              <a:t> </a:t>
+            </a:r>
+            <a:r>
+              <a:rPr lang="en-US" sz="1200" dirty="0" err="1"/>
+              <a:t>sljedece</a:t>
+            </a:r>
+            <a:r>
+              <a:rPr lang="en-US" sz="1200" dirty="0"/>
+              <a:t>:</a:t>
+            </a:r>
+          </a:p>
+          <a:p>
+            <a:r>
+              <a:rPr lang="en-US" sz="1200" dirty="0" err="1"/>
+              <a:t>Stranice</a:t>
+            </a:r>
+            <a:r>
+              <a:rPr lang="en-US" sz="1200" dirty="0"/>
+              <a:t>:</a:t>
+            </a:r>
+          </a:p>
+          <a:p>
+            <a:r>
+              <a:rPr lang="en-US" sz="1200" dirty="0"/>
+              <a:t>- Login</a:t>
+            </a:r>
+          </a:p>
+          <a:p>
+            <a:r>
+              <a:rPr lang="en-US" sz="1200" dirty="0"/>
+              <a:t>- Register</a:t>
+            </a:r>
+          </a:p>
+          <a:p>
+            <a:r>
+              <a:rPr lang="en-US" sz="1200" dirty="0"/>
+              <a:t>- Lista </a:t>
+            </a:r>
+            <a:r>
+              <a:rPr lang="en-US" sz="1200" dirty="0" err="1"/>
+              <a:t>dućana</a:t>
+            </a:r>
+            <a:endParaRPr lang="en-US" sz="1200" dirty="0"/>
+          </a:p>
+          <a:p>
+            <a:r>
+              <a:rPr lang="en-US" sz="1200" dirty="0"/>
+              <a:t>- Lista </a:t>
+            </a:r>
+            <a:r>
+              <a:rPr lang="en-US" sz="1200" dirty="0" err="1"/>
+              <a:t>itema</a:t>
+            </a:r>
+            <a:endParaRPr lang="en-US" sz="1200" dirty="0"/>
+          </a:p>
+          <a:p>
+            <a:r>
+              <a:rPr lang="en-US" sz="1200" dirty="0"/>
+              <a:t>- </a:t>
+            </a:r>
+            <a:r>
+              <a:rPr lang="en-US" sz="1200" dirty="0" err="1"/>
+              <a:t>Kreiranje</a:t>
+            </a:r>
+            <a:r>
+              <a:rPr lang="en-US" sz="1200" dirty="0"/>
+              <a:t> </a:t>
+            </a:r>
+            <a:r>
+              <a:rPr lang="en-US" sz="1200" dirty="0" err="1"/>
+              <a:t>ducana</a:t>
+            </a:r>
+            <a:endParaRPr lang="en-US" sz="1200" dirty="0"/>
+          </a:p>
+          <a:p>
+            <a:pPr marL="285750" indent="-285750">
+              <a:buFontTx/>
+              <a:buChar char="-"/>
+            </a:pPr>
+            <a:r>
+              <a:rPr lang="en-US" sz="1200" dirty="0" err="1"/>
+              <a:t>Kreiranje</a:t>
+            </a:r>
+            <a:r>
+              <a:rPr lang="en-US" sz="1200" dirty="0"/>
+              <a:t> item-a</a:t>
+            </a:r>
+          </a:p>
+          <a:p>
+            <a:pPr marL="285750" indent="-285750">
+              <a:buFontTx/>
+              <a:buChar char="-"/>
+            </a:pPr>
+            <a:endParaRPr lang="en-US" sz="1200" dirty="0"/>
+          </a:p>
+          <a:p>
+            <a:r>
+              <a:rPr lang="en-US" sz="1200" dirty="0"/>
+              <a:t>- </a:t>
+            </a:r>
+            <a:r>
+              <a:rPr lang="en-US" sz="1200" dirty="0" err="1"/>
+              <a:t>Napravite</a:t>
+            </a:r>
+            <a:r>
+              <a:rPr lang="en-US" sz="1200" dirty="0"/>
+              <a:t> git </a:t>
+            </a:r>
+            <a:r>
+              <a:rPr lang="en-US" sz="1200" dirty="0" err="1"/>
+              <a:t>repositorij</a:t>
+            </a:r>
+            <a:r>
+              <a:rPr lang="en-US" sz="1200" dirty="0"/>
+              <a:t> </a:t>
+            </a:r>
+            <a:r>
+              <a:rPr lang="en-US" sz="1200" dirty="0" err="1"/>
+              <a:t>i</a:t>
+            </a:r>
+            <a:r>
+              <a:rPr lang="en-US" sz="1200" dirty="0"/>
+              <a:t> </a:t>
+            </a:r>
+            <a:r>
+              <a:rPr lang="en-US" sz="1200" dirty="0" err="1"/>
+              <a:t>azurirajte</a:t>
+            </a:r>
+            <a:r>
+              <a:rPr lang="en-US" sz="1200" dirty="0"/>
+              <a:t> </a:t>
+            </a:r>
+            <a:r>
+              <a:rPr lang="en-US" sz="1200" dirty="0" err="1"/>
+              <a:t>kod</a:t>
+            </a:r>
+            <a:r>
+              <a:rPr lang="en-US" sz="1200" dirty="0"/>
+              <a:t>.</a:t>
+            </a:r>
           </a:p>
         </p:txBody>
       </p:sp>
     </p:spTree>
     <p:extLst>
       <p:ext uri="{BB962C8B-B14F-4D97-AF65-F5344CB8AC3E}">
-        <p14:creationId xmlns:p14="http://schemas.microsoft.com/office/powerpoint/2010/main" val="593540478"/>
-      </p:ext>
-    </p:extLst>
-  </p:cSld>
-  <p:clrMapOvr>
-    <a:masterClrMapping/>
-  </p:clrMapOvr>
-</p:sld>
-</file>
-
-<file path=ppt/slides/slide25.xml><?xml version="1.0" encoding="utf-8"?>
-<p:sld xmlns:a="http://schemas.openxmlformats.org/drawingml/2006/main" xmlns:r="http://schemas.openxmlformats.org/officeDocument/2006/relationships" xmlns:p="http://schemas.openxmlformats.org/presentationml/2006/main">
-  <p:cSld>
-    <p:spTree>
-      <p:nvGrpSpPr>
-        <p:cNvPr id="1" name=""/>
-        <p:cNvGrpSpPr/>
-        <p:nvPr/>
-      </p:nvGrpSpPr>
-      <p:grpSpPr>
-        <a:xfrm>
-          <a:off x="0" y="0"/>
-          <a:ext cx="0" cy="0"/>
-          <a:chOff x="0" y="0"/>
-          <a:chExt cx="0" cy="0"/>
-        </a:xfrm>
-      </p:grpSpPr>
-      <p:sp>
-        <p:nvSpPr>
-          <p:cNvPr id="2" name="Picture Placeholder 1">
-            <a:extLst>
-              <a:ext uri="{FF2B5EF4-FFF2-40B4-BE49-F238E27FC236}">
-                <a16:creationId xmlns:a16="http://schemas.microsoft.com/office/drawing/2014/main" id="{60BED653-EDD3-2740-B4D7-3BA94AB0927F}"/>
-              </a:ext>
-            </a:extLst>
-          </p:cNvPr>
-          <p:cNvSpPr>
-            <a:spLocks noGrp="1"/>
-          </p:cNvSpPr>
-          <p:nvPr>
-            <p:ph type="pic" idx="1"/>
-          </p:nvPr>
-        </p:nvSpPr>
-        <p:spPr/>
-        <p:txBody>
-          <a:bodyPr/>
-          <a:lstStyle/>
-          <a:p>
-            <a:endParaRPr lang="hr-HR"/>
-          </a:p>
-        </p:txBody>
-      </p:sp>
-      <p:sp>
-        <p:nvSpPr>
-          <p:cNvPr id="3" name="Title 2">
-            <a:extLst>
-              <a:ext uri="{FF2B5EF4-FFF2-40B4-BE49-F238E27FC236}">
-                <a16:creationId xmlns:a16="http://schemas.microsoft.com/office/drawing/2014/main" id="{F9EDE337-697C-1F4A-BD1C-1E21E5AC9CC3}"/>
-              </a:ext>
-            </a:extLst>
-          </p:cNvPr>
-          <p:cNvSpPr>
-            <a:spLocks noGrp="1"/>
-          </p:cNvSpPr>
-          <p:nvPr>
-            <p:ph type="title"/>
-          </p:nvPr>
-        </p:nvSpPr>
-        <p:spPr/>
-        <p:txBody>
-          <a:bodyPr/>
-          <a:lstStyle/>
-          <a:p>
-            <a:endParaRPr lang="en-US"/>
-          </a:p>
-        </p:txBody>
-      </p:sp>
-      <p:sp>
-        <p:nvSpPr>
-          <p:cNvPr id="4" name="Text Placeholder 3">
-            <a:extLst>
-              <a:ext uri="{FF2B5EF4-FFF2-40B4-BE49-F238E27FC236}">
-                <a16:creationId xmlns:a16="http://schemas.microsoft.com/office/drawing/2014/main" id="{EB844BC3-717A-7545-B49A-751CE87839A5}"/>
-              </a:ext>
-            </a:extLst>
-          </p:cNvPr>
-          <p:cNvSpPr>
-            <a:spLocks noGrp="1"/>
-          </p:cNvSpPr>
-          <p:nvPr>
-            <p:ph type="body" sz="half" idx="2"/>
-          </p:nvPr>
-        </p:nvSpPr>
-        <p:spPr/>
-        <p:txBody>
-          <a:bodyPr/>
-          <a:lstStyle/>
-          <a:p>
-            <a:endParaRPr lang="en-US"/>
-          </a:p>
-        </p:txBody>
-      </p:sp>
-    </p:spTree>
-    <p:extLst>
-      <p:ext uri="{BB962C8B-B14F-4D97-AF65-F5344CB8AC3E}">
-        <p14:creationId xmlns:p14="http://schemas.microsoft.com/office/powerpoint/2010/main" val="1653808951"/>
-      </p:ext>
-    </p:extLst>
-  </p:cSld>
-  <p:clrMapOvr>
-    <a:masterClrMapping/>
-  </p:clrMapOvr>
-</p:sld>
-</file>
-
-<file path=ppt/slides/slide26.xml><?xml version="1.0" encoding="utf-8"?>
-<p:sld xmlns:a="http://schemas.openxmlformats.org/drawingml/2006/main" xmlns:r="http://schemas.openxmlformats.org/officeDocument/2006/relationships" xmlns:p="http://schemas.openxmlformats.org/presentationml/2006/main">
-  <p:cSld>
-    <p:spTree>
-      <p:nvGrpSpPr>
-        <p:cNvPr id="1" name=""/>
-        <p:cNvGrpSpPr/>
-        <p:nvPr/>
-      </p:nvGrpSpPr>
-      <p:grpSpPr>
-        <a:xfrm>
-          <a:off x="0" y="0"/>
-          <a:ext cx="0" cy="0"/>
-          <a:chOff x="0" y="0"/>
-          <a:chExt cx="0" cy="0"/>
-        </a:xfrm>
-      </p:grpSpPr>
-      <p:sp>
-        <p:nvSpPr>
-          <p:cNvPr id="2" name="Title 1">
-            <a:extLst>
-              <a:ext uri="{FF2B5EF4-FFF2-40B4-BE49-F238E27FC236}">
-                <a16:creationId xmlns:a16="http://schemas.microsoft.com/office/drawing/2014/main" id="{89615F57-06D6-114F-B0B0-2381BD57A614}"/>
-              </a:ext>
-            </a:extLst>
-          </p:cNvPr>
-          <p:cNvSpPr>
-            <a:spLocks noGrp="1"/>
-          </p:cNvSpPr>
-          <p:nvPr>
-            <p:ph type="title"/>
-          </p:nvPr>
-        </p:nvSpPr>
-        <p:spPr/>
-        <p:txBody>
-          <a:bodyPr/>
-          <a:lstStyle/>
-          <a:p>
-            <a:endParaRPr lang="en-US"/>
-          </a:p>
-        </p:txBody>
-      </p:sp>
-    </p:spTree>
-    <p:extLst>
-      <p:ext uri="{BB962C8B-B14F-4D97-AF65-F5344CB8AC3E}">
-        <p14:creationId xmlns:p14="http://schemas.microsoft.com/office/powerpoint/2010/main" val="2898697033"/>
-      </p:ext>
-    </p:extLst>
-  </p:cSld>
-  <p:clrMapOvr>
-    <a:masterClrMapping/>
-  </p:clrMapOvr>
-</p:sld>
-</file>
-
-<file path=ppt/slides/slide27.xml><?xml version="1.0" encoding="utf-8"?>
-<p:sld xmlns:a="http://schemas.openxmlformats.org/drawingml/2006/main" xmlns:r="http://schemas.openxmlformats.org/officeDocument/2006/relationships" xmlns:p="http://schemas.openxmlformats.org/presentationml/2006/main">
-  <p:cSld>
-    <p:spTree>
-      <p:nvGrpSpPr>
-        <p:cNvPr id="1" name=""/>
-        <p:cNvGrpSpPr/>
-        <p:nvPr/>
-      </p:nvGrpSpPr>
-      <p:grpSpPr>
-        <a:xfrm>
-          <a:off x="0" y="0"/>
-          <a:ext cx="0" cy="0"/>
-          <a:chOff x="0" y="0"/>
-          <a:chExt cx="0" cy="0"/>
-        </a:xfrm>
-      </p:grpSpPr>
-      <p:sp>
-        <p:nvSpPr>
-          <p:cNvPr id="2" name="Title 1">
-            <a:extLst>
-              <a:ext uri="{FF2B5EF4-FFF2-40B4-BE49-F238E27FC236}">
-                <a16:creationId xmlns:a16="http://schemas.microsoft.com/office/drawing/2014/main" id="{A04A47B7-61BE-0D4C-B4A4-6CC6F0BF5213}"/>
-              </a:ext>
-            </a:extLst>
-          </p:cNvPr>
-          <p:cNvSpPr>
-            <a:spLocks noGrp="1"/>
-          </p:cNvSpPr>
-          <p:nvPr>
-            <p:ph type="title"/>
-          </p:nvPr>
-        </p:nvSpPr>
-        <p:spPr/>
-        <p:txBody>
-          <a:bodyPr/>
-          <a:lstStyle/>
-          <a:p>
-            <a:endParaRPr lang="en-US"/>
-          </a:p>
-        </p:txBody>
-      </p:sp>
-    </p:spTree>
-    <p:extLst>
-      <p:ext uri="{BB962C8B-B14F-4D97-AF65-F5344CB8AC3E}">
-        <p14:creationId xmlns:p14="http://schemas.microsoft.com/office/powerpoint/2010/main" val="3109468112"/>
-      </p:ext>
-    </p:extLst>
-  </p:cSld>
-  <p:clrMapOvr>
-    <a:masterClrMapping/>
-  </p:clrMapOvr>
-</p:sld>
-</file>
-
-<file path=ppt/slides/slide28.xml><?xml version="1.0" encoding="utf-8"?>
-<p:sld xmlns:a="http://schemas.openxmlformats.org/drawingml/2006/main" xmlns:r="http://schemas.openxmlformats.org/officeDocument/2006/relationships" xmlns:p="http://schemas.openxmlformats.org/presentationml/2006/main">
-  <p:cSld>
-    <p:spTree>
-      <p:nvGrpSpPr>
-        <p:cNvPr id="1" name=""/>
-        <p:cNvGrpSpPr/>
-        <p:nvPr/>
-      </p:nvGrpSpPr>
-      <p:grpSpPr>
-        <a:xfrm>
-          <a:off x="0" y="0"/>
-          <a:ext cx="0" cy="0"/>
-          <a:chOff x="0" y="0"/>
-          <a:chExt cx="0" cy="0"/>
-        </a:xfrm>
-      </p:grpSpPr>
-      <p:sp>
-        <p:nvSpPr>
-          <p:cNvPr id="2" name="Picture Placeholder 1">
-            <a:extLst>
-              <a:ext uri="{FF2B5EF4-FFF2-40B4-BE49-F238E27FC236}">
-                <a16:creationId xmlns:a16="http://schemas.microsoft.com/office/drawing/2014/main" id="{1DBD7D0D-B1DE-8040-B44B-32162AA6C297}"/>
-              </a:ext>
-            </a:extLst>
-          </p:cNvPr>
-          <p:cNvSpPr>
-            <a:spLocks noGrp="1"/>
-          </p:cNvSpPr>
-          <p:nvPr>
-            <p:ph type="pic" idx="1"/>
-          </p:nvPr>
-        </p:nvSpPr>
-        <p:spPr/>
-        <p:txBody>
-          <a:bodyPr/>
-          <a:lstStyle/>
-          <a:p>
-            <a:endParaRPr lang="hr-HR"/>
-          </a:p>
-        </p:txBody>
-      </p:sp>
-    </p:spTree>
-    <p:extLst>
-      <p:ext uri="{BB962C8B-B14F-4D97-AF65-F5344CB8AC3E}">
-        <p14:creationId xmlns:p14="http://schemas.microsoft.com/office/powerpoint/2010/main" val="4203295900"/>
-      </p:ext>
-    </p:extLst>
-  </p:cSld>
-  <p:clrMapOvr>
-    <a:masterClrMapping/>
-  </p:clrMapOvr>
-</p:sld>
-</file>
-
-<file path=ppt/slides/slide29.xml><?xml version="1.0" encoding="utf-8"?>
-<p:sld xmlns:a="http://schemas.openxmlformats.org/drawingml/2006/main" xmlns:r="http://schemas.openxmlformats.org/officeDocument/2006/relationships" xmlns:p="http://schemas.openxmlformats.org/presentationml/2006/main">
-  <p:cSld>
-    <p:spTree>
-      <p:nvGrpSpPr>
-        <p:cNvPr id="1" name=""/>
-        <p:cNvGrpSpPr/>
-        <p:nvPr/>
-      </p:nvGrpSpPr>
-      <p:grpSpPr>
-        <a:xfrm>
-          <a:off x="0" y="0"/>
-          <a:ext cx="0" cy="0"/>
-          <a:chOff x="0" y="0"/>
-          <a:chExt cx="0" cy="0"/>
-        </a:xfrm>
-      </p:grpSpPr>
-      <p:sp>
-        <p:nvSpPr>
-          <p:cNvPr id="2" name="Picture Placeholder 1">
-            <a:extLst>
-              <a:ext uri="{FF2B5EF4-FFF2-40B4-BE49-F238E27FC236}">
-                <a16:creationId xmlns:a16="http://schemas.microsoft.com/office/drawing/2014/main" id="{B47FCF73-5994-0949-995C-6E9C93611ABA}"/>
-              </a:ext>
-            </a:extLst>
-          </p:cNvPr>
-          <p:cNvSpPr>
-            <a:spLocks noGrp="1"/>
-          </p:cNvSpPr>
-          <p:nvPr>
-            <p:ph type="pic" idx="1"/>
-          </p:nvPr>
-        </p:nvSpPr>
-        <p:spPr/>
-        <p:txBody>
-          <a:bodyPr/>
-          <a:lstStyle/>
-          <a:p>
-            <a:endParaRPr lang="hr-HR"/>
-          </a:p>
-        </p:txBody>
-      </p:sp>
-    </p:spTree>
-    <p:extLst>
-      <p:ext uri="{BB962C8B-B14F-4D97-AF65-F5344CB8AC3E}">
-        <p14:creationId xmlns:p14="http://schemas.microsoft.com/office/powerpoint/2010/main" val="2667114017"/>
+        <p14:creationId xmlns:p14="http://schemas.microsoft.com/office/powerpoint/2010/main" val="181862395"/>
       </p:ext>
     </p:extLst>
   </p:cSld>
@@ -20894,107 +19730,6 @@
     <p:extLst>
       <p:ext uri="{BB962C8B-B14F-4D97-AF65-F5344CB8AC3E}">
         <p14:creationId xmlns:p14="http://schemas.microsoft.com/office/powerpoint/2010/main" val="2415075138"/>
-      </p:ext>
-    </p:extLst>
-  </p:cSld>
-  <p:clrMapOvr>
-    <a:masterClrMapping/>
-  </p:clrMapOvr>
-</p:sld>
-</file>
-
-<file path=ppt/slides/slide30.xml><?xml version="1.0" encoding="utf-8"?>
-<p:sld xmlns:a="http://schemas.openxmlformats.org/drawingml/2006/main" xmlns:r="http://schemas.openxmlformats.org/officeDocument/2006/relationships" xmlns:p="http://schemas.openxmlformats.org/presentationml/2006/main">
-  <p:cSld>
-    <p:spTree>
-      <p:nvGrpSpPr>
-        <p:cNvPr id="1" name="">
-          <a:extLst>
-            <a:ext uri="{FF2B5EF4-FFF2-40B4-BE49-F238E27FC236}">
-              <a16:creationId xmlns:a16="http://schemas.microsoft.com/office/drawing/2014/main" id="{432D48B8-C10E-533E-5B21-45A029172051}"/>
-            </a:ext>
-          </a:extLst>
-        </p:cNvPr>
-        <p:cNvGrpSpPr/>
-        <p:nvPr/>
-      </p:nvGrpSpPr>
-      <p:grpSpPr>
-        <a:xfrm>
-          <a:off x="0" y="0"/>
-          <a:ext cx="0" cy="0"/>
-          <a:chOff x="0" y="0"/>
-          <a:chExt cx="0" cy="0"/>
-        </a:xfrm>
-      </p:grpSpPr>
-      <p:sp>
-        <p:nvSpPr>
-          <p:cNvPr id="2" name="Title 1">
-            <a:extLst>
-              <a:ext uri="{FF2B5EF4-FFF2-40B4-BE49-F238E27FC236}">
-                <a16:creationId xmlns:a16="http://schemas.microsoft.com/office/drawing/2014/main" id="{5591EEDC-8401-DC09-C721-5DE263A3850D}"/>
-              </a:ext>
-            </a:extLst>
-          </p:cNvPr>
-          <p:cNvSpPr>
-            <a:spLocks noGrp="1"/>
-          </p:cNvSpPr>
-          <p:nvPr>
-            <p:ph type="title"/>
-          </p:nvPr>
-        </p:nvSpPr>
-        <p:spPr/>
-        <p:txBody>
-          <a:bodyPr>
-            <a:normAutofit fontScale="90000"/>
-          </a:bodyPr>
-          <a:lstStyle/>
-          <a:p>
-            <a:r>
-              <a:rPr lang="en-US" dirty="0"/>
-              <a:t>O</a:t>
-            </a:r>
-            <a:r>
-              <a:rPr lang="hr-HR" dirty="0"/>
-              <a:t>snovna struktura HTML fajla (Boilerplate)</a:t>
-            </a:r>
-            <a:endParaRPr lang="en-US" dirty="0"/>
-          </a:p>
-        </p:txBody>
-      </p:sp>
-      <p:pic>
-        <p:nvPicPr>
-          <p:cNvPr id="8" name="Picture 7">
-            <a:extLst>
-              <a:ext uri="{FF2B5EF4-FFF2-40B4-BE49-F238E27FC236}">
-                <a16:creationId xmlns:a16="http://schemas.microsoft.com/office/drawing/2014/main" id="{BC35637A-06F3-B314-EFBE-32B61A5EF9E5}"/>
-              </a:ext>
-            </a:extLst>
-          </p:cNvPr>
-          <p:cNvPicPr>
-            <a:picLocks noChangeAspect="1"/>
-          </p:cNvPicPr>
-          <p:nvPr/>
-        </p:nvPicPr>
-        <p:blipFill>
-          <a:blip r:embed="rId3"/>
-          <a:stretch>
-            <a:fillRect/>
-          </a:stretch>
-        </p:blipFill>
-        <p:spPr>
-          <a:xfrm>
-            <a:off x="0" y="1800109"/>
-            <a:ext cx="12192000" cy="3257781"/>
-          </a:xfrm>
-          <a:prstGeom prst="rect">
-            <a:avLst/>
-          </a:prstGeom>
-        </p:spPr>
-      </p:pic>
-    </p:spTree>
-    <p:extLst>
-      <p:ext uri="{BB962C8B-B14F-4D97-AF65-F5344CB8AC3E}">
-        <p14:creationId xmlns:p14="http://schemas.microsoft.com/office/powerpoint/2010/main" val="185019066"/>
       </p:ext>
     </p:extLst>
   </p:cSld>
@@ -23552,15 +22287,6 @@
 </file>
 
 <file path=customXml/item1.xml><?xml version="1.0" encoding="utf-8"?>
-<?mso-contentType ?>
-<FormTemplates xmlns="http://schemas.microsoft.com/sharepoint/v3/contenttype/forms">
-  <Display>DocumentLibraryForm</Display>
-  <Edit>DocumentLibraryForm</Edit>
-  <New>DocumentLibraryForm</New>
-</FormTemplates>
-</file>
-
-<file path=customXml/item2.xml><?xml version="1.0" encoding="utf-8"?>
 <p:properties xmlns:p="http://schemas.microsoft.com/office/2006/metadata/properties" xmlns:xsi="http://www.w3.org/2001/XMLSchema-instance" xmlns:pc="http://schemas.microsoft.com/office/infopath/2007/PartnerControls">
   <documentManagement>
     <lcf76f155ced4ddcb4097134ff3c332f xmlns="40806f44-bc4a-4ea4-b660-c6da93f8f179">
@@ -23569,6 +22295,15 @@
     <TaxCatchAll xmlns="758d0d8f-b783-4c78-ab73-9740c97b97cf" xsi:nil="true"/>
   </documentManagement>
 </p:properties>
+</file>
+
+<file path=customXml/item2.xml><?xml version="1.0" encoding="utf-8"?>
+<?mso-contentType ?>
+<FormTemplates xmlns="http://schemas.microsoft.com/sharepoint/v3/contenttype/forms">
+  <Display>DocumentLibraryForm</Display>
+  <Edit>DocumentLibraryForm</Edit>
+  <New>DocumentLibraryForm</New>
+</FormTemplates>
 </file>
 
 <file path=customXml/item3.xml><?xml version="1.0" encoding="utf-8"?>
@@ -23789,14 +22524,6 @@
 </file>
 
 <file path=customXml/itemProps1.xml><?xml version="1.0" encoding="utf-8"?>
-<ds:datastoreItem xmlns:ds="http://schemas.openxmlformats.org/officeDocument/2006/customXml" ds:itemID="{46915D30-CAA6-465E-907F-1770D4E3B01D}">
-  <ds:schemaRefs>
-    <ds:schemaRef ds:uri="http://schemas.microsoft.com/sharepoint/v3/contenttype/forms"/>
-  </ds:schemaRefs>
-</ds:datastoreItem>
-</file>
-
-<file path=customXml/itemProps2.xml><?xml version="1.0" encoding="utf-8"?>
 <ds:datastoreItem xmlns:ds="http://schemas.openxmlformats.org/officeDocument/2006/customXml" ds:itemID="{61E72F81-8533-461E-8E71-A6D77294CFEF}">
   <ds:schemaRefs>
     <ds:schemaRef ds:uri="http://purl.org/dc/elements/1.1/"/>
@@ -23809,6 +22536,14 @@
     <ds:schemaRef ds:uri="http://schemas.microsoft.com/office/infopath/2007/PartnerControls"/>
     <ds:schemaRef ds:uri="758d0d8f-b783-4c78-ab73-9740c97b97cf"/>
     <ds:schemaRef ds:uri="http://schemas.microsoft.com/office/2006/metadata/properties"/>
+  </ds:schemaRefs>
+</ds:datastoreItem>
+</file>
+
+<file path=customXml/itemProps2.xml><?xml version="1.0" encoding="utf-8"?>
+<ds:datastoreItem xmlns:ds="http://schemas.openxmlformats.org/officeDocument/2006/customXml" ds:itemID="{46915D30-CAA6-465E-907F-1770D4E3B01D}">
+  <ds:schemaRefs>
+    <ds:schemaRef ds:uri="http://schemas.microsoft.com/sharepoint/v3/contenttype/forms"/>
   </ds:schemaRefs>
 </ds:datastoreItem>
 </file>

--- a/Bootcamp/html-uvod/html-uvod.pptx
+++ b/Bootcamp/html-uvod/html-uvod.pptx
@@ -263,7 +263,7 @@
           <a:p>
             <a:fld id="{B2A70591-2E3C-5F42-A4E1-C0F5A0F4E5DB}" type="datetimeFigureOut">
               <a:rPr lang="en-US" smtClean="0"/>
-              <a:t>4/6/2025</a:t>
+              <a:t>4/24/2025</a:t>
             </a:fld>
             <a:endParaRPr lang="en-US"/>
           </a:p>
@@ -660,22 +660,32 @@
           <a:lstStyle/>
           <a:p>
             <a:r>
+              <a:rPr lang="en-US" dirty="0"/>
+              <a:t>BONUS: </a:t>
+            </a:r>
+            <a:r>
               <a:rPr lang="en-US" dirty="0" err="1"/>
-              <a:t>Obavezno</a:t>
+              <a:t>ispuni</a:t>
             </a:r>
             <a:r>
               <a:rPr lang="en-US" dirty="0"/>
-              <a:t> resource</a:t>
-            </a:r>
-            <a:br>
+              <a:t> </a:t>
+            </a:r>
+            <a:r>
+              <a:rPr lang="en-US" dirty="0" err="1"/>
+              <a:t>sve</a:t>
+            </a:r>
+            <a:r>
               <a:rPr lang="en-US" dirty="0"/>
-            </a:br>
-            <a:br>
+              <a:t> </a:t>
+            </a:r>
+            <a:r>
+              <a:rPr lang="en-US" dirty="0" err="1"/>
+              <a:t>dane</a:t>
+            </a:r>
+            <a:r>
               <a:rPr lang="en-US" dirty="0"/>
-            </a:br>
-            <a:r>
-              <a:rPr lang="en-US" dirty="0"/>
-              <a:t>https://www.w3schools.com/html/html_attributes.asp</a:t>
+              <a:t>.</a:t>
             </a:r>
             <a:endParaRPr lang="hr-HR" dirty="0"/>
           </a:p>
@@ -698,7 +708,7 @@
           <a:p>
             <a:fld id="{343B951A-A665-1949-AEDB-B62DC9BE7F13}" type="slidenum">
               <a:rPr lang="en-US" smtClean="0"/>
-              <a:t>13</a:t>
+              <a:t>12</a:t>
             </a:fld>
             <a:endParaRPr lang="en-US"/>
           </a:p>
@@ -707,7 +717,7 @@
     </p:spTree>
     <p:extLst>
       <p:ext uri="{BB962C8B-B14F-4D97-AF65-F5344CB8AC3E}">
-        <p14:creationId xmlns:p14="http://schemas.microsoft.com/office/powerpoint/2010/main" val="1496103376"/>
+        <p14:creationId xmlns:p14="http://schemas.microsoft.com/office/powerpoint/2010/main" val="2169808605"/>
       </p:ext>
     </p:extLst>
   </p:cSld>
@@ -762,6 +772,20 @@
           <a:lstStyle/>
           <a:p>
             <a:r>
+              <a:rPr lang="en-US" dirty="0" err="1"/>
+              <a:t>Obavezno</a:t>
+            </a:r>
+            <a:r>
+              <a:rPr lang="en-US" dirty="0"/>
+              <a:t> resource</a:t>
+            </a:r>
+            <a:br>
+              <a:rPr lang="en-US" dirty="0"/>
+            </a:br>
+            <a:br>
+              <a:rPr lang="en-US" dirty="0"/>
+            </a:br>
+            <a:r>
               <a:rPr lang="en-US" dirty="0"/>
               <a:t>https://www.w3schools.com/html/html_attributes.asp</a:t>
             </a:r>
@@ -786,6 +810,94 @@
           <a:p>
             <a:fld id="{343B951A-A665-1949-AEDB-B62DC9BE7F13}" type="slidenum">
               <a:rPr lang="en-US" smtClean="0"/>
+              <a:t>13</a:t>
+            </a:fld>
+            <a:endParaRPr lang="en-US"/>
+          </a:p>
+        </p:txBody>
+      </p:sp>
+    </p:spTree>
+    <p:extLst>
+      <p:ext uri="{BB962C8B-B14F-4D97-AF65-F5344CB8AC3E}">
+        <p14:creationId xmlns:p14="http://schemas.microsoft.com/office/powerpoint/2010/main" val="1496103376"/>
+      </p:ext>
+    </p:extLst>
+  </p:cSld>
+  <p:clrMapOvr>
+    <a:masterClrMapping/>
+  </p:clrMapOvr>
+</p:notes>
+</file>
+
+<file path=ppt/notesSlides/notesSlide12.xml><?xml version="1.0" encoding="utf-8"?>
+<p:notes xmlns:a="http://schemas.openxmlformats.org/drawingml/2006/main" xmlns:r="http://schemas.openxmlformats.org/officeDocument/2006/relationships" xmlns:p="http://schemas.openxmlformats.org/presentationml/2006/main">
+  <p:cSld>
+    <p:spTree>
+      <p:nvGrpSpPr>
+        <p:cNvPr id="1" name=""/>
+        <p:cNvGrpSpPr/>
+        <p:nvPr/>
+      </p:nvGrpSpPr>
+      <p:grpSpPr>
+        <a:xfrm>
+          <a:off x="0" y="0"/>
+          <a:ext cx="0" cy="0"/>
+          <a:chOff x="0" y="0"/>
+          <a:chExt cx="0" cy="0"/>
+        </a:xfrm>
+      </p:grpSpPr>
+      <p:sp>
+        <p:nvSpPr>
+          <p:cNvPr id="2" name="Slide Image Placeholder 1"/>
+          <p:cNvSpPr>
+            <a:spLocks noGrp="1" noRot="1" noChangeAspect="1"/>
+          </p:cNvSpPr>
+          <p:nvPr>
+            <p:ph type="sldImg"/>
+          </p:nvPr>
+        </p:nvSpPr>
+        <p:spPr/>
+      </p:sp>
+      <p:sp>
+        <p:nvSpPr>
+          <p:cNvPr id="3" name="Notes Placeholder 2"/>
+          <p:cNvSpPr>
+            <a:spLocks noGrp="1"/>
+          </p:cNvSpPr>
+          <p:nvPr>
+            <p:ph type="body" idx="1"/>
+          </p:nvPr>
+        </p:nvSpPr>
+        <p:spPr/>
+        <p:txBody>
+          <a:bodyPr/>
+          <a:lstStyle/>
+          <a:p>
+            <a:r>
+              <a:rPr lang="en-US" dirty="0"/>
+              <a:t>https://www.w3schools.com/html/html_attributes.asp</a:t>
+            </a:r>
+            <a:endParaRPr lang="hr-HR" dirty="0"/>
+          </a:p>
+        </p:txBody>
+      </p:sp>
+      <p:sp>
+        <p:nvSpPr>
+          <p:cNvPr id="4" name="Slide Number Placeholder 3"/>
+          <p:cNvSpPr>
+            <a:spLocks noGrp="1"/>
+          </p:cNvSpPr>
+          <p:nvPr>
+            <p:ph type="sldNum" sz="quarter" idx="5"/>
+          </p:nvPr>
+        </p:nvSpPr>
+        <p:spPr/>
+        <p:txBody>
+          <a:bodyPr/>
+          <a:lstStyle/>
+          <a:p>
+            <a:fld id="{343B951A-A665-1949-AEDB-B62DC9BE7F13}" type="slidenum">
+              <a:rPr lang="en-US" smtClean="0"/>
               <a:t>16</a:t>
             </a:fld>
             <a:endParaRPr lang="en-US"/>
@@ -805,7 +917,7 @@
 </p:notes>
 </file>
 
-<file path=ppt/notesSlides/notesSlide12.xml><?xml version="1.0" encoding="utf-8"?>
+<file path=ppt/notesSlides/notesSlide13.xml><?xml version="1.0" encoding="utf-8"?>
 <p:notes xmlns:a="http://schemas.openxmlformats.org/drawingml/2006/main" xmlns:r="http://schemas.openxmlformats.org/officeDocument/2006/relationships" xmlns:p="http://schemas.openxmlformats.org/presentationml/2006/main">
   <p:cSld>
     <p:spTree>
@@ -917,7 +1029,7 @@
 </p:notes>
 </file>
 
-<file path=ppt/notesSlides/notesSlide13.xml><?xml version="1.0" encoding="utf-8"?>
+<file path=ppt/notesSlides/notesSlide14.xml><?xml version="1.0" encoding="utf-8"?>
 <p:notes xmlns:a="http://schemas.openxmlformats.org/drawingml/2006/main" xmlns:r="http://schemas.openxmlformats.org/officeDocument/2006/relationships" xmlns:p="http://schemas.openxmlformats.org/presentationml/2006/main">
   <p:cSld>
     <p:spTree>
@@ -1029,7 +1141,7 @@
 </p:notes>
 </file>
 
-<file path=ppt/notesSlides/notesSlide14.xml><?xml version="1.0" encoding="utf-8"?>
+<file path=ppt/notesSlides/notesSlide15.xml><?xml version="1.0" encoding="utf-8"?>
 <p:notes xmlns:a="http://schemas.openxmlformats.org/drawingml/2006/main" xmlns:r="http://schemas.openxmlformats.org/officeDocument/2006/relationships" xmlns:p="http://schemas.openxmlformats.org/presentationml/2006/main">
   <p:cSld>
     <p:spTree>
@@ -1141,7 +1253,7 @@
 </p:notes>
 </file>
 
-<file path=ppt/notesSlides/notesSlide15.xml><?xml version="1.0" encoding="utf-8"?>
+<file path=ppt/notesSlides/notesSlide16.xml><?xml version="1.0" encoding="utf-8"?>
 <p:notes xmlns:a="http://schemas.openxmlformats.org/drawingml/2006/main" xmlns:r="http://schemas.openxmlformats.org/officeDocument/2006/relationships" xmlns:p="http://schemas.openxmlformats.org/presentationml/2006/main">
   <p:cSld>
     <p:spTree>
@@ -1302,73 +1414,9 @@
           <a:lstStyle/>
           <a:p>
             <a:r>
-              <a:rPr lang="hr-HR" dirty="0"/>
-              <a:t>https://developer.mozilla.org/en-US/docs/Web/HTML/Element/Heading_Elements</a:t>
-            </a:r>
-            <a:r>
-              <a:rPr lang="en-US" dirty="0"/>
-              <a:t> – docs za </a:t>
-            </a:r>
-            <a:r>
-              <a:rPr lang="en-US" dirty="0" err="1"/>
-              <a:t>tagove</a:t>
-            </a:r>
-            <a:endParaRPr lang="en-US" dirty="0"/>
-          </a:p>
-          <a:p>
-            <a:r>
-              <a:rPr lang="en-US" dirty="0"/>
-              <a:t>BONUS – </a:t>
-            </a:r>
-            <a:r>
-              <a:rPr lang="en-US" dirty="0" err="1"/>
-              <a:t>tko</a:t>
-            </a:r>
-            <a:r>
-              <a:rPr lang="en-US" dirty="0"/>
-              <a:t> </a:t>
-            </a:r>
-            <a:r>
-              <a:rPr lang="en-US" dirty="0" err="1"/>
-              <a:t>uspije</a:t>
-            </a:r>
-            <a:r>
-              <a:rPr lang="en-US" dirty="0"/>
-              <a:t> </a:t>
-            </a:r>
-            <a:r>
-              <a:rPr lang="en-US" dirty="0" err="1"/>
-              <a:t>napraviti</a:t>
-            </a:r>
-            <a:r>
-              <a:rPr lang="en-US" dirty="0"/>
-              <a:t> </a:t>
-            </a:r>
-            <a:r>
-              <a:rPr lang="en-US" dirty="0" err="1"/>
-              <a:t>tanku</a:t>
-            </a:r>
-            <a:r>
-              <a:rPr lang="en-US" dirty="0"/>
-              <a:t> </a:t>
-            </a:r>
-            <a:r>
-              <a:rPr lang="en-US" dirty="0" err="1"/>
-              <a:t>crtu</a:t>
-            </a:r>
-            <a:r>
-              <a:rPr lang="en-US" dirty="0"/>
-              <a:t> </a:t>
-            </a:r>
-            <a:r>
-              <a:rPr lang="en-US" dirty="0" err="1"/>
-              <a:t>ispod</a:t>
-            </a:r>
-            <a:r>
-              <a:rPr lang="en-US" dirty="0"/>
-              <a:t> h2</a:t>
-            </a:r>
-            <a:endParaRPr lang="hr-HR" dirty="0"/>
+              <a:rPr lang="hr-HR"/>
+              <a:t>https://www.w3.org/People/Berners-Lee/ShortHistory.html</a:t>
+            </a:r>
           </a:p>
         </p:txBody>
       </p:sp>
@@ -1389,7 +1437,7 @@
           <a:p>
             <a:fld id="{343B951A-A665-1949-AEDB-B62DC9BE7F13}" type="slidenum">
               <a:rPr lang="en-US" smtClean="0"/>
-              <a:t>5</a:t>
+              <a:t>3</a:t>
             </a:fld>
             <a:endParaRPr lang="en-US"/>
           </a:p>
@@ -1398,7 +1446,7 @@
     </p:spTree>
     <p:extLst>
       <p:ext uri="{BB962C8B-B14F-4D97-AF65-F5344CB8AC3E}">
-        <p14:creationId xmlns:p14="http://schemas.microsoft.com/office/powerpoint/2010/main" val="3412410273"/>
+        <p14:creationId xmlns:p14="http://schemas.microsoft.com/office/powerpoint/2010/main" val="4254768981"/>
       </p:ext>
     </p:extLst>
   </p:cSld>
@@ -1452,143 +1500,74 @@
           <a:bodyPr/>
           <a:lstStyle/>
           <a:p>
-            <a:pPr rtl="0" fontAlgn="base">
-              <a:spcBef>
-                <a:spcPts val="1200"/>
-              </a:spcBef>
-              <a:buFont typeface="Arial" panose="020B0604020202020204" pitchFamily="34" charset="0"/>
-              <a:buChar char="•"/>
-            </a:pPr>
-            <a:r>
-              <a:rPr lang="hr-HR" sz="1100" b="1" i="0" u="none" strike="noStrike" dirty="0">
-                <a:solidFill>
-                  <a:srgbClr val="000000"/>
-                </a:solidFill>
-                <a:effectLst/>
-                <a:latin typeface="Arial" panose="020B0604020202020204" pitchFamily="34" charset="0"/>
-              </a:rPr>
-              <a:t>Web tools for dummy text</a:t>
-            </a:r>
-            <a:r>
-              <a:rPr lang="hr-HR" sz="1100" b="0" i="0" u="none" strike="noStrike" dirty="0">
-                <a:solidFill>
-                  <a:srgbClr val="000000"/>
-                </a:solidFill>
-                <a:effectLst/>
-                <a:latin typeface="Arial" panose="020B0604020202020204" pitchFamily="34" charset="0"/>
-              </a:rPr>
-              <a:t>:</a:t>
-            </a:r>
-          </a:p>
-          <a:p>
-            <a:pPr marL="742950" lvl="1" indent="-285750" rtl="0" fontAlgn="base">
-              <a:buFont typeface="Arial" panose="020B0604020202020204" pitchFamily="34" charset="0"/>
-              <a:buChar char="•"/>
-            </a:pPr>
-            <a:r>
-              <a:rPr lang="hr-HR" sz="1100" b="0" i="0" u="sng" strike="noStrike" dirty="0">
-                <a:solidFill>
-                  <a:srgbClr val="1155CC"/>
-                </a:solidFill>
-                <a:effectLst/>
-                <a:latin typeface="Arial" panose="020B0604020202020204" pitchFamily="34" charset="0"/>
-                <a:hlinkClick r:id="rId3"/>
-              </a:rPr>
-              <a:t>Lipsum.com</a:t>
-            </a:r>
-            <a:r>
-              <a:rPr lang="hr-HR" sz="1100" b="0" i="0" u="none" strike="noStrike" dirty="0">
-                <a:solidFill>
-                  <a:srgbClr val="000000"/>
-                </a:solidFill>
-                <a:effectLst/>
-                <a:latin typeface="Arial" panose="020B0604020202020204" pitchFamily="34" charset="0"/>
-              </a:rPr>
-              <a:t> – Standard Lorem Ipsum.</a:t>
-            </a:r>
-          </a:p>
-          <a:p>
-            <a:pPr marL="742950" lvl="1" indent="-285750" rtl="0" fontAlgn="base">
-              <a:buFont typeface="Arial" panose="020B0604020202020204" pitchFamily="34" charset="0"/>
-              <a:buChar char="•"/>
-            </a:pPr>
-            <a:r>
-              <a:rPr lang="hr-HR" sz="1100" b="0" i="0" u="sng" strike="noStrike" dirty="0">
-                <a:solidFill>
-                  <a:srgbClr val="1155CC"/>
-                </a:solidFill>
-                <a:effectLst/>
-                <a:latin typeface="Arial" panose="020B0604020202020204" pitchFamily="34" charset="0"/>
-                <a:hlinkClick r:id="rId4"/>
-              </a:rPr>
-              <a:t>Bacon Ipsum</a:t>
-            </a:r>
-            <a:r>
-              <a:rPr lang="hr-HR" sz="1100" b="0" i="0" u="none" strike="noStrike" dirty="0">
-                <a:solidFill>
-                  <a:srgbClr val="000000"/>
-                </a:solidFill>
-                <a:effectLst/>
-                <a:latin typeface="Arial" panose="020B0604020202020204" pitchFamily="34" charset="0"/>
-              </a:rPr>
-              <a:t> – Meat-themed text.</a:t>
-            </a:r>
-          </a:p>
-          <a:p>
-            <a:pPr marL="742950" lvl="1" indent="-285750" rtl="0" fontAlgn="base">
-              <a:buFont typeface="Arial" panose="020B0604020202020204" pitchFamily="34" charset="0"/>
-              <a:buChar char="•"/>
-            </a:pPr>
-            <a:r>
-              <a:rPr lang="hr-HR" sz="1100" b="0" i="0" u="sng" strike="noStrike" dirty="0">
-                <a:solidFill>
-                  <a:srgbClr val="1155CC"/>
-                </a:solidFill>
-                <a:effectLst/>
-                <a:latin typeface="Arial" panose="020B0604020202020204" pitchFamily="34" charset="0"/>
-                <a:hlinkClick r:id="rId5"/>
-              </a:rPr>
-              <a:t>Bro Ipsum</a:t>
-            </a:r>
-            <a:r>
-              <a:rPr lang="hr-HR" sz="1100" b="0" i="0" u="none" strike="noStrike" dirty="0">
-                <a:solidFill>
-                  <a:srgbClr val="000000"/>
-                </a:solidFill>
-                <a:effectLst/>
-                <a:latin typeface="Arial" panose="020B0604020202020204" pitchFamily="34" charset="0"/>
-              </a:rPr>
-              <a:t> – Bro culture text.</a:t>
-            </a:r>
-          </a:p>
-          <a:p>
-            <a:pPr marL="742950" lvl="1" indent="-285750" rtl="0" fontAlgn="base">
-              <a:spcAft>
-                <a:spcPts val="1200"/>
-              </a:spcAft>
-              <a:buFont typeface="Arial" panose="020B0604020202020204" pitchFamily="34" charset="0"/>
-              <a:buChar char="•"/>
-            </a:pPr>
-            <a:r>
-              <a:rPr lang="hr-HR" sz="1100" b="1" i="0" u="none" strike="noStrike" dirty="0">
-                <a:solidFill>
-                  <a:srgbClr val="000000"/>
-                </a:solidFill>
-                <a:effectLst/>
-                <a:latin typeface="Arial" panose="020B0604020202020204" pitchFamily="34" charset="0"/>
-              </a:rPr>
-              <a:t>Search "Funny Lorem Ipsum"</a:t>
-            </a:r>
-            <a:r>
-              <a:rPr lang="hr-HR" sz="1100" b="0" i="0" u="none" strike="noStrike" dirty="0">
-                <a:solidFill>
-                  <a:srgbClr val="000000"/>
-                </a:solidFill>
-                <a:effectLst/>
-                <a:latin typeface="Arial" panose="020B0604020202020204" pitchFamily="34" charset="0"/>
-              </a:rPr>
-              <a:t> for more variations.</a:t>
-            </a:r>
+            <a:r>
+              <a:rPr lang="hr-HR" dirty="0"/>
+              <a:t>https://developer.mozilla.org/en-US/docs/Web/HTML/Element/Heading_Elements</a:t>
+            </a:r>
+            <a:r>
+              <a:rPr lang="en-US" dirty="0"/>
+              <a:t> – docs za </a:t>
+            </a:r>
+            <a:r>
+              <a:rPr lang="en-US" dirty="0" err="1"/>
+              <a:t>tagove</a:t>
+            </a:r>
+            <a:endParaRPr lang="en-US" dirty="0"/>
+          </a:p>
+          <a:p>
+            <a:r>
+              <a:rPr lang="en-US" dirty="0"/>
+              <a:t>BONUS – </a:t>
+            </a:r>
+            <a:r>
+              <a:rPr lang="en-US" dirty="0" err="1"/>
+              <a:t>tko</a:t>
+            </a:r>
+            <a:r>
+              <a:rPr lang="en-US" dirty="0"/>
+              <a:t> </a:t>
+            </a:r>
+            <a:r>
+              <a:rPr lang="en-US" dirty="0" err="1"/>
+              <a:t>uspije</a:t>
+            </a:r>
+            <a:r>
+              <a:rPr lang="en-US" dirty="0"/>
+              <a:t> </a:t>
+            </a:r>
+            <a:r>
+              <a:rPr lang="en-US" dirty="0" err="1"/>
+              <a:t>napraviti</a:t>
+            </a:r>
+            <a:r>
+              <a:rPr lang="en-US" dirty="0"/>
+              <a:t> </a:t>
+            </a:r>
+            <a:r>
+              <a:rPr lang="en-US" dirty="0" err="1"/>
+              <a:t>tanku</a:t>
+            </a:r>
+            <a:r>
+              <a:rPr lang="en-US" dirty="0"/>
+              <a:t> </a:t>
+            </a:r>
+            <a:r>
+              <a:rPr lang="en-US" dirty="0" err="1"/>
+              <a:t>crtu</a:t>
+            </a:r>
+            <a:r>
+              <a:rPr lang="en-US" dirty="0"/>
+              <a:t> </a:t>
+            </a:r>
+            <a:r>
+              <a:rPr lang="en-US" dirty="0" err="1"/>
+              <a:t>ispod</a:t>
+            </a:r>
+            <a:r>
+              <a:rPr lang="en-US" dirty="0"/>
+              <a:t> h2</a:t>
+            </a:r>
+            <a:endParaRPr lang="hr-HR" dirty="0"/>
           </a:p>
         </p:txBody>
       </p:sp>
@@ -1609,7 +1588,7 @@
           <a:p>
             <a:fld id="{343B951A-A665-1949-AEDB-B62DC9BE7F13}" type="slidenum">
               <a:rPr lang="en-US" smtClean="0"/>
-              <a:t>6</a:t>
+              <a:t>5</a:t>
             </a:fld>
             <a:endParaRPr lang="en-US"/>
           </a:p>
@@ -1618,7 +1597,7 @@
     </p:spTree>
     <p:extLst>
       <p:ext uri="{BB962C8B-B14F-4D97-AF65-F5344CB8AC3E}">
-        <p14:creationId xmlns:p14="http://schemas.microsoft.com/office/powerpoint/2010/main" val="2395660904"/>
+        <p14:creationId xmlns:p14="http://schemas.microsoft.com/office/powerpoint/2010/main" val="3412410273"/>
       </p:ext>
     </p:extLst>
   </p:cSld>
@@ -1629,1945 +1608,6 @@
 </file>
 
 <file path=ppt/notesSlides/notesSlide4.xml><?xml version="1.0" encoding="utf-8"?>
-<p:notes xmlns:a="http://schemas.openxmlformats.org/drawingml/2006/main" xmlns:r="http://schemas.openxmlformats.org/officeDocument/2006/relationships" xmlns:p="http://schemas.openxmlformats.org/presentationml/2006/main">
-  <p:cSld>
-    <p:spTree>
-      <p:nvGrpSpPr>
-        <p:cNvPr id="1" name="">
-          <a:extLst>
-            <a:ext uri="{FF2B5EF4-FFF2-40B4-BE49-F238E27FC236}">
-              <a16:creationId xmlns:a16="http://schemas.microsoft.com/office/drawing/2014/main" id="{F85A8C91-0E6B-0F01-5980-64F972DAEF5B}"/>
-            </a:ext>
-          </a:extLst>
-        </p:cNvPr>
-        <p:cNvGrpSpPr/>
-        <p:nvPr/>
-      </p:nvGrpSpPr>
-      <p:grpSpPr>
-        <a:xfrm>
-          <a:off x="0" y="0"/>
-          <a:ext cx="0" cy="0"/>
-          <a:chOff x="0" y="0"/>
-          <a:chExt cx="0" cy="0"/>
-        </a:xfrm>
-      </p:grpSpPr>
-      <p:sp>
-        <p:nvSpPr>
-          <p:cNvPr id="2" name="Slide Image Placeholder 1">
-            <a:extLst>
-              <a:ext uri="{FF2B5EF4-FFF2-40B4-BE49-F238E27FC236}">
-                <a16:creationId xmlns:a16="http://schemas.microsoft.com/office/drawing/2014/main" id="{4FF0C22B-8DCE-8BA6-4D5C-33E4EF9E6FC9}"/>
-              </a:ext>
-            </a:extLst>
-          </p:cNvPr>
-          <p:cNvSpPr>
-            <a:spLocks noGrp="1" noRot="1" noChangeAspect="1"/>
-          </p:cNvSpPr>
-          <p:nvPr>
-            <p:ph type="sldImg"/>
-          </p:nvPr>
-        </p:nvSpPr>
-        <p:spPr/>
-      </p:sp>
-      <p:sp>
-        <p:nvSpPr>
-          <p:cNvPr id="3" name="Notes Placeholder 2">
-            <a:extLst>
-              <a:ext uri="{FF2B5EF4-FFF2-40B4-BE49-F238E27FC236}">
-                <a16:creationId xmlns:a16="http://schemas.microsoft.com/office/drawing/2014/main" id="{F141C37C-9A67-DD44-E40F-D73B823E4DA6}"/>
-              </a:ext>
-            </a:extLst>
-          </p:cNvPr>
-          <p:cNvSpPr>
-            <a:spLocks noGrp="1"/>
-          </p:cNvSpPr>
-          <p:nvPr>
-            <p:ph type="body" idx="1"/>
-          </p:nvPr>
-        </p:nvSpPr>
-        <p:spPr/>
-        <p:txBody>
-          <a:bodyPr/>
-          <a:lstStyle/>
-          <a:p>
-            <a:pPr rtl="0" fontAlgn="base">
-              <a:spcBef>
-                <a:spcPts val="1200"/>
-              </a:spcBef>
-              <a:buFont typeface="Arial" panose="020B0604020202020204" pitchFamily="34" charset="0"/>
-              <a:buChar char="•"/>
-            </a:pPr>
-            <a:r>
-              <a:rPr lang="en-US" sz="1100" b="0" i="0" u="none" strike="noStrike" dirty="0" err="1">
-                <a:solidFill>
-                  <a:srgbClr val="000000"/>
-                </a:solidFill>
-                <a:effectLst/>
-                <a:latin typeface="Arial" panose="020B0604020202020204" pitchFamily="34" charset="0"/>
-              </a:rPr>
-              <a:t>Prakticna</a:t>
-            </a:r>
-            <a:r>
-              <a:rPr lang="en-US" sz="1100" b="0" i="0" u="none" strike="noStrike" dirty="0">
-                <a:solidFill>
-                  <a:srgbClr val="000000"/>
-                </a:solidFill>
-                <a:effectLst/>
-                <a:latin typeface="Arial" panose="020B0604020202020204" pitchFamily="34" charset="0"/>
-              </a:rPr>
-              <a:t> </a:t>
-            </a:r>
-            <a:r>
-              <a:rPr lang="en-US" sz="1100" b="0" i="0" u="none" strike="noStrike" dirty="0" err="1">
-                <a:solidFill>
-                  <a:srgbClr val="000000"/>
-                </a:solidFill>
-                <a:effectLst/>
-                <a:latin typeface="Arial" panose="020B0604020202020204" pitchFamily="34" charset="0"/>
-              </a:rPr>
-              <a:t>primjena</a:t>
-            </a:r>
-            <a:endParaRPr lang="en-US" sz="1100" b="0" i="0" u="none" strike="noStrike" dirty="0">
-              <a:solidFill>
-                <a:srgbClr val="000000"/>
-              </a:solidFill>
-              <a:effectLst/>
-              <a:latin typeface="Arial" panose="020B0604020202020204" pitchFamily="34" charset="0"/>
-            </a:endParaRPr>
-          </a:p>
-          <a:p>
-            <a:pPr lvl="1" rtl="0" fontAlgn="base">
-              <a:spcBef>
-                <a:spcPts val="1200"/>
-              </a:spcBef>
-              <a:buFont typeface="Arial" panose="020B0604020202020204" pitchFamily="34" charset="0"/>
-              <a:buChar char="•"/>
-            </a:pPr>
-            <a:endParaRPr lang="en-US" sz="1100" b="0" i="0" u="none" strike="noStrike" dirty="0">
-              <a:solidFill>
-                <a:srgbClr val="000000"/>
-              </a:solidFill>
-              <a:effectLst/>
-              <a:latin typeface="Arial" panose="020B0604020202020204" pitchFamily="34" charset="0"/>
-            </a:endParaRPr>
-          </a:p>
-          <a:p>
-            <a:pPr lvl="1" rtl="0" fontAlgn="base">
-              <a:spcBef>
-                <a:spcPts val="1200"/>
-              </a:spcBef>
-              <a:buFont typeface="Arial" panose="020B0604020202020204" pitchFamily="34" charset="0"/>
-              <a:buChar char="•"/>
-            </a:pPr>
-            <a:r>
-              <a:rPr lang="hr-HR" sz="1600" dirty="0"/>
-              <a:t>&lt;p&gt;Prvi paragraf.&lt;/p&gt; </a:t>
-            </a:r>
-            <a:endParaRPr lang="en-US" sz="1600" dirty="0"/>
-          </a:p>
-          <a:p>
-            <a:pPr lvl="1" rtl="0" fontAlgn="base">
-              <a:spcBef>
-                <a:spcPts val="1200"/>
-              </a:spcBef>
-              <a:buFont typeface="Arial" panose="020B0604020202020204" pitchFamily="34" charset="0"/>
-              <a:buChar char="•"/>
-            </a:pPr>
-            <a:r>
-              <a:rPr lang="hr-HR" sz="1600" dirty="0"/>
-              <a:t>&lt;hr /&gt; </a:t>
-            </a:r>
-            <a:endParaRPr lang="en-US" sz="1600" dirty="0"/>
-          </a:p>
-          <a:p>
-            <a:pPr lvl="1" rtl="0" fontAlgn="base">
-              <a:spcBef>
-                <a:spcPts val="1200"/>
-              </a:spcBef>
-              <a:buFont typeface="Arial" panose="020B0604020202020204" pitchFamily="34" charset="0"/>
-              <a:buChar char="•"/>
-            </a:pPr>
-            <a:r>
-              <a:rPr lang="hr-HR" sz="1600" dirty="0"/>
-              <a:t>&lt;p&gt;Drugi paragraf.&lt;/p&gt;</a:t>
-            </a:r>
-            <a:endParaRPr lang="en-US" sz="1600" dirty="0"/>
-          </a:p>
-          <a:p>
-            <a:pPr lvl="1" rtl="0" fontAlgn="base">
-              <a:spcBef>
-                <a:spcPts val="1200"/>
-              </a:spcBef>
-              <a:buFont typeface="Arial" panose="020B0604020202020204" pitchFamily="34" charset="0"/>
-              <a:buChar char="•"/>
-            </a:pPr>
-            <a:endParaRPr lang="en-US" sz="1600" b="0" i="0" u="none" strike="noStrike" dirty="0">
-              <a:solidFill>
-                <a:srgbClr val="000000"/>
-              </a:solidFill>
-              <a:effectLst/>
-              <a:latin typeface="Arial" panose="020B0604020202020204" pitchFamily="34" charset="0"/>
-            </a:endParaRPr>
-          </a:p>
-          <a:p>
-            <a:pPr lvl="1" rtl="0" fontAlgn="base">
-              <a:spcBef>
-                <a:spcPts val="1200"/>
-              </a:spcBef>
-              <a:buFont typeface="Arial" panose="020B0604020202020204" pitchFamily="34" charset="0"/>
-              <a:buChar char="•"/>
-            </a:pPr>
-            <a:endParaRPr lang="en-US" sz="1600" b="0" i="0" u="none" strike="noStrike" dirty="0">
-              <a:solidFill>
-                <a:srgbClr val="000000"/>
-              </a:solidFill>
-              <a:effectLst/>
-              <a:latin typeface="Arial" panose="020B0604020202020204" pitchFamily="34" charset="0"/>
-            </a:endParaRPr>
-          </a:p>
-          <a:p>
-            <a:pPr>
-              <a:lnSpc>
-                <a:spcPts val="1425"/>
-              </a:lnSpc>
-            </a:pPr>
-            <a:r>
-              <a:rPr lang="hr-HR" sz="1600" b="0" dirty="0">
-                <a:solidFill>
-                  <a:srgbClr val="808080"/>
-                </a:solidFill>
-                <a:effectLst/>
-                <a:latin typeface="Consolas" panose="020B0609020204030204" pitchFamily="49" charset="0"/>
-              </a:rPr>
-              <a:t>&lt;</a:t>
-            </a:r>
-            <a:r>
-              <a:rPr lang="hr-HR" sz="1600" b="0" dirty="0">
-                <a:solidFill>
-                  <a:srgbClr val="569CD6"/>
-                </a:solidFill>
-                <a:effectLst/>
-                <a:latin typeface="Consolas" panose="020B0609020204030204" pitchFamily="49" charset="0"/>
-              </a:rPr>
-              <a:t>p</a:t>
-            </a:r>
-            <a:r>
-              <a:rPr lang="hr-HR" sz="1600" b="0" dirty="0">
-                <a:solidFill>
-                  <a:srgbClr val="808080"/>
-                </a:solidFill>
-                <a:effectLst/>
-                <a:latin typeface="Consolas" panose="020B0609020204030204" pitchFamily="49" charset="0"/>
-              </a:rPr>
-              <a:t>&gt;</a:t>
-            </a:r>
-            <a:endParaRPr lang="hr-HR" sz="1600" b="0" dirty="0">
-              <a:solidFill>
-                <a:srgbClr val="CCCCCC"/>
-              </a:solidFill>
-              <a:effectLst/>
-              <a:latin typeface="Consolas" panose="020B0609020204030204" pitchFamily="49" charset="0"/>
-            </a:endParaRPr>
-          </a:p>
-          <a:p>
-            <a:pPr>
-              <a:lnSpc>
-                <a:spcPts val="1425"/>
-              </a:lnSpc>
-            </a:pPr>
-            <a:r>
-              <a:rPr lang="hr-HR" sz="1600" b="0" dirty="0">
-                <a:solidFill>
-                  <a:srgbClr val="CCCCCC"/>
-                </a:solidFill>
-                <a:effectLst/>
-                <a:latin typeface="Consolas" panose="020B0609020204030204" pitchFamily="49" charset="0"/>
-              </a:rPr>
-              <a:t>    Vidjeti svijet u zrnu pijeska</a:t>
-            </a:r>
-            <a:r>
-              <a:rPr lang="hr-HR" sz="1600" b="0" dirty="0">
-                <a:solidFill>
-                  <a:srgbClr val="808080"/>
-                </a:solidFill>
-                <a:effectLst/>
-                <a:latin typeface="Consolas" panose="020B0609020204030204" pitchFamily="49" charset="0"/>
-              </a:rPr>
-              <a:t>&lt;</a:t>
-            </a:r>
-            <a:r>
-              <a:rPr lang="hr-HR" sz="1600" b="0" dirty="0">
-                <a:solidFill>
-                  <a:srgbClr val="569CD6"/>
-                </a:solidFill>
-                <a:effectLst/>
-                <a:latin typeface="Consolas" panose="020B0609020204030204" pitchFamily="49" charset="0"/>
-              </a:rPr>
-              <a:t>br</a:t>
-            </a:r>
-            <a:r>
-              <a:rPr lang="hr-HR" sz="1600" b="0" dirty="0">
-                <a:solidFill>
-                  <a:srgbClr val="CCCCCC"/>
-                </a:solidFill>
-                <a:effectLst/>
-                <a:latin typeface="Consolas" panose="020B0609020204030204" pitchFamily="49" charset="0"/>
-              </a:rPr>
-              <a:t> </a:t>
-            </a:r>
-            <a:r>
-              <a:rPr lang="hr-HR" sz="1600" b="0" dirty="0">
-                <a:solidFill>
-                  <a:srgbClr val="808080"/>
-                </a:solidFill>
-                <a:effectLst/>
-                <a:latin typeface="Consolas" panose="020B0609020204030204" pitchFamily="49" charset="0"/>
-              </a:rPr>
-              <a:t>/&gt;</a:t>
-            </a:r>
-            <a:endParaRPr lang="hr-HR" sz="1600" b="0" dirty="0">
-              <a:solidFill>
-                <a:srgbClr val="CCCCCC"/>
-              </a:solidFill>
-              <a:effectLst/>
-              <a:latin typeface="Consolas" panose="020B0609020204030204" pitchFamily="49" charset="0"/>
-            </a:endParaRPr>
-          </a:p>
-          <a:p>
-            <a:pPr>
-              <a:lnSpc>
-                <a:spcPts val="1425"/>
-              </a:lnSpc>
-            </a:pPr>
-            <a:r>
-              <a:rPr lang="hr-HR" sz="1600" b="0" dirty="0">
-                <a:solidFill>
-                  <a:srgbClr val="CCCCCC"/>
-                </a:solidFill>
-                <a:effectLst/>
-                <a:latin typeface="Consolas" panose="020B0609020204030204" pitchFamily="49" charset="0"/>
-              </a:rPr>
-              <a:t>    I nebo u divljem cvijetu,</a:t>
-            </a:r>
-            <a:r>
-              <a:rPr lang="hr-HR" sz="1600" b="0" dirty="0">
-                <a:solidFill>
-                  <a:srgbClr val="808080"/>
-                </a:solidFill>
-                <a:effectLst/>
-                <a:latin typeface="Consolas" panose="020B0609020204030204" pitchFamily="49" charset="0"/>
-              </a:rPr>
-              <a:t>&lt;</a:t>
-            </a:r>
-            <a:r>
-              <a:rPr lang="hr-HR" sz="1600" b="0" dirty="0">
-                <a:solidFill>
-                  <a:srgbClr val="569CD6"/>
-                </a:solidFill>
-                <a:effectLst/>
-                <a:latin typeface="Consolas" panose="020B0609020204030204" pitchFamily="49" charset="0"/>
-              </a:rPr>
-              <a:t>br</a:t>
-            </a:r>
-            <a:r>
-              <a:rPr lang="hr-HR" sz="1600" b="0" dirty="0">
-                <a:solidFill>
-                  <a:srgbClr val="CCCCCC"/>
-                </a:solidFill>
-                <a:effectLst/>
-                <a:latin typeface="Consolas" panose="020B0609020204030204" pitchFamily="49" charset="0"/>
-              </a:rPr>
-              <a:t> </a:t>
-            </a:r>
-            <a:r>
-              <a:rPr lang="hr-HR" sz="1600" b="0" dirty="0">
-                <a:solidFill>
-                  <a:srgbClr val="808080"/>
-                </a:solidFill>
-                <a:effectLst/>
-                <a:latin typeface="Consolas" panose="020B0609020204030204" pitchFamily="49" charset="0"/>
-              </a:rPr>
-              <a:t>/&gt;</a:t>
-            </a:r>
-            <a:endParaRPr lang="hr-HR" sz="1600" b="0" dirty="0">
-              <a:solidFill>
-                <a:srgbClr val="CCCCCC"/>
-              </a:solidFill>
-              <a:effectLst/>
-              <a:latin typeface="Consolas" panose="020B0609020204030204" pitchFamily="49" charset="0"/>
-            </a:endParaRPr>
-          </a:p>
-          <a:p>
-            <a:pPr>
-              <a:lnSpc>
-                <a:spcPts val="1425"/>
-              </a:lnSpc>
-            </a:pPr>
-            <a:r>
-              <a:rPr lang="hr-HR" sz="1600" b="0" dirty="0">
-                <a:solidFill>
-                  <a:srgbClr val="CCCCCC"/>
-                </a:solidFill>
-                <a:effectLst/>
-                <a:latin typeface="Consolas" panose="020B0609020204030204" pitchFamily="49" charset="0"/>
-              </a:rPr>
-              <a:t>    Držati beskonačnost u ruci</a:t>
-            </a:r>
-            <a:r>
-              <a:rPr lang="hr-HR" sz="1600" b="0" dirty="0">
-                <a:solidFill>
-                  <a:srgbClr val="808080"/>
-                </a:solidFill>
-                <a:effectLst/>
-                <a:latin typeface="Consolas" panose="020B0609020204030204" pitchFamily="49" charset="0"/>
-              </a:rPr>
-              <a:t>&lt;</a:t>
-            </a:r>
-            <a:r>
-              <a:rPr lang="hr-HR" sz="1600" b="0" dirty="0">
-                <a:solidFill>
-                  <a:srgbClr val="569CD6"/>
-                </a:solidFill>
-                <a:effectLst/>
-                <a:latin typeface="Consolas" panose="020B0609020204030204" pitchFamily="49" charset="0"/>
-              </a:rPr>
-              <a:t>br</a:t>
-            </a:r>
-            <a:r>
-              <a:rPr lang="hr-HR" sz="1600" b="0" dirty="0">
-                <a:solidFill>
-                  <a:srgbClr val="CCCCCC"/>
-                </a:solidFill>
-                <a:effectLst/>
-                <a:latin typeface="Consolas" panose="020B0609020204030204" pitchFamily="49" charset="0"/>
-              </a:rPr>
-              <a:t> </a:t>
-            </a:r>
-            <a:r>
-              <a:rPr lang="hr-HR" sz="1600" b="0" dirty="0">
-                <a:solidFill>
-                  <a:srgbClr val="808080"/>
-                </a:solidFill>
-                <a:effectLst/>
-                <a:latin typeface="Consolas" panose="020B0609020204030204" pitchFamily="49" charset="0"/>
-              </a:rPr>
-              <a:t>/&gt;</a:t>
-            </a:r>
-            <a:endParaRPr lang="hr-HR" sz="1600" b="0" dirty="0">
-              <a:solidFill>
-                <a:srgbClr val="CCCCCC"/>
-              </a:solidFill>
-              <a:effectLst/>
-              <a:latin typeface="Consolas" panose="020B0609020204030204" pitchFamily="49" charset="0"/>
-            </a:endParaRPr>
-          </a:p>
-          <a:p>
-            <a:pPr>
-              <a:lnSpc>
-                <a:spcPts val="1425"/>
-              </a:lnSpc>
-            </a:pPr>
-            <a:r>
-              <a:rPr lang="hr-HR" sz="1600" b="0" dirty="0">
-                <a:solidFill>
-                  <a:srgbClr val="CCCCCC"/>
-                </a:solidFill>
-                <a:effectLst/>
-                <a:latin typeface="Consolas" panose="020B0609020204030204" pitchFamily="49" charset="0"/>
-              </a:rPr>
-              <a:t>    I vječnost u jednom satu.</a:t>
-            </a:r>
-          </a:p>
-          <a:p>
-            <a:pPr>
-              <a:lnSpc>
-                <a:spcPts val="1425"/>
-              </a:lnSpc>
-            </a:pPr>
-            <a:r>
-              <a:rPr lang="hr-HR" sz="1600" b="0" dirty="0">
-                <a:solidFill>
-                  <a:srgbClr val="808080"/>
-                </a:solidFill>
-                <a:effectLst/>
-                <a:latin typeface="Consolas" panose="020B0609020204030204" pitchFamily="49" charset="0"/>
-              </a:rPr>
-              <a:t>&lt;/</a:t>
-            </a:r>
-            <a:r>
-              <a:rPr lang="hr-HR" sz="1600" b="0" dirty="0">
-                <a:solidFill>
-                  <a:srgbClr val="569CD6"/>
-                </a:solidFill>
-                <a:effectLst/>
-                <a:latin typeface="Consolas" panose="020B0609020204030204" pitchFamily="49" charset="0"/>
-              </a:rPr>
-              <a:t>p</a:t>
-            </a:r>
-            <a:r>
-              <a:rPr lang="hr-HR" sz="1600" b="0" dirty="0">
-                <a:solidFill>
-                  <a:srgbClr val="808080"/>
-                </a:solidFill>
-                <a:effectLst/>
-                <a:latin typeface="Consolas" panose="020B0609020204030204" pitchFamily="49" charset="0"/>
-              </a:rPr>
-              <a:t>&gt;</a:t>
-            </a:r>
-            <a:endParaRPr lang="hr-HR" sz="1600" b="0" dirty="0">
-              <a:solidFill>
-                <a:srgbClr val="CCCCCC"/>
-              </a:solidFill>
-              <a:effectLst/>
-              <a:latin typeface="Consolas" panose="020B0609020204030204" pitchFamily="49" charset="0"/>
-            </a:endParaRPr>
-          </a:p>
-          <a:p>
-            <a:pPr lvl="1" rtl="0" fontAlgn="base">
-              <a:spcBef>
-                <a:spcPts val="1200"/>
-              </a:spcBef>
-              <a:buFont typeface="Arial" panose="020B0604020202020204" pitchFamily="34" charset="0"/>
-              <a:buChar char="•"/>
-            </a:pPr>
-            <a:endParaRPr lang="en-US" sz="1100" b="0" i="0" u="none" strike="noStrike" dirty="0">
-              <a:solidFill>
-                <a:srgbClr val="000000"/>
-              </a:solidFill>
-              <a:effectLst/>
-              <a:latin typeface="Arial" panose="020B0604020202020204" pitchFamily="34" charset="0"/>
-            </a:endParaRPr>
-          </a:p>
-        </p:txBody>
-      </p:sp>
-      <p:sp>
-        <p:nvSpPr>
-          <p:cNvPr id="4" name="Slide Number Placeholder 3">
-            <a:extLst>
-              <a:ext uri="{FF2B5EF4-FFF2-40B4-BE49-F238E27FC236}">
-                <a16:creationId xmlns:a16="http://schemas.microsoft.com/office/drawing/2014/main" id="{B10B2DBD-6574-3FD0-B356-218E43F6DBCD}"/>
-              </a:ext>
-            </a:extLst>
-          </p:cNvPr>
-          <p:cNvSpPr>
-            <a:spLocks noGrp="1"/>
-          </p:cNvSpPr>
-          <p:nvPr>
-            <p:ph type="sldNum" sz="quarter" idx="5"/>
-          </p:nvPr>
-        </p:nvSpPr>
-        <p:spPr/>
-        <p:txBody>
-          <a:bodyPr/>
-          <a:lstStyle/>
-          <a:p>
-            <a:fld id="{343B951A-A665-1949-AEDB-B62DC9BE7F13}" type="slidenum">
-              <a:rPr lang="en-US" smtClean="0"/>
-              <a:t>7</a:t>
-            </a:fld>
-            <a:endParaRPr lang="en-US"/>
-          </a:p>
-        </p:txBody>
-      </p:sp>
-    </p:spTree>
-    <p:extLst>
-      <p:ext uri="{BB962C8B-B14F-4D97-AF65-F5344CB8AC3E}">
-        <p14:creationId xmlns:p14="http://schemas.microsoft.com/office/powerpoint/2010/main" val="13865456"/>
-      </p:ext>
-    </p:extLst>
-  </p:cSld>
-  <p:clrMapOvr>
-    <a:masterClrMapping/>
-  </p:clrMapOvr>
-</p:notes>
-</file>
-
-<file path=ppt/notesSlides/notesSlide5.xml><?xml version="1.0" encoding="utf-8"?>
-<p:notes xmlns:a="http://schemas.openxmlformats.org/drawingml/2006/main" xmlns:r="http://schemas.openxmlformats.org/officeDocument/2006/relationships" xmlns:p="http://schemas.openxmlformats.org/presentationml/2006/main">
-  <p:cSld>
-    <p:spTree>
-      <p:nvGrpSpPr>
-        <p:cNvPr id="1" name="">
-          <a:extLst>
-            <a:ext uri="{FF2B5EF4-FFF2-40B4-BE49-F238E27FC236}">
-              <a16:creationId xmlns:a16="http://schemas.microsoft.com/office/drawing/2014/main" id="{DD35FF3F-0578-F3F0-C994-21B2B721CBDC}"/>
-            </a:ext>
-          </a:extLst>
-        </p:cNvPr>
-        <p:cNvGrpSpPr/>
-        <p:nvPr/>
-      </p:nvGrpSpPr>
-      <p:grpSpPr>
-        <a:xfrm>
-          <a:off x="0" y="0"/>
-          <a:ext cx="0" cy="0"/>
-          <a:chOff x="0" y="0"/>
-          <a:chExt cx="0" cy="0"/>
-        </a:xfrm>
-      </p:grpSpPr>
-      <p:sp>
-        <p:nvSpPr>
-          <p:cNvPr id="2" name="Slide Image Placeholder 1">
-            <a:extLst>
-              <a:ext uri="{FF2B5EF4-FFF2-40B4-BE49-F238E27FC236}">
-                <a16:creationId xmlns:a16="http://schemas.microsoft.com/office/drawing/2014/main" id="{7A8F50E4-F05A-7162-4FE5-14F33DEEC7B4}"/>
-              </a:ext>
-            </a:extLst>
-          </p:cNvPr>
-          <p:cNvSpPr>
-            <a:spLocks noGrp="1" noRot="1" noChangeAspect="1"/>
-          </p:cNvSpPr>
-          <p:nvPr>
-            <p:ph type="sldImg"/>
-          </p:nvPr>
-        </p:nvSpPr>
-        <p:spPr/>
-      </p:sp>
-      <p:sp>
-        <p:nvSpPr>
-          <p:cNvPr id="3" name="Notes Placeholder 2">
-            <a:extLst>
-              <a:ext uri="{FF2B5EF4-FFF2-40B4-BE49-F238E27FC236}">
-                <a16:creationId xmlns:a16="http://schemas.microsoft.com/office/drawing/2014/main" id="{07F50A6E-9E12-C15F-92FD-D4027D97E3E7}"/>
-              </a:ext>
-            </a:extLst>
-          </p:cNvPr>
-          <p:cNvSpPr>
-            <a:spLocks noGrp="1"/>
-          </p:cNvSpPr>
-          <p:nvPr>
-            <p:ph type="body" idx="1"/>
-          </p:nvPr>
-        </p:nvSpPr>
-        <p:spPr/>
-        <p:txBody>
-          <a:bodyPr/>
-          <a:lstStyle/>
-          <a:p>
-            <a:pPr rtl="0" fontAlgn="base">
-              <a:spcBef>
-                <a:spcPts val="1200"/>
-              </a:spcBef>
-              <a:buFont typeface="Arial" panose="020B0604020202020204" pitchFamily="34" charset="0"/>
-              <a:buChar char="•"/>
-            </a:pPr>
-            <a:r>
-              <a:rPr lang="en-US" sz="1100" b="0" i="0" u="none" strike="noStrike" dirty="0" err="1">
-                <a:solidFill>
-                  <a:srgbClr val="000000"/>
-                </a:solidFill>
-                <a:effectLst/>
-                <a:latin typeface="Arial" panose="020B0604020202020204" pitchFamily="34" charset="0"/>
-              </a:rPr>
-              <a:t>Prakticna</a:t>
-            </a:r>
-            <a:r>
-              <a:rPr lang="en-US" sz="1100" b="0" i="0" u="none" strike="noStrike" dirty="0">
-                <a:solidFill>
-                  <a:srgbClr val="000000"/>
-                </a:solidFill>
-                <a:effectLst/>
-                <a:latin typeface="Arial" panose="020B0604020202020204" pitchFamily="34" charset="0"/>
-              </a:rPr>
-              <a:t> </a:t>
-            </a:r>
-            <a:r>
-              <a:rPr lang="en-US" sz="1100" b="0" i="0" u="none" strike="noStrike" dirty="0" err="1">
-                <a:solidFill>
-                  <a:srgbClr val="000000"/>
-                </a:solidFill>
-                <a:effectLst/>
-                <a:latin typeface="Arial" panose="020B0604020202020204" pitchFamily="34" charset="0"/>
-              </a:rPr>
-              <a:t>primjena</a:t>
-            </a:r>
-            <a:endParaRPr lang="en-US" sz="1100" b="0" i="0" u="none" strike="noStrike" dirty="0">
-              <a:solidFill>
-                <a:srgbClr val="000000"/>
-              </a:solidFill>
-              <a:effectLst/>
-              <a:latin typeface="Arial" panose="020B0604020202020204" pitchFamily="34" charset="0"/>
-            </a:endParaRPr>
-          </a:p>
-          <a:p>
-            <a:pPr lvl="1" rtl="0" fontAlgn="base">
-              <a:spcBef>
-                <a:spcPts val="1200"/>
-              </a:spcBef>
-              <a:buFont typeface="Arial" panose="020B0604020202020204" pitchFamily="34" charset="0"/>
-              <a:buChar char="•"/>
-            </a:pPr>
-            <a:endParaRPr lang="en-US" sz="1100" b="0" i="0" u="none" strike="noStrike" dirty="0">
-              <a:solidFill>
-                <a:srgbClr val="000000"/>
-              </a:solidFill>
-              <a:effectLst/>
-              <a:latin typeface="Arial" panose="020B0604020202020204" pitchFamily="34" charset="0"/>
-            </a:endParaRPr>
-          </a:p>
-          <a:p>
-            <a:pPr lvl="1" rtl="0" fontAlgn="base">
-              <a:spcBef>
-                <a:spcPts val="1200"/>
-              </a:spcBef>
-              <a:buFont typeface="Arial" panose="020B0604020202020204" pitchFamily="34" charset="0"/>
-              <a:buChar char="•"/>
-            </a:pPr>
-            <a:r>
-              <a:rPr lang="hr-HR" sz="1600" dirty="0"/>
-              <a:t>&lt;p&gt;Prvi paragraf.&lt;/p&gt; </a:t>
-            </a:r>
-            <a:endParaRPr lang="en-US" sz="1600" dirty="0"/>
-          </a:p>
-          <a:p>
-            <a:pPr lvl="1" rtl="0" fontAlgn="base">
-              <a:spcBef>
-                <a:spcPts val="1200"/>
-              </a:spcBef>
-              <a:buFont typeface="Arial" panose="020B0604020202020204" pitchFamily="34" charset="0"/>
-              <a:buChar char="•"/>
-            </a:pPr>
-            <a:r>
-              <a:rPr lang="hr-HR" sz="1600" dirty="0"/>
-              <a:t>&lt;hr /&gt; </a:t>
-            </a:r>
-            <a:endParaRPr lang="en-US" sz="1600" dirty="0"/>
-          </a:p>
-          <a:p>
-            <a:pPr lvl="1" rtl="0" fontAlgn="base">
-              <a:spcBef>
-                <a:spcPts val="1200"/>
-              </a:spcBef>
-              <a:buFont typeface="Arial" panose="020B0604020202020204" pitchFamily="34" charset="0"/>
-              <a:buChar char="•"/>
-            </a:pPr>
-            <a:r>
-              <a:rPr lang="hr-HR" sz="1600" dirty="0"/>
-              <a:t>&lt;p&gt;Drugi paragraf.&lt;/p&gt;</a:t>
-            </a:r>
-            <a:endParaRPr lang="en-US" sz="1600" dirty="0"/>
-          </a:p>
-          <a:p>
-            <a:pPr lvl="1" rtl="0" fontAlgn="base">
-              <a:spcBef>
-                <a:spcPts val="1200"/>
-              </a:spcBef>
-              <a:buFont typeface="Arial" panose="020B0604020202020204" pitchFamily="34" charset="0"/>
-              <a:buChar char="•"/>
-            </a:pPr>
-            <a:endParaRPr lang="en-US" sz="1600" b="0" i="0" u="none" strike="noStrike" dirty="0">
-              <a:solidFill>
-                <a:srgbClr val="000000"/>
-              </a:solidFill>
-              <a:effectLst/>
-              <a:latin typeface="Arial" panose="020B0604020202020204" pitchFamily="34" charset="0"/>
-            </a:endParaRPr>
-          </a:p>
-          <a:p>
-            <a:pPr lvl="1" rtl="0" fontAlgn="base">
-              <a:spcBef>
-                <a:spcPts val="1200"/>
-              </a:spcBef>
-              <a:buFont typeface="Arial" panose="020B0604020202020204" pitchFamily="34" charset="0"/>
-              <a:buChar char="•"/>
-            </a:pPr>
-            <a:endParaRPr lang="en-US" sz="1600" b="0" i="0" u="none" strike="noStrike" dirty="0">
-              <a:solidFill>
-                <a:srgbClr val="000000"/>
-              </a:solidFill>
-              <a:effectLst/>
-              <a:latin typeface="Arial" panose="020B0604020202020204" pitchFamily="34" charset="0"/>
-            </a:endParaRPr>
-          </a:p>
-          <a:p>
-            <a:pPr>
-              <a:lnSpc>
-                <a:spcPts val="1425"/>
-              </a:lnSpc>
-            </a:pPr>
-            <a:r>
-              <a:rPr lang="hr-HR" sz="1600" b="0" dirty="0">
-                <a:solidFill>
-                  <a:srgbClr val="808080"/>
-                </a:solidFill>
-                <a:effectLst/>
-                <a:latin typeface="Consolas" panose="020B0609020204030204" pitchFamily="49" charset="0"/>
-              </a:rPr>
-              <a:t>&lt;</a:t>
-            </a:r>
-            <a:r>
-              <a:rPr lang="hr-HR" sz="1600" b="0" dirty="0">
-                <a:solidFill>
-                  <a:srgbClr val="569CD6"/>
-                </a:solidFill>
-                <a:effectLst/>
-                <a:latin typeface="Consolas" panose="020B0609020204030204" pitchFamily="49" charset="0"/>
-              </a:rPr>
-              <a:t>p</a:t>
-            </a:r>
-            <a:r>
-              <a:rPr lang="hr-HR" sz="1600" b="0" dirty="0">
-                <a:solidFill>
-                  <a:srgbClr val="808080"/>
-                </a:solidFill>
-                <a:effectLst/>
-                <a:latin typeface="Consolas" panose="020B0609020204030204" pitchFamily="49" charset="0"/>
-              </a:rPr>
-              <a:t>&gt;</a:t>
-            </a:r>
-            <a:endParaRPr lang="hr-HR" sz="1600" b="0" dirty="0">
-              <a:solidFill>
-                <a:srgbClr val="CCCCCC"/>
-              </a:solidFill>
-              <a:effectLst/>
-              <a:latin typeface="Consolas" panose="020B0609020204030204" pitchFamily="49" charset="0"/>
-            </a:endParaRPr>
-          </a:p>
-          <a:p>
-            <a:pPr>
-              <a:lnSpc>
-                <a:spcPts val="1425"/>
-              </a:lnSpc>
-            </a:pPr>
-            <a:r>
-              <a:rPr lang="hr-HR" sz="1600" b="0" dirty="0">
-                <a:solidFill>
-                  <a:srgbClr val="CCCCCC"/>
-                </a:solidFill>
-                <a:effectLst/>
-                <a:latin typeface="Consolas" panose="020B0609020204030204" pitchFamily="49" charset="0"/>
-              </a:rPr>
-              <a:t>    Vidjeti svijet u zrnu pijeska</a:t>
-            </a:r>
-            <a:r>
-              <a:rPr lang="hr-HR" sz="1600" b="0" dirty="0">
-                <a:solidFill>
-                  <a:srgbClr val="808080"/>
-                </a:solidFill>
-                <a:effectLst/>
-                <a:latin typeface="Consolas" panose="020B0609020204030204" pitchFamily="49" charset="0"/>
-              </a:rPr>
-              <a:t>&lt;</a:t>
-            </a:r>
-            <a:r>
-              <a:rPr lang="hr-HR" sz="1600" b="0" dirty="0">
-                <a:solidFill>
-                  <a:srgbClr val="569CD6"/>
-                </a:solidFill>
-                <a:effectLst/>
-                <a:latin typeface="Consolas" panose="020B0609020204030204" pitchFamily="49" charset="0"/>
-              </a:rPr>
-              <a:t>br</a:t>
-            </a:r>
-            <a:r>
-              <a:rPr lang="hr-HR" sz="1600" b="0" dirty="0">
-                <a:solidFill>
-                  <a:srgbClr val="CCCCCC"/>
-                </a:solidFill>
-                <a:effectLst/>
-                <a:latin typeface="Consolas" panose="020B0609020204030204" pitchFamily="49" charset="0"/>
-              </a:rPr>
-              <a:t> </a:t>
-            </a:r>
-            <a:r>
-              <a:rPr lang="hr-HR" sz="1600" b="0" dirty="0">
-                <a:solidFill>
-                  <a:srgbClr val="808080"/>
-                </a:solidFill>
-                <a:effectLst/>
-                <a:latin typeface="Consolas" panose="020B0609020204030204" pitchFamily="49" charset="0"/>
-              </a:rPr>
-              <a:t>/&gt;</a:t>
-            </a:r>
-            <a:endParaRPr lang="hr-HR" sz="1600" b="0" dirty="0">
-              <a:solidFill>
-                <a:srgbClr val="CCCCCC"/>
-              </a:solidFill>
-              <a:effectLst/>
-              <a:latin typeface="Consolas" panose="020B0609020204030204" pitchFamily="49" charset="0"/>
-            </a:endParaRPr>
-          </a:p>
-          <a:p>
-            <a:pPr>
-              <a:lnSpc>
-                <a:spcPts val="1425"/>
-              </a:lnSpc>
-            </a:pPr>
-            <a:r>
-              <a:rPr lang="hr-HR" sz="1600" b="0" dirty="0">
-                <a:solidFill>
-                  <a:srgbClr val="CCCCCC"/>
-                </a:solidFill>
-                <a:effectLst/>
-                <a:latin typeface="Consolas" panose="020B0609020204030204" pitchFamily="49" charset="0"/>
-              </a:rPr>
-              <a:t>    I nebo u divljem cvijetu,</a:t>
-            </a:r>
-            <a:r>
-              <a:rPr lang="hr-HR" sz="1600" b="0" dirty="0">
-                <a:solidFill>
-                  <a:srgbClr val="808080"/>
-                </a:solidFill>
-                <a:effectLst/>
-                <a:latin typeface="Consolas" panose="020B0609020204030204" pitchFamily="49" charset="0"/>
-              </a:rPr>
-              <a:t>&lt;</a:t>
-            </a:r>
-            <a:r>
-              <a:rPr lang="hr-HR" sz="1600" b="0" dirty="0">
-                <a:solidFill>
-                  <a:srgbClr val="569CD6"/>
-                </a:solidFill>
-                <a:effectLst/>
-                <a:latin typeface="Consolas" panose="020B0609020204030204" pitchFamily="49" charset="0"/>
-              </a:rPr>
-              <a:t>br</a:t>
-            </a:r>
-            <a:r>
-              <a:rPr lang="hr-HR" sz="1600" b="0" dirty="0">
-                <a:solidFill>
-                  <a:srgbClr val="CCCCCC"/>
-                </a:solidFill>
-                <a:effectLst/>
-                <a:latin typeface="Consolas" panose="020B0609020204030204" pitchFamily="49" charset="0"/>
-              </a:rPr>
-              <a:t> </a:t>
-            </a:r>
-            <a:r>
-              <a:rPr lang="hr-HR" sz="1600" b="0" dirty="0">
-                <a:solidFill>
-                  <a:srgbClr val="808080"/>
-                </a:solidFill>
-                <a:effectLst/>
-                <a:latin typeface="Consolas" panose="020B0609020204030204" pitchFamily="49" charset="0"/>
-              </a:rPr>
-              <a:t>/&gt;</a:t>
-            </a:r>
-            <a:endParaRPr lang="hr-HR" sz="1600" b="0" dirty="0">
-              <a:solidFill>
-                <a:srgbClr val="CCCCCC"/>
-              </a:solidFill>
-              <a:effectLst/>
-              <a:latin typeface="Consolas" panose="020B0609020204030204" pitchFamily="49" charset="0"/>
-            </a:endParaRPr>
-          </a:p>
-          <a:p>
-            <a:pPr>
-              <a:lnSpc>
-                <a:spcPts val="1425"/>
-              </a:lnSpc>
-            </a:pPr>
-            <a:r>
-              <a:rPr lang="hr-HR" sz="1600" b="0" dirty="0">
-                <a:solidFill>
-                  <a:srgbClr val="CCCCCC"/>
-                </a:solidFill>
-                <a:effectLst/>
-                <a:latin typeface="Consolas" panose="020B0609020204030204" pitchFamily="49" charset="0"/>
-              </a:rPr>
-              <a:t>    Držati beskonačnost u ruci</a:t>
-            </a:r>
-            <a:r>
-              <a:rPr lang="hr-HR" sz="1600" b="0" dirty="0">
-                <a:solidFill>
-                  <a:srgbClr val="808080"/>
-                </a:solidFill>
-                <a:effectLst/>
-                <a:latin typeface="Consolas" panose="020B0609020204030204" pitchFamily="49" charset="0"/>
-              </a:rPr>
-              <a:t>&lt;</a:t>
-            </a:r>
-            <a:r>
-              <a:rPr lang="hr-HR" sz="1600" b="0" dirty="0">
-                <a:solidFill>
-                  <a:srgbClr val="569CD6"/>
-                </a:solidFill>
-                <a:effectLst/>
-                <a:latin typeface="Consolas" panose="020B0609020204030204" pitchFamily="49" charset="0"/>
-              </a:rPr>
-              <a:t>br</a:t>
-            </a:r>
-            <a:r>
-              <a:rPr lang="hr-HR" sz="1600" b="0" dirty="0">
-                <a:solidFill>
-                  <a:srgbClr val="CCCCCC"/>
-                </a:solidFill>
-                <a:effectLst/>
-                <a:latin typeface="Consolas" panose="020B0609020204030204" pitchFamily="49" charset="0"/>
-              </a:rPr>
-              <a:t> </a:t>
-            </a:r>
-            <a:r>
-              <a:rPr lang="hr-HR" sz="1600" b="0" dirty="0">
-                <a:solidFill>
-                  <a:srgbClr val="808080"/>
-                </a:solidFill>
-                <a:effectLst/>
-                <a:latin typeface="Consolas" panose="020B0609020204030204" pitchFamily="49" charset="0"/>
-              </a:rPr>
-              <a:t>/&gt;</a:t>
-            </a:r>
-            <a:endParaRPr lang="hr-HR" sz="1600" b="0" dirty="0">
-              <a:solidFill>
-                <a:srgbClr val="CCCCCC"/>
-              </a:solidFill>
-              <a:effectLst/>
-              <a:latin typeface="Consolas" panose="020B0609020204030204" pitchFamily="49" charset="0"/>
-            </a:endParaRPr>
-          </a:p>
-          <a:p>
-            <a:pPr>
-              <a:lnSpc>
-                <a:spcPts val="1425"/>
-              </a:lnSpc>
-            </a:pPr>
-            <a:r>
-              <a:rPr lang="hr-HR" sz="1600" b="0" dirty="0">
-                <a:solidFill>
-                  <a:srgbClr val="CCCCCC"/>
-                </a:solidFill>
-                <a:effectLst/>
-                <a:latin typeface="Consolas" panose="020B0609020204030204" pitchFamily="49" charset="0"/>
-              </a:rPr>
-              <a:t>    I vječnost u jednom satu.</a:t>
-            </a:r>
-          </a:p>
-          <a:p>
-            <a:pPr>
-              <a:lnSpc>
-                <a:spcPts val="1425"/>
-              </a:lnSpc>
-            </a:pPr>
-            <a:r>
-              <a:rPr lang="hr-HR" sz="1600" b="0" dirty="0">
-                <a:solidFill>
-                  <a:srgbClr val="808080"/>
-                </a:solidFill>
-                <a:effectLst/>
-                <a:latin typeface="Consolas" panose="020B0609020204030204" pitchFamily="49" charset="0"/>
-              </a:rPr>
-              <a:t>&lt;/</a:t>
-            </a:r>
-            <a:r>
-              <a:rPr lang="hr-HR" sz="1600" b="0" dirty="0">
-                <a:solidFill>
-                  <a:srgbClr val="569CD6"/>
-                </a:solidFill>
-                <a:effectLst/>
-                <a:latin typeface="Consolas" panose="020B0609020204030204" pitchFamily="49" charset="0"/>
-              </a:rPr>
-              <a:t>p</a:t>
-            </a:r>
-            <a:r>
-              <a:rPr lang="hr-HR" sz="1600" b="0" dirty="0">
-                <a:solidFill>
-                  <a:srgbClr val="808080"/>
-                </a:solidFill>
-                <a:effectLst/>
-                <a:latin typeface="Consolas" panose="020B0609020204030204" pitchFamily="49" charset="0"/>
-              </a:rPr>
-              <a:t>&gt;</a:t>
-            </a:r>
-            <a:endParaRPr lang="en-US" sz="1600" b="0" dirty="0">
-              <a:solidFill>
-                <a:srgbClr val="808080"/>
-              </a:solidFill>
-              <a:effectLst/>
-              <a:latin typeface="Consolas" panose="020B0609020204030204" pitchFamily="49" charset="0"/>
-            </a:endParaRPr>
-          </a:p>
-          <a:p>
-            <a:pPr>
-              <a:lnSpc>
-                <a:spcPts val="1425"/>
-              </a:lnSpc>
-            </a:pPr>
-            <a:endParaRPr lang="en-US" sz="1600" b="0" dirty="0">
-              <a:solidFill>
-                <a:srgbClr val="808080"/>
-              </a:solidFill>
-              <a:effectLst/>
-              <a:latin typeface="Consolas" panose="020B0609020204030204" pitchFamily="49" charset="0"/>
-            </a:endParaRPr>
-          </a:p>
-          <a:p>
-            <a:pPr rtl="0">
-              <a:spcBef>
-                <a:spcPts val="1200"/>
-              </a:spcBef>
-              <a:spcAft>
-                <a:spcPts val="1200"/>
-              </a:spcAft>
-            </a:pPr>
-            <a:r>
-              <a:rPr lang="en-US" sz="1800" b="1" i="0" u="none" strike="noStrike" dirty="0">
-                <a:solidFill>
-                  <a:srgbClr val="000000"/>
-                </a:solidFill>
-                <a:effectLst/>
-                <a:latin typeface="Arial" panose="020B0604020202020204" pitchFamily="34" charset="0"/>
-              </a:rPr>
-              <a:t>Without a closing slash (also valid in HTML5)</a:t>
-            </a:r>
-            <a:r>
-              <a:rPr lang="en-US" sz="1800" b="0" i="0" u="none" strike="noStrike" dirty="0">
-                <a:solidFill>
-                  <a:srgbClr val="000000"/>
-                </a:solidFill>
-                <a:effectLst/>
-                <a:latin typeface="Arial" panose="020B0604020202020204" pitchFamily="34" charset="0"/>
-              </a:rPr>
-              <a:t>:</a:t>
-            </a:r>
-            <a:br>
-              <a:rPr lang="en-US" sz="1800" b="0" i="0" u="none" strike="noStrike" dirty="0">
-                <a:solidFill>
-                  <a:srgbClr val="000000"/>
-                </a:solidFill>
-                <a:effectLst/>
-                <a:latin typeface="Arial" panose="020B0604020202020204" pitchFamily="34" charset="0"/>
-              </a:rPr>
-            </a:br>
-            <a:r>
-              <a:rPr lang="en-US" sz="1800" b="0" i="0" u="none" strike="noStrike" dirty="0">
-                <a:solidFill>
-                  <a:srgbClr val="188038"/>
-                </a:solidFill>
-                <a:effectLst/>
-                <a:latin typeface="Roboto Mono" panose="020F0502020204030204" pitchFamily="49" charset="0"/>
-              </a:rPr>
-              <a:t>&lt;</a:t>
-            </a:r>
-            <a:r>
-              <a:rPr lang="en-US" sz="1800" b="0" i="0" u="none" strike="noStrike" dirty="0" err="1">
-                <a:solidFill>
-                  <a:srgbClr val="188038"/>
-                </a:solidFill>
-                <a:effectLst/>
-                <a:latin typeface="Roboto Mono" panose="020F0502020204030204" pitchFamily="49" charset="0"/>
-              </a:rPr>
-              <a:t>br</a:t>
-            </a:r>
-            <a:r>
-              <a:rPr lang="en-US" sz="1800" b="0" i="0" u="none" strike="noStrike" dirty="0">
-                <a:solidFill>
-                  <a:srgbClr val="188038"/>
-                </a:solidFill>
-                <a:effectLst/>
-                <a:latin typeface="Roboto Mono" panose="020F0502020204030204" pitchFamily="49" charset="0"/>
-              </a:rPr>
-              <a:t>&gt;</a:t>
-            </a:r>
-            <a:endParaRPr lang="en-US" sz="2400" b="0" dirty="0">
-              <a:effectLst/>
-            </a:endParaRPr>
-          </a:p>
-          <a:p>
-            <a:pPr rtl="0">
-              <a:spcBef>
-                <a:spcPts val="1200"/>
-              </a:spcBef>
-              <a:spcAft>
-                <a:spcPts val="1200"/>
-              </a:spcAft>
-            </a:pPr>
-            <a:r>
-              <a:rPr lang="en-US" sz="1800" b="0" i="0" u="none" strike="noStrike" dirty="0">
-                <a:solidFill>
-                  <a:srgbClr val="188038"/>
-                </a:solidFill>
-                <a:effectLst/>
-                <a:latin typeface="Roboto Mono" panose="020F0502020204030204" pitchFamily="49" charset="0"/>
-              </a:rPr>
-              <a:t>&lt;</a:t>
-            </a:r>
-            <a:r>
-              <a:rPr lang="en-US" sz="1800" b="0" i="0" u="none" strike="noStrike" dirty="0" err="1">
-                <a:solidFill>
-                  <a:srgbClr val="188038"/>
-                </a:solidFill>
-                <a:effectLst/>
-                <a:latin typeface="Roboto Mono" panose="020F0502020204030204" pitchFamily="49" charset="0"/>
-              </a:rPr>
-              <a:t>hr</a:t>
-            </a:r>
-            <a:r>
-              <a:rPr lang="en-US" sz="1800" b="0" i="0" u="none" strike="noStrike" dirty="0">
-                <a:solidFill>
-                  <a:srgbClr val="188038"/>
-                </a:solidFill>
-                <a:effectLst/>
-                <a:latin typeface="Roboto Mono" panose="020F0502020204030204" pitchFamily="49" charset="0"/>
-              </a:rPr>
-              <a:t>&gt;</a:t>
-            </a:r>
-            <a:endParaRPr lang="en-US" sz="2400" b="0" dirty="0">
-              <a:effectLst/>
-            </a:endParaRPr>
-          </a:p>
-          <a:p>
-            <a:br>
-              <a:rPr lang="en-US" sz="2400" dirty="0"/>
-            </a:br>
-            <a:endParaRPr lang="hr-HR" sz="1600" b="0" dirty="0">
-              <a:solidFill>
-                <a:srgbClr val="CCCCCC"/>
-              </a:solidFill>
-              <a:effectLst/>
-              <a:latin typeface="Consolas" panose="020B0609020204030204" pitchFamily="49" charset="0"/>
-            </a:endParaRPr>
-          </a:p>
-          <a:p>
-            <a:pPr lvl="1" rtl="0" fontAlgn="base">
-              <a:spcBef>
-                <a:spcPts val="1200"/>
-              </a:spcBef>
-              <a:buFont typeface="Arial" panose="020B0604020202020204" pitchFamily="34" charset="0"/>
-              <a:buChar char="•"/>
-            </a:pPr>
-            <a:endParaRPr lang="en-US" sz="1100" b="0" i="0" u="none" strike="noStrike" dirty="0">
-              <a:solidFill>
-                <a:srgbClr val="000000"/>
-              </a:solidFill>
-              <a:effectLst/>
-              <a:latin typeface="Arial" panose="020B0604020202020204" pitchFamily="34" charset="0"/>
-            </a:endParaRPr>
-          </a:p>
-        </p:txBody>
-      </p:sp>
-      <p:sp>
-        <p:nvSpPr>
-          <p:cNvPr id="4" name="Slide Number Placeholder 3">
-            <a:extLst>
-              <a:ext uri="{FF2B5EF4-FFF2-40B4-BE49-F238E27FC236}">
-                <a16:creationId xmlns:a16="http://schemas.microsoft.com/office/drawing/2014/main" id="{97DC0B80-8D3B-7D0D-D8F0-001404BAEAC3}"/>
-              </a:ext>
-            </a:extLst>
-          </p:cNvPr>
-          <p:cNvSpPr>
-            <a:spLocks noGrp="1"/>
-          </p:cNvSpPr>
-          <p:nvPr>
-            <p:ph type="sldNum" sz="quarter" idx="5"/>
-          </p:nvPr>
-        </p:nvSpPr>
-        <p:spPr/>
-        <p:txBody>
-          <a:bodyPr/>
-          <a:lstStyle/>
-          <a:p>
-            <a:fld id="{343B951A-A665-1949-AEDB-B62DC9BE7F13}" type="slidenum">
-              <a:rPr lang="en-US" smtClean="0"/>
-              <a:t>8</a:t>
-            </a:fld>
-            <a:endParaRPr lang="en-US"/>
-          </a:p>
-        </p:txBody>
-      </p:sp>
-    </p:spTree>
-    <p:extLst>
-      <p:ext uri="{BB962C8B-B14F-4D97-AF65-F5344CB8AC3E}">
-        <p14:creationId xmlns:p14="http://schemas.microsoft.com/office/powerpoint/2010/main" val="3527944031"/>
-      </p:ext>
-    </p:extLst>
-  </p:cSld>
-  <p:clrMapOvr>
-    <a:masterClrMapping/>
-  </p:clrMapOvr>
-</p:notes>
-</file>
-
-<file path=ppt/notesSlides/notesSlide6.xml><?xml version="1.0" encoding="utf-8"?>
-<p:notes xmlns:a="http://schemas.openxmlformats.org/drawingml/2006/main" xmlns:r="http://schemas.openxmlformats.org/officeDocument/2006/relationships" xmlns:p="http://schemas.openxmlformats.org/presentationml/2006/main">
-  <p:cSld>
-    <p:spTree>
-      <p:nvGrpSpPr>
-        <p:cNvPr id="1" name="">
-          <a:extLst>
-            <a:ext uri="{FF2B5EF4-FFF2-40B4-BE49-F238E27FC236}">
-              <a16:creationId xmlns:a16="http://schemas.microsoft.com/office/drawing/2014/main" id="{174D7956-2AD5-4EDA-2D82-8383A364C5E4}"/>
-            </a:ext>
-          </a:extLst>
-        </p:cNvPr>
-        <p:cNvGrpSpPr/>
-        <p:nvPr/>
-      </p:nvGrpSpPr>
-      <p:grpSpPr>
-        <a:xfrm>
-          <a:off x="0" y="0"/>
-          <a:ext cx="0" cy="0"/>
-          <a:chOff x="0" y="0"/>
-          <a:chExt cx="0" cy="0"/>
-        </a:xfrm>
-      </p:grpSpPr>
-      <p:sp>
-        <p:nvSpPr>
-          <p:cNvPr id="2" name="Slide Image Placeholder 1">
-            <a:extLst>
-              <a:ext uri="{FF2B5EF4-FFF2-40B4-BE49-F238E27FC236}">
-                <a16:creationId xmlns:a16="http://schemas.microsoft.com/office/drawing/2014/main" id="{A6FE20F5-E54A-19D5-45D8-B9E6089E2D5A}"/>
-              </a:ext>
-            </a:extLst>
-          </p:cNvPr>
-          <p:cNvSpPr>
-            <a:spLocks noGrp="1" noRot="1" noChangeAspect="1"/>
-          </p:cNvSpPr>
-          <p:nvPr>
-            <p:ph type="sldImg"/>
-          </p:nvPr>
-        </p:nvSpPr>
-        <p:spPr/>
-      </p:sp>
-      <p:sp>
-        <p:nvSpPr>
-          <p:cNvPr id="3" name="Notes Placeholder 2">
-            <a:extLst>
-              <a:ext uri="{FF2B5EF4-FFF2-40B4-BE49-F238E27FC236}">
-                <a16:creationId xmlns:a16="http://schemas.microsoft.com/office/drawing/2014/main" id="{2A2C1345-03E0-4937-2F65-D1A8996451D4}"/>
-              </a:ext>
-            </a:extLst>
-          </p:cNvPr>
-          <p:cNvSpPr>
-            <a:spLocks noGrp="1"/>
-          </p:cNvSpPr>
-          <p:nvPr>
-            <p:ph type="body" idx="1"/>
-          </p:nvPr>
-        </p:nvSpPr>
-        <p:spPr/>
-        <p:txBody>
-          <a:bodyPr/>
-          <a:lstStyle/>
-          <a:p>
-            <a:pPr lvl="1" algn="l" rtl="0" fontAlgn="base">
-              <a:spcBef>
-                <a:spcPts val="1200"/>
-              </a:spcBef>
-              <a:buFont typeface="Arial" panose="020B0604020202020204" pitchFamily="34" charset="0"/>
-              <a:buNone/>
-            </a:pPr>
-            <a:r>
-              <a:rPr lang="en-US" sz="1100" b="0" i="0" u="none" strike="noStrike" dirty="0" err="1">
-                <a:solidFill>
-                  <a:srgbClr val="000000"/>
-                </a:solidFill>
-                <a:effectLst/>
-                <a:latin typeface="Arial" panose="020B0604020202020204" pitchFamily="34" charset="0"/>
-              </a:rPr>
-              <a:t>Primjer</a:t>
-            </a:r>
-            <a:r>
-              <a:rPr lang="en-US" sz="1100" b="0" i="0" u="none" strike="noStrike" dirty="0">
-                <a:solidFill>
-                  <a:srgbClr val="000000"/>
-                </a:solidFill>
-                <a:effectLst/>
-                <a:latin typeface="Arial" panose="020B0604020202020204" pitchFamily="34" charset="0"/>
-              </a:rPr>
-              <a:t>: </a:t>
-            </a:r>
-            <a:r>
-              <a:rPr lang="en-US" sz="1100" b="0" i="0" u="sng" strike="noStrike" dirty="0">
-                <a:solidFill>
-                  <a:srgbClr val="000000"/>
-                </a:solidFill>
-                <a:effectLst/>
-                <a:latin typeface="Arial" panose="020B0604020202020204" pitchFamily="34" charset="0"/>
-              </a:rPr>
-              <a:t>https://www.atptour.com/en/rankings/singles</a:t>
-            </a:r>
-            <a:br>
-              <a:rPr lang="en-US" sz="1100" b="0" i="0" u="sng" strike="noStrike" dirty="0">
-                <a:solidFill>
-                  <a:srgbClr val="000000"/>
-                </a:solidFill>
-                <a:effectLst/>
-                <a:latin typeface="Arial" panose="020B0604020202020204" pitchFamily="34" charset="0"/>
-              </a:rPr>
-            </a:br>
-            <a:br>
-              <a:rPr lang="en-US" sz="1100" b="0" i="0" u="sng" strike="noStrike" dirty="0">
-                <a:solidFill>
-                  <a:srgbClr val="000000"/>
-                </a:solidFill>
-                <a:effectLst/>
-                <a:latin typeface="Arial" panose="020B0604020202020204" pitchFamily="34" charset="0"/>
-              </a:rPr>
-            </a:br>
-            <a:r>
-              <a:rPr lang="en-US" sz="1100" b="0" i="0" u="none" strike="noStrike" dirty="0" err="1">
-                <a:solidFill>
-                  <a:srgbClr val="000000"/>
-                </a:solidFill>
-                <a:effectLst/>
-                <a:latin typeface="Arial" panose="020B0604020202020204" pitchFamily="34" charset="0"/>
-              </a:rPr>
-              <a:t>Pokazi</a:t>
-            </a:r>
-            <a:r>
-              <a:rPr lang="en-US" sz="1100" b="0" i="0" u="none" strike="noStrike" dirty="0">
-                <a:solidFill>
-                  <a:srgbClr val="000000"/>
-                </a:solidFill>
-                <a:effectLst/>
-                <a:latin typeface="Arial" panose="020B0604020202020204" pitchFamily="34" charset="0"/>
-              </a:rPr>
-              <a:t> </a:t>
-            </a:r>
-            <a:r>
-              <a:rPr lang="en-US" sz="1100" b="0" i="0" u="none" strike="noStrike" dirty="0" err="1">
-                <a:solidFill>
-                  <a:srgbClr val="000000"/>
-                </a:solidFill>
-                <a:effectLst/>
-                <a:latin typeface="Arial" panose="020B0604020202020204" pitchFamily="34" charset="0"/>
-              </a:rPr>
-              <a:t>primjer</a:t>
-            </a:r>
-            <a:r>
-              <a:rPr lang="en-US" sz="1100" b="0" i="0" u="none" strike="noStrike" dirty="0">
-                <a:solidFill>
-                  <a:srgbClr val="000000"/>
-                </a:solidFill>
-                <a:effectLst/>
-                <a:latin typeface="Arial" panose="020B0604020202020204" pitchFamily="34" charset="0"/>
-              </a:rPr>
-              <a:t> </a:t>
-            </a:r>
-            <a:r>
-              <a:rPr lang="en-US" sz="1100" b="0" i="0" u="none" strike="noStrike" dirty="0" err="1">
-                <a:solidFill>
-                  <a:srgbClr val="000000"/>
-                </a:solidFill>
-                <a:effectLst/>
-                <a:latin typeface="Arial" panose="020B0604020202020204" pitchFamily="34" charset="0"/>
-              </a:rPr>
-              <a:t>iz</a:t>
-            </a:r>
-            <a:r>
-              <a:rPr lang="en-US" sz="1100" b="0" i="0" u="none" strike="noStrike" dirty="0">
-                <a:solidFill>
-                  <a:srgbClr val="000000"/>
-                </a:solidFill>
-                <a:effectLst/>
-                <a:latin typeface="Arial" panose="020B0604020202020204" pitchFamily="34" charset="0"/>
-              </a:rPr>
-              <a:t> </a:t>
-            </a:r>
-            <a:r>
-              <a:rPr lang="en-US" sz="1100" b="0" i="0" u="none" strike="noStrike" dirty="0" err="1">
-                <a:solidFill>
-                  <a:srgbClr val="000000"/>
-                </a:solidFill>
-                <a:effectLst/>
-                <a:latin typeface="Arial" panose="020B0604020202020204" pitchFamily="34" charset="0"/>
-              </a:rPr>
-              <a:t>ovoga</a:t>
-            </a:r>
-            <a:r>
-              <a:rPr lang="en-US" sz="1100" b="0" i="0" u="none" strike="noStrike" dirty="0">
-                <a:solidFill>
-                  <a:srgbClr val="000000"/>
-                </a:solidFill>
-                <a:effectLst/>
-                <a:latin typeface="Arial" panose="020B0604020202020204" pitchFamily="34" charset="0"/>
-              </a:rPr>
-              <a:t> </a:t>
-            </a:r>
-            <a:r>
-              <a:rPr lang="en-US" sz="1100" b="0" i="0" u="none" strike="noStrike" dirty="0" err="1">
-                <a:solidFill>
-                  <a:srgbClr val="000000"/>
-                </a:solidFill>
-                <a:effectLst/>
-                <a:latin typeface="Arial" panose="020B0604020202020204" pitchFamily="34" charset="0"/>
-              </a:rPr>
-              <a:t>linka</a:t>
-            </a:r>
-            <a:r>
-              <a:rPr lang="en-US" sz="1100" b="0" i="0" u="none" strike="noStrike" dirty="0">
-                <a:solidFill>
-                  <a:srgbClr val="000000"/>
-                </a:solidFill>
-                <a:effectLst/>
-                <a:latin typeface="Arial" panose="020B0604020202020204" pitchFamily="34" charset="0"/>
-              </a:rPr>
-              <a:t> u dev </a:t>
-            </a:r>
-            <a:r>
-              <a:rPr lang="en-US" sz="1100" b="0" i="0" u="none" strike="noStrike" dirty="0" err="1">
-                <a:solidFill>
-                  <a:srgbClr val="000000"/>
-                </a:solidFill>
-                <a:effectLst/>
-                <a:latin typeface="Arial" panose="020B0604020202020204" pitchFamily="34" charset="0"/>
-              </a:rPr>
-              <a:t>toolsu</a:t>
-            </a:r>
-            <a:r>
-              <a:rPr lang="en-US" sz="1100" b="0" i="0" u="none" strike="noStrike" dirty="0">
-                <a:solidFill>
-                  <a:srgbClr val="000000"/>
-                </a:solidFill>
-                <a:effectLst/>
-                <a:latin typeface="Arial" panose="020B0604020202020204" pitchFamily="34" charset="0"/>
-              </a:rPr>
-              <a:t> </a:t>
-            </a:r>
-            <a:r>
-              <a:rPr lang="en-US" sz="1100" b="0" i="0" u="none" strike="noStrike" dirty="0" err="1">
-                <a:solidFill>
-                  <a:srgbClr val="000000"/>
-                </a:solidFill>
-                <a:effectLst/>
-                <a:latin typeface="Arial" panose="020B0604020202020204" pitchFamily="34" charset="0"/>
-              </a:rPr>
-              <a:t>kako</a:t>
-            </a:r>
-            <a:r>
-              <a:rPr lang="en-US" sz="1100" b="0" i="0" u="none" strike="noStrike" dirty="0">
-                <a:solidFill>
-                  <a:srgbClr val="000000"/>
-                </a:solidFill>
-                <a:effectLst/>
-                <a:latin typeface="Arial" panose="020B0604020202020204" pitchFamily="34" charset="0"/>
-              </a:rPr>
-              <a:t> </a:t>
-            </a:r>
-            <a:r>
-              <a:rPr lang="en-US" sz="1100" b="0" i="0" u="none" strike="noStrike" dirty="0" err="1">
-                <a:solidFill>
-                  <a:srgbClr val="000000"/>
-                </a:solidFill>
-                <a:effectLst/>
-                <a:latin typeface="Arial" panose="020B0604020202020204" pitchFamily="34" charset="0"/>
-              </a:rPr>
-              <a:t>izgledaju</a:t>
-            </a:r>
-            <a:r>
-              <a:rPr lang="en-US" sz="1100" b="0" i="0" u="none" strike="noStrike" dirty="0">
-                <a:solidFill>
-                  <a:srgbClr val="000000"/>
-                </a:solidFill>
-                <a:effectLst/>
-                <a:latin typeface="Arial" panose="020B0604020202020204" pitchFamily="34" charset="0"/>
-              </a:rPr>
-              <a:t> list </a:t>
-            </a:r>
-            <a:r>
-              <a:rPr lang="en-US" sz="1100" b="0" i="0" u="none" strike="noStrike" dirty="0" err="1">
-                <a:solidFill>
-                  <a:srgbClr val="000000"/>
-                </a:solidFill>
-                <a:effectLst/>
-                <a:latin typeface="Arial" panose="020B0604020202020204" pitchFamily="34" charset="0"/>
-              </a:rPr>
-              <a:t>na</a:t>
-            </a:r>
-            <a:r>
-              <a:rPr lang="en-US" sz="1100" b="0" i="0" u="none" strike="noStrike" dirty="0">
-                <a:solidFill>
-                  <a:srgbClr val="000000"/>
-                </a:solidFill>
-                <a:effectLst/>
-                <a:latin typeface="Arial" panose="020B0604020202020204" pitchFamily="34" charset="0"/>
-              </a:rPr>
-              <a:t> </a:t>
-            </a:r>
-            <a:r>
-              <a:rPr lang="en-US" sz="1100" b="0" i="0" u="none" strike="noStrike" dirty="0" err="1">
-                <a:solidFill>
-                  <a:srgbClr val="000000"/>
-                </a:solidFill>
-                <a:effectLst/>
-                <a:latin typeface="Arial" panose="020B0604020202020204" pitchFamily="34" charset="0"/>
-              </a:rPr>
-              <a:t>sajtu</a:t>
-            </a:r>
-            <a:r>
-              <a:rPr lang="en-US" sz="1100" b="0" i="0" u="none" strike="noStrike" dirty="0">
-                <a:solidFill>
-                  <a:srgbClr val="000000"/>
-                </a:solidFill>
-                <a:effectLst/>
-                <a:latin typeface="Arial" panose="020B0604020202020204" pitchFamily="34" charset="0"/>
-              </a:rPr>
-              <a:t>.</a:t>
-            </a:r>
-          </a:p>
-        </p:txBody>
-      </p:sp>
-      <p:sp>
-        <p:nvSpPr>
-          <p:cNvPr id="4" name="Slide Number Placeholder 3">
-            <a:extLst>
-              <a:ext uri="{FF2B5EF4-FFF2-40B4-BE49-F238E27FC236}">
-                <a16:creationId xmlns:a16="http://schemas.microsoft.com/office/drawing/2014/main" id="{4D2316CF-7EB9-38C2-32FC-6D8F9CCB0CF7}"/>
-              </a:ext>
-            </a:extLst>
-          </p:cNvPr>
-          <p:cNvSpPr>
-            <a:spLocks noGrp="1"/>
-          </p:cNvSpPr>
-          <p:nvPr>
-            <p:ph type="sldNum" sz="quarter" idx="5"/>
-          </p:nvPr>
-        </p:nvSpPr>
-        <p:spPr/>
-        <p:txBody>
-          <a:bodyPr/>
-          <a:lstStyle/>
-          <a:p>
-            <a:fld id="{343B951A-A665-1949-AEDB-B62DC9BE7F13}" type="slidenum">
-              <a:rPr lang="en-US" smtClean="0"/>
-              <a:t>9</a:t>
-            </a:fld>
-            <a:endParaRPr lang="en-US"/>
-          </a:p>
-        </p:txBody>
-      </p:sp>
-    </p:spTree>
-    <p:extLst>
-      <p:ext uri="{BB962C8B-B14F-4D97-AF65-F5344CB8AC3E}">
-        <p14:creationId xmlns:p14="http://schemas.microsoft.com/office/powerpoint/2010/main" val="1654511626"/>
-      </p:ext>
-    </p:extLst>
-  </p:cSld>
-  <p:clrMapOvr>
-    <a:masterClrMapping/>
-  </p:clrMapOvr>
-</p:notes>
-</file>
-
-<file path=ppt/notesSlides/notesSlide7.xml><?xml version="1.0" encoding="utf-8"?>
-<p:notes xmlns:a="http://schemas.openxmlformats.org/drawingml/2006/main" xmlns:r="http://schemas.openxmlformats.org/officeDocument/2006/relationships" xmlns:p="http://schemas.openxmlformats.org/presentationml/2006/main">
-  <p:cSld>
-    <p:spTree>
-      <p:nvGrpSpPr>
-        <p:cNvPr id="1" name="">
-          <a:extLst>
-            <a:ext uri="{FF2B5EF4-FFF2-40B4-BE49-F238E27FC236}">
-              <a16:creationId xmlns:a16="http://schemas.microsoft.com/office/drawing/2014/main" id="{F4DCE070-4170-A954-8885-A72378E12EDF}"/>
-            </a:ext>
-          </a:extLst>
-        </p:cNvPr>
-        <p:cNvGrpSpPr/>
-        <p:nvPr/>
-      </p:nvGrpSpPr>
-      <p:grpSpPr>
-        <a:xfrm>
-          <a:off x="0" y="0"/>
-          <a:ext cx="0" cy="0"/>
-          <a:chOff x="0" y="0"/>
-          <a:chExt cx="0" cy="0"/>
-        </a:xfrm>
-      </p:grpSpPr>
-      <p:sp>
-        <p:nvSpPr>
-          <p:cNvPr id="2" name="Slide Image Placeholder 1">
-            <a:extLst>
-              <a:ext uri="{FF2B5EF4-FFF2-40B4-BE49-F238E27FC236}">
-                <a16:creationId xmlns:a16="http://schemas.microsoft.com/office/drawing/2014/main" id="{33BF21E2-A8C0-BF5D-65B5-003AF60F09EB}"/>
-              </a:ext>
-            </a:extLst>
-          </p:cNvPr>
-          <p:cNvSpPr>
-            <a:spLocks noGrp="1" noRot="1" noChangeAspect="1"/>
-          </p:cNvSpPr>
-          <p:nvPr>
-            <p:ph type="sldImg"/>
-          </p:nvPr>
-        </p:nvSpPr>
-        <p:spPr/>
-      </p:sp>
-      <p:sp>
-        <p:nvSpPr>
-          <p:cNvPr id="3" name="Notes Placeholder 2">
-            <a:extLst>
-              <a:ext uri="{FF2B5EF4-FFF2-40B4-BE49-F238E27FC236}">
-                <a16:creationId xmlns:a16="http://schemas.microsoft.com/office/drawing/2014/main" id="{AFBCAE87-0F78-A012-0371-3B4C752F22EC}"/>
-              </a:ext>
-            </a:extLst>
-          </p:cNvPr>
-          <p:cNvSpPr>
-            <a:spLocks noGrp="1"/>
-          </p:cNvSpPr>
-          <p:nvPr>
-            <p:ph type="body" idx="1"/>
-          </p:nvPr>
-        </p:nvSpPr>
-        <p:spPr/>
-        <p:txBody>
-          <a:bodyPr/>
-          <a:lstStyle/>
-          <a:p>
-            <a:r>
-              <a:rPr lang="hr-HR" sz="1600" b="1" dirty="0"/>
-              <a:t>Uobičajene greške koje treba izbjegavati:</a:t>
-            </a:r>
-          </a:p>
-          <a:p>
-            <a:r>
-              <a:rPr lang="hr-HR" sz="1600" dirty="0"/>
-              <a:t>❌ </a:t>
-            </a:r>
-            <a:r>
-              <a:rPr lang="hr-HR" sz="1600" b="1" dirty="0"/>
-              <a:t>Zaboravljanje zatvaranja oznaka</a:t>
-            </a:r>
-            <a:r>
-              <a:rPr lang="hr-HR" sz="1600" dirty="0"/>
-              <a:t> (&lt;/</a:t>
-            </a:r>
-            <a:r>
-              <a:rPr lang="hr-HR" sz="1600" dirty="0" err="1"/>
-              <a:t>ul</a:t>
-            </a:r>
-            <a:r>
-              <a:rPr lang="hr-HR" sz="1600" dirty="0"/>
-              <a:t>&gt; ili &lt;/</a:t>
-            </a:r>
-            <a:r>
-              <a:rPr lang="hr-HR" sz="1600" dirty="0" err="1"/>
-              <a:t>ol</a:t>
-            </a:r>
-            <a:r>
-              <a:rPr lang="hr-HR" sz="1600" dirty="0"/>
-              <a:t>&gt;).</a:t>
-            </a:r>
-            <a:br>
-              <a:rPr lang="hr-HR" sz="1600" dirty="0"/>
-            </a:br>
-            <a:r>
-              <a:rPr lang="hr-HR" sz="1600" dirty="0"/>
-              <a:t>❌ </a:t>
-            </a:r>
-            <a:r>
-              <a:rPr lang="hr-HR" sz="1600" b="1" dirty="0"/>
-              <a:t>Nepravilno uvlačenje koda, što otežava čitanje i održavanje.</a:t>
-            </a:r>
-            <a:br>
-              <a:rPr lang="hr-HR" sz="1600" dirty="0"/>
-            </a:br>
-            <a:r>
-              <a:rPr lang="hr-HR" sz="1600" dirty="0"/>
-              <a:t>❌ </a:t>
-            </a:r>
-            <a:r>
-              <a:rPr lang="hr-HR" sz="1600" b="1" dirty="0"/>
-              <a:t>Postavljanje &lt;/li&gt; prije zatvaranja ugniježđene liste umjesto nakon nje.</a:t>
-            </a:r>
-            <a:endParaRPr lang="hr-HR" sz="1600" dirty="0"/>
-          </a:p>
-        </p:txBody>
-      </p:sp>
-      <p:sp>
-        <p:nvSpPr>
-          <p:cNvPr id="4" name="Slide Number Placeholder 3">
-            <a:extLst>
-              <a:ext uri="{FF2B5EF4-FFF2-40B4-BE49-F238E27FC236}">
-                <a16:creationId xmlns:a16="http://schemas.microsoft.com/office/drawing/2014/main" id="{9FA303C3-8959-A931-F693-640233AFCBDD}"/>
-              </a:ext>
-            </a:extLst>
-          </p:cNvPr>
-          <p:cNvSpPr>
-            <a:spLocks noGrp="1"/>
-          </p:cNvSpPr>
-          <p:nvPr>
-            <p:ph type="sldNum" sz="quarter" idx="5"/>
-          </p:nvPr>
-        </p:nvSpPr>
-        <p:spPr/>
-        <p:txBody>
-          <a:bodyPr/>
-          <a:lstStyle/>
-          <a:p>
-            <a:fld id="{343B951A-A665-1949-AEDB-B62DC9BE7F13}" type="slidenum">
-              <a:rPr lang="en-US" smtClean="0"/>
-              <a:t>10</a:t>
-            </a:fld>
-            <a:endParaRPr lang="en-US"/>
-          </a:p>
-        </p:txBody>
-      </p:sp>
-    </p:spTree>
-    <p:extLst>
-      <p:ext uri="{BB962C8B-B14F-4D97-AF65-F5344CB8AC3E}">
-        <p14:creationId xmlns:p14="http://schemas.microsoft.com/office/powerpoint/2010/main" val="895496564"/>
-      </p:ext>
-    </p:extLst>
-  </p:cSld>
-  <p:clrMapOvr>
-    <a:masterClrMapping/>
-  </p:clrMapOvr>
-</p:notes>
-</file>
-
-<file path=ppt/notesSlides/notesSlide8.xml><?xml version="1.0" encoding="utf-8"?>
-<p:notes xmlns:a="http://schemas.openxmlformats.org/drawingml/2006/main" xmlns:r="http://schemas.openxmlformats.org/officeDocument/2006/relationships" xmlns:p="http://schemas.openxmlformats.org/presentationml/2006/main">
-  <p:cSld>
-    <p:spTree>
-      <p:nvGrpSpPr>
-        <p:cNvPr id="1" name="">
-          <a:extLst>
-            <a:ext uri="{FF2B5EF4-FFF2-40B4-BE49-F238E27FC236}">
-              <a16:creationId xmlns:a16="http://schemas.microsoft.com/office/drawing/2014/main" id="{3FA18DC4-D021-7958-C24A-1C3F8F22FCF9}"/>
-            </a:ext>
-          </a:extLst>
-        </p:cNvPr>
-        <p:cNvGrpSpPr/>
-        <p:nvPr/>
-      </p:nvGrpSpPr>
-      <p:grpSpPr>
-        <a:xfrm>
-          <a:off x="0" y="0"/>
-          <a:ext cx="0" cy="0"/>
-          <a:chOff x="0" y="0"/>
-          <a:chExt cx="0" cy="0"/>
-        </a:xfrm>
-      </p:grpSpPr>
-      <p:sp>
-        <p:nvSpPr>
-          <p:cNvPr id="2" name="Slide Image Placeholder 1">
-            <a:extLst>
-              <a:ext uri="{FF2B5EF4-FFF2-40B4-BE49-F238E27FC236}">
-                <a16:creationId xmlns:a16="http://schemas.microsoft.com/office/drawing/2014/main" id="{579629FA-59DB-B2E3-C4A2-D5AEFF0781DC}"/>
-              </a:ext>
-            </a:extLst>
-          </p:cNvPr>
-          <p:cNvSpPr>
-            <a:spLocks noGrp="1" noRot="1" noChangeAspect="1"/>
-          </p:cNvSpPr>
-          <p:nvPr>
-            <p:ph type="sldImg"/>
-          </p:nvPr>
-        </p:nvSpPr>
-        <p:spPr/>
-      </p:sp>
-      <p:sp>
-        <p:nvSpPr>
-          <p:cNvPr id="3" name="Notes Placeholder 2">
-            <a:extLst>
-              <a:ext uri="{FF2B5EF4-FFF2-40B4-BE49-F238E27FC236}">
-                <a16:creationId xmlns:a16="http://schemas.microsoft.com/office/drawing/2014/main" id="{1CFD8D40-B4F1-0787-9BBA-D2B23EEC5B9F}"/>
-              </a:ext>
-            </a:extLst>
-          </p:cNvPr>
-          <p:cNvSpPr>
-            <a:spLocks noGrp="1"/>
-          </p:cNvSpPr>
-          <p:nvPr>
-            <p:ph type="body" idx="1"/>
-          </p:nvPr>
-        </p:nvSpPr>
-        <p:spPr/>
-        <p:txBody>
-          <a:bodyPr/>
-          <a:lstStyle/>
-          <a:p>
-            <a:r>
-              <a:rPr lang="hr-HR" sz="1600" b="1" dirty="0"/>
-              <a:t>Uobičajene greške koje treba izbjegavati:</a:t>
-            </a:r>
-          </a:p>
-          <a:p>
-            <a:r>
-              <a:rPr lang="hr-HR" sz="1600" dirty="0"/>
-              <a:t>❌ </a:t>
-            </a:r>
-            <a:r>
-              <a:rPr lang="hr-HR" sz="1600" b="1" dirty="0"/>
-              <a:t>Zaboravljanje zatvaranja oznaka</a:t>
-            </a:r>
-            <a:r>
-              <a:rPr lang="hr-HR" sz="1600" dirty="0"/>
-              <a:t> (&lt;/</a:t>
-            </a:r>
-            <a:r>
-              <a:rPr lang="hr-HR" sz="1600" dirty="0" err="1"/>
-              <a:t>ul</a:t>
-            </a:r>
-            <a:r>
-              <a:rPr lang="hr-HR" sz="1600" dirty="0"/>
-              <a:t>&gt; ili &lt;/</a:t>
-            </a:r>
-            <a:r>
-              <a:rPr lang="hr-HR" sz="1600" dirty="0" err="1"/>
-              <a:t>ol</a:t>
-            </a:r>
-            <a:r>
-              <a:rPr lang="hr-HR" sz="1600" dirty="0"/>
-              <a:t>&gt;).</a:t>
-            </a:r>
-            <a:br>
-              <a:rPr lang="hr-HR" sz="1600" dirty="0"/>
-            </a:br>
-            <a:r>
-              <a:rPr lang="hr-HR" sz="1600" dirty="0"/>
-              <a:t>❌ </a:t>
-            </a:r>
-            <a:r>
-              <a:rPr lang="hr-HR" sz="1600" b="1" dirty="0"/>
-              <a:t>Nepravilno uvlačenje koda, što otežava čitanje i održavanje.</a:t>
-            </a:r>
-            <a:br>
-              <a:rPr lang="hr-HR" sz="1600" dirty="0"/>
-            </a:br>
-            <a:r>
-              <a:rPr lang="hr-HR" sz="1600" dirty="0"/>
-              <a:t>❌ </a:t>
-            </a:r>
-            <a:r>
-              <a:rPr lang="hr-HR" sz="1600" b="1" dirty="0"/>
-              <a:t>Postavljanje &lt;/li&gt; prije zatvaranja ugniježđene liste umjesto nakon nje.</a:t>
-            </a:r>
-            <a:endParaRPr lang="hr-HR" sz="1600" dirty="0"/>
-          </a:p>
-        </p:txBody>
-      </p:sp>
-      <p:sp>
-        <p:nvSpPr>
-          <p:cNvPr id="4" name="Slide Number Placeholder 3">
-            <a:extLst>
-              <a:ext uri="{FF2B5EF4-FFF2-40B4-BE49-F238E27FC236}">
-                <a16:creationId xmlns:a16="http://schemas.microsoft.com/office/drawing/2014/main" id="{1AEF8008-E724-2DD3-7B02-FC9B92B29961}"/>
-              </a:ext>
-            </a:extLst>
-          </p:cNvPr>
-          <p:cNvSpPr>
-            <a:spLocks noGrp="1"/>
-          </p:cNvSpPr>
-          <p:nvPr>
-            <p:ph type="sldNum" sz="quarter" idx="5"/>
-          </p:nvPr>
-        </p:nvSpPr>
-        <p:spPr/>
-        <p:txBody>
-          <a:bodyPr/>
-          <a:lstStyle/>
-          <a:p>
-            <a:fld id="{343B951A-A665-1949-AEDB-B62DC9BE7F13}" type="slidenum">
-              <a:rPr lang="en-US" smtClean="0"/>
-              <a:t>11</a:t>
-            </a:fld>
-            <a:endParaRPr lang="en-US"/>
-          </a:p>
-        </p:txBody>
-      </p:sp>
-    </p:spTree>
-    <p:extLst>
-      <p:ext uri="{BB962C8B-B14F-4D97-AF65-F5344CB8AC3E}">
-        <p14:creationId xmlns:p14="http://schemas.microsoft.com/office/powerpoint/2010/main" val="2484443407"/>
-      </p:ext>
-    </p:extLst>
-  </p:cSld>
-  <p:clrMapOvr>
-    <a:masterClrMapping/>
-  </p:clrMapOvr>
-</p:notes>
-</file>
-
-<file path=ppt/notesSlides/notesSlide9.xml><?xml version="1.0" encoding="utf-8"?>
 <p:notes xmlns:a="http://schemas.openxmlformats.org/drawingml/2006/main" xmlns:r="http://schemas.openxmlformats.org/officeDocument/2006/relationships" xmlns:p="http://schemas.openxmlformats.org/presentationml/2006/main">
   <p:cSld>
     <p:spTree>
@@ -3611,35 +1651,143 @@
           <a:bodyPr/>
           <a:lstStyle/>
           <a:p>
-            <a:r>
-              <a:rPr lang="en-US" dirty="0"/>
-              <a:t>BONUS: </a:t>
-            </a:r>
-            <a:r>
-              <a:rPr lang="en-US" dirty="0" err="1"/>
-              <a:t>ispuni</a:t>
-            </a:r>
-            <a:r>
-              <a:rPr lang="en-US" dirty="0"/>
-              <a:t> </a:t>
-            </a:r>
-            <a:r>
-              <a:rPr lang="en-US" dirty="0" err="1"/>
-              <a:t>sve</a:t>
-            </a:r>
-            <a:r>
-              <a:rPr lang="en-US" dirty="0"/>
-              <a:t> </a:t>
-            </a:r>
-            <a:r>
-              <a:rPr lang="en-US" dirty="0" err="1"/>
-              <a:t>dane</a:t>
-            </a:r>
-            <a:r>
-              <a:rPr lang="en-US" dirty="0"/>
-              <a:t>.</a:t>
-            </a:r>
-            <a:endParaRPr lang="hr-HR" dirty="0"/>
+            <a:pPr rtl="0" fontAlgn="base">
+              <a:spcBef>
+                <a:spcPts val="1200"/>
+              </a:spcBef>
+              <a:buFont typeface="Arial" panose="020B0604020202020204" pitchFamily="34" charset="0"/>
+              <a:buChar char="•"/>
+            </a:pPr>
+            <a:r>
+              <a:rPr lang="hr-HR" sz="1100" b="1" i="0" u="none" strike="noStrike" dirty="0">
+                <a:solidFill>
+                  <a:srgbClr val="000000"/>
+                </a:solidFill>
+                <a:effectLst/>
+                <a:latin typeface="Arial" panose="020B0604020202020204" pitchFamily="34" charset="0"/>
+              </a:rPr>
+              <a:t>Web tools for dummy text</a:t>
+            </a:r>
+            <a:r>
+              <a:rPr lang="hr-HR" sz="1100" b="0" i="0" u="none" strike="noStrike" dirty="0">
+                <a:solidFill>
+                  <a:srgbClr val="000000"/>
+                </a:solidFill>
+                <a:effectLst/>
+                <a:latin typeface="Arial" panose="020B0604020202020204" pitchFamily="34" charset="0"/>
+              </a:rPr>
+              <a:t>:</a:t>
+            </a:r>
+          </a:p>
+          <a:p>
+            <a:pPr marL="742950" lvl="1" indent="-285750" rtl="0" fontAlgn="base">
+              <a:buFont typeface="Arial" panose="020B0604020202020204" pitchFamily="34" charset="0"/>
+              <a:buChar char="•"/>
+            </a:pPr>
+            <a:r>
+              <a:rPr lang="hr-HR" sz="1100" b="0" i="0" u="sng" strike="noStrike" dirty="0">
+                <a:solidFill>
+                  <a:srgbClr val="1155CC"/>
+                </a:solidFill>
+                <a:effectLst/>
+                <a:latin typeface="Arial" panose="020B0604020202020204" pitchFamily="34" charset="0"/>
+                <a:hlinkClick r:id="rId3"/>
+              </a:rPr>
+              <a:t>Lipsum.com</a:t>
+            </a:r>
+            <a:r>
+              <a:rPr lang="hr-HR" sz="1100" b="0" i="0" u="none" strike="noStrike" dirty="0">
+                <a:solidFill>
+                  <a:srgbClr val="000000"/>
+                </a:solidFill>
+                <a:effectLst/>
+                <a:latin typeface="Arial" panose="020B0604020202020204" pitchFamily="34" charset="0"/>
+              </a:rPr>
+              <a:t> – Standard Lorem Ipsum.</a:t>
+            </a:r>
+          </a:p>
+          <a:p>
+            <a:pPr marL="742950" lvl="1" indent="-285750" rtl="0" fontAlgn="base">
+              <a:buFont typeface="Arial" panose="020B0604020202020204" pitchFamily="34" charset="0"/>
+              <a:buChar char="•"/>
+            </a:pPr>
+            <a:r>
+              <a:rPr lang="hr-HR" sz="1100" b="0" i="0" u="sng" strike="noStrike" dirty="0">
+                <a:solidFill>
+                  <a:srgbClr val="1155CC"/>
+                </a:solidFill>
+                <a:effectLst/>
+                <a:latin typeface="Arial" panose="020B0604020202020204" pitchFamily="34" charset="0"/>
+                <a:hlinkClick r:id="rId4"/>
+              </a:rPr>
+              <a:t>Bacon Ipsum</a:t>
+            </a:r>
+            <a:r>
+              <a:rPr lang="hr-HR" sz="1100" b="0" i="0" u="none" strike="noStrike" dirty="0">
+                <a:solidFill>
+                  <a:srgbClr val="000000"/>
+                </a:solidFill>
+                <a:effectLst/>
+                <a:latin typeface="Arial" panose="020B0604020202020204" pitchFamily="34" charset="0"/>
+              </a:rPr>
+              <a:t> – Meat-themed text.</a:t>
+            </a:r>
+          </a:p>
+          <a:p>
+            <a:pPr marL="742950" lvl="1" indent="-285750" rtl="0" fontAlgn="base">
+              <a:buFont typeface="Arial" panose="020B0604020202020204" pitchFamily="34" charset="0"/>
+              <a:buChar char="•"/>
+            </a:pPr>
+            <a:r>
+              <a:rPr lang="hr-HR" sz="1100" b="0" i="0" u="sng" strike="noStrike" dirty="0">
+                <a:solidFill>
+                  <a:srgbClr val="1155CC"/>
+                </a:solidFill>
+                <a:effectLst/>
+                <a:latin typeface="Arial" panose="020B0604020202020204" pitchFamily="34" charset="0"/>
+                <a:hlinkClick r:id="rId5"/>
+              </a:rPr>
+              <a:t>Bro Ipsum</a:t>
+            </a:r>
+            <a:r>
+              <a:rPr lang="hr-HR" sz="1100" b="0" i="0" u="none" strike="noStrike" dirty="0">
+                <a:solidFill>
+                  <a:srgbClr val="000000"/>
+                </a:solidFill>
+                <a:effectLst/>
+                <a:latin typeface="Arial" panose="020B0604020202020204" pitchFamily="34" charset="0"/>
+              </a:rPr>
+              <a:t> – Bro culture text.</a:t>
+            </a:r>
+          </a:p>
+          <a:p>
+            <a:pPr marL="742950" lvl="1" indent="-285750" rtl="0" fontAlgn="base">
+              <a:spcAft>
+                <a:spcPts val="1200"/>
+              </a:spcAft>
+              <a:buFont typeface="Arial" panose="020B0604020202020204" pitchFamily="34" charset="0"/>
+              <a:buChar char="•"/>
+            </a:pPr>
+            <a:r>
+              <a:rPr lang="hr-HR" sz="1100" b="1" i="0" u="none" strike="noStrike" dirty="0">
+                <a:solidFill>
+                  <a:srgbClr val="000000"/>
+                </a:solidFill>
+                <a:effectLst/>
+                <a:latin typeface="Arial" panose="020B0604020202020204" pitchFamily="34" charset="0"/>
+              </a:rPr>
+              <a:t>Search "Funny Lorem Ipsum"</a:t>
+            </a:r>
+            <a:r>
+              <a:rPr lang="hr-HR" sz="1100" b="0" i="0" u="none" strike="noStrike" dirty="0">
+                <a:solidFill>
+                  <a:srgbClr val="000000"/>
+                </a:solidFill>
+                <a:effectLst/>
+                <a:latin typeface="Arial" panose="020B0604020202020204" pitchFamily="34" charset="0"/>
+              </a:rPr>
+              <a:t> for more variations.</a:t>
+            </a:r>
           </a:p>
         </p:txBody>
       </p:sp>
@@ -3660,7 +1808,7 @@
           <a:p>
             <a:fld id="{343B951A-A665-1949-AEDB-B62DC9BE7F13}" type="slidenum">
               <a:rPr lang="en-US" smtClean="0"/>
-              <a:t>12</a:t>
+              <a:t>6</a:t>
             </a:fld>
             <a:endParaRPr lang="en-US"/>
           </a:p>
@@ -3669,7 +1817,1946 @@
     </p:spTree>
     <p:extLst>
       <p:ext uri="{BB962C8B-B14F-4D97-AF65-F5344CB8AC3E}">
-        <p14:creationId xmlns:p14="http://schemas.microsoft.com/office/powerpoint/2010/main" val="2169808605"/>
+        <p14:creationId xmlns:p14="http://schemas.microsoft.com/office/powerpoint/2010/main" val="2395660904"/>
+      </p:ext>
+    </p:extLst>
+  </p:cSld>
+  <p:clrMapOvr>
+    <a:masterClrMapping/>
+  </p:clrMapOvr>
+</p:notes>
+</file>
+
+<file path=ppt/notesSlides/notesSlide5.xml><?xml version="1.0" encoding="utf-8"?>
+<p:notes xmlns:a="http://schemas.openxmlformats.org/drawingml/2006/main" xmlns:r="http://schemas.openxmlformats.org/officeDocument/2006/relationships" xmlns:p="http://schemas.openxmlformats.org/presentationml/2006/main">
+  <p:cSld>
+    <p:spTree>
+      <p:nvGrpSpPr>
+        <p:cNvPr id="1" name="">
+          <a:extLst>
+            <a:ext uri="{FF2B5EF4-FFF2-40B4-BE49-F238E27FC236}">
+              <a16:creationId xmlns:a16="http://schemas.microsoft.com/office/drawing/2014/main" id="{F85A8C91-0E6B-0F01-5980-64F972DAEF5B}"/>
+            </a:ext>
+          </a:extLst>
+        </p:cNvPr>
+        <p:cNvGrpSpPr/>
+        <p:nvPr/>
+      </p:nvGrpSpPr>
+      <p:grpSpPr>
+        <a:xfrm>
+          <a:off x="0" y="0"/>
+          <a:ext cx="0" cy="0"/>
+          <a:chOff x="0" y="0"/>
+          <a:chExt cx="0" cy="0"/>
+        </a:xfrm>
+      </p:grpSpPr>
+      <p:sp>
+        <p:nvSpPr>
+          <p:cNvPr id="2" name="Slide Image Placeholder 1">
+            <a:extLst>
+              <a:ext uri="{FF2B5EF4-FFF2-40B4-BE49-F238E27FC236}">
+                <a16:creationId xmlns:a16="http://schemas.microsoft.com/office/drawing/2014/main" id="{4FF0C22B-8DCE-8BA6-4D5C-33E4EF9E6FC9}"/>
+              </a:ext>
+            </a:extLst>
+          </p:cNvPr>
+          <p:cNvSpPr>
+            <a:spLocks noGrp="1" noRot="1" noChangeAspect="1"/>
+          </p:cNvSpPr>
+          <p:nvPr>
+            <p:ph type="sldImg"/>
+          </p:nvPr>
+        </p:nvSpPr>
+        <p:spPr/>
+      </p:sp>
+      <p:sp>
+        <p:nvSpPr>
+          <p:cNvPr id="3" name="Notes Placeholder 2">
+            <a:extLst>
+              <a:ext uri="{FF2B5EF4-FFF2-40B4-BE49-F238E27FC236}">
+                <a16:creationId xmlns:a16="http://schemas.microsoft.com/office/drawing/2014/main" id="{F141C37C-9A67-DD44-E40F-D73B823E4DA6}"/>
+              </a:ext>
+            </a:extLst>
+          </p:cNvPr>
+          <p:cNvSpPr>
+            <a:spLocks noGrp="1"/>
+          </p:cNvSpPr>
+          <p:nvPr>
+            <p:ph type="body" idx="1"/>
+          </p:nvPr>
+        </p:nvSpPr>
+        <p:spPr/>
+        <p:txBody>
+          <a:bodyPr/>
+          <a:lstStyle/>
+          <a:p>
+            <a:pPr rtl="0" fontAlgn="base">
+              <a:spcBef>
+                <a:spcPts val="1200"/>
+              </a:spcBef>
+              <a:buFont typeface="Arial" panose="020B0604020202020204" pitchFamily="34" charset="0"/>
+              <a:buChar char="•"/>
+            </a:pPr>
+            <a:r>
+              <a:rPr lang="en-US" sz="1100" b="0" i="0" u="none" strike="noStrike" dirty="0" err="1">
+                <a:solidFill>
+                  <a:srgbClr val="000000"/>
+                </a:solidFill>
+                <a:effectLst/>
+                <a:latin typeface="Arial" panose="020B0604020202020204" pitchFamily="34" charset="0"/>
+              </a:rPr>
+              <a:t>Prakticna</a:t>
+            </a:r>
+            <a:r>
+              <a:rPr lang="en-US" sz="1100" b="0" i="0" u="none" strike="noStrike" dirty="0">
+                <a:solidFill>
+                  <a:srgbClr val="000000"/>
+                </a:solidFill>
+                <a:effectLst/>
+                <a:latin typeface="Arial" panose="020B0604020202020204" pitchFamily="34" charset="0"/>
+              </a:rPr>
+              <a:t> </a:t>
+            </a:r>
+            <a:r>
+              <a:rPr lang="en-US" sz="1100" b="0" i="0" u="none" strike="noStrike" dirty="0" err="1">
+                <a:solidFill>
+                  <a:srgbClr val="000000"/>
+                </a:solidFill>
+                <a:effectLst/>
+                <a:latin typeface="Arial" panose="020B0604020202020204" pitchFamily="34" charset="0"/>
+              </a:rPr>
+              <a:t>primjena</a:t>
+            </a:r>
+            <a:endParaRPr lang="en-US" sz="1100" b="0" i="0" u="none" strike="noStrike" dirty="0">
+              <a:solidFill>
+                <a:srgbClr val="000000"/>
+              </a:solidFill>
+              <a:effectLst/>
+              <a:latin typeface="Arial" panose="020B0604020202020204" pitchFamily="34" charset="0"/>
+            </a:endParaRPr>
+          </a:p>
+          <a:p>
+            <a:pPr lvl="1" rtl="0" fontAlgn="base">
+              <a:spcBef>
+                <a:spcPts val="1200"/>
+              </a:spcBef>
+              <a:buFont typeface="Arial" panose="020B0604020202020204" pitchFamily="34" charset="0"/>
+              <a:buChar char="•"/>
+            </a:pPr>
+            <a:endParaRPr lang="en-US" sz="1100" b="0" i="0" u="none" strike="noStrike" dirty="0">
+              <a:solidFill>
+                <a:srgbClr val="000000"/>
+              </a:solidFill>
+              <a:effectLst/>
+              <a:latin typeface="Arial" panose="020B0604020202020204" pitchFamily="34" charset="0"/>
+            </a:endParaRPr>
+          </a:p>
+          <a:p>
+            <a:pPr lvl="1" rtl="0" fontAlgn="base">
+              <a:spcBef>
+                <a:spcPts val="1200"/>
+              </a:spcBef>
+              <a:buFont typeface="Arial" panose="020B0604020202020204" pitchFamily="34" charset="0"/>
+              <a:buChar char="•"/>
+            </a:pPr>
+            <a:r>
+              <a:rPr lang="hr-HR" sz="1600" dirty="0"/>
+              <a:t>&lt;p&gt;Prvi paragraf.&lt;/p&gt; </a:t>
+            </a:r>
+            <a:endParaRPr lang="en-US" sz="1600" dirty="0"/>
+          </a:p>
+          <a:p>
+            <a:pPr lvl="1" rtl="0" fontAlgn="base">
+              <a:spcBef>
+                <a:spcPts val="1200"/>
+              </a:spcBef>
+              <a:buFont typeface="Arial" panose="020B0604020202020204" pitchFamily="34" charset="0"/>
+              <a:buChar char="•"/>
+            </a:pPr>
+            <a:r>
+              <a:rPr lang="hr-HR" sz="1600" dirty="0"/>
+              <a:t>&lt;hr /&gt; </a:t>
+            </a:r>
+            <a:endParaRPr lang="en-US" sz="1600" dirty="0"/>
+          </a:p>
+          <a:p>
+            <a:pPr lvl="1" rtl="0" fontAlgn="base">
+              <a:spcBef>
+                <a:spcPts val="1200"/>
+              </a:spcBef>
+              <a:buFont typeface="Arial" panose="020B0604020202020204" pitchFamily="34" charset="0"/>
+              <a:buChar char="•"/>
+            </a:pPr>
+            <a:r>
+              <a:rPr lang="hr-HR" sz="1600" dirty="0"/>
+              <a:t>&lt;p&gt;Drugi paragraf.&lt;/p&gt;</a:t>
+            </a:r>
+            <a:endParaRPr lang="en-US" sz="1600" dirty="0"/>
+          </a:p>
+          <a:p>
+            <a:pPr lvl="1" rtl="0" fontAlgn="base">
+              <a:spcBef>
+                <a:spcPts val="1200"/>
+              </a:spcBef>
+              <a:buFont typeface="Arial" panose="020B0604020202020204" pitchFamily="34" charset="0"/>
+              <a:buChar char="•"/>
+            </a:pPr>
+            <a:endParaRPr lang="en-US" sz="1600" b="0" i="0" u="none" strike="noStrike" dirty="0">
+              <a:solidFill>
+                <a:srgbClr val="000000"/>
+              </a:solidFill>
+              <a:effectLst/>
+              <a:latin typeface="Arial" panose="020B0604020202020204" pitchFamily="34" charset="0"/>
+            </a:endParaRPr>
+          </a:p>
+          <a:p>
+            <a:pPr lvl="1" rtl="0" fontAlgn="base">
+              <a:spcBef>
+                <a:spcPts val="1200"/>
+              </a:spcBef>
+              <a:buFont typeface="Arial" panose="020B0604020202020204" pitchFamily="34" charset="0"/>
+              <a:buChar char="•"/>
+            </a:pPr>
+            <a:endParaRPr lang="en-US" sz="1600" b="0" i="0" u="none" strike="noStrike" dirty="0">
+              <a:solidFill>
+                <a:srgbClr val="000000"/>
+              </a:solidFill>
+              <a:effectLst/>
+              <a:latin typeface="Arial" panose="020B0604020202020204" pitchFamily="34" charset="0"/>
+            </a:endParaRPr>
+          </a:p>
+          <a:p>
+            <a:pPr>
+              <a:lnSpc>
+                <a:spcPts val="1425"/>
+              </a:lnSpc>
+            </a:pPr>
+            <a:r>
+              <a:rPr lang="hr-HR" sz="1600" b="0" dirty="0">
+                <a:solidFill>
+                  <a:srgbClr val="808080"/>
+                </a:solidFill>
+                <a:effectLst/>
+                <a:latin typeface="Consolas" panose="020B0609020204030204" pitchFamily="49" charset="0"/>
+              </a:rPr>
+              <a:t>&lt;</a:t>
+            </a:r>
+            <a:r>
+              <a:rPr lang="hr-HR" sz="1600" b="0" dirty="0">
+                <a:solidFill>
+                  <a:srgbClr val="569CD6"/>
+                </a:solidFill>
+                <a:effectLst/>
+                <a:latin typeface="Consolas" panose="020B0609020204030204" pitchFamily="49" charset="0"/>
+              </a:rPr>
+              <a:t>p</a:t>
+            </a:r>
+            <a:r>
+              <a:rPr lang="hr-HR" sz="1600" b="0" dirty="0">
+                <a:solidFill>
+                  <a:srgbClr val="808080"/>
+                </a:solidFill>
+                <a:effectLst/>
+                <a:latin typeface="Consolas" panose="020B0609020204030204" pitchFamily="49" charset="0"/>
+              </a:rPr>
+              <a:t>&gt;</a:t>
+            </a:r>
+            <a:endParaRPr lang="hr-HR" sz="1600" b="0" dirty="0">
+              <a:solidFill>
+                <a:srgbClr val="CCCCCC"/>
+              </a:solidFill>
+              <a:effectLst/>
+              <a:latin typeface="Consolas" panose="020B0609020204030204" pitchFamily="49" charset="0"/>
+            </a:endParaRPr>
+          </a:p>
+          <a:p>
+            <a:pPr>
+              <a:lnSpc>
+                <a:spcPts val="1425"/>
+              </a:lnSpc>
+            </a:pPr>
+            <a:r>
+              <a:rPr lang="hr-HR" sz="1600" b="0" dirty="0">
+                <a:solidFill>
+                  <a:srgbClr val="CCCCCC"/>
+                </a:solidFill>
+                <a:effectLst/>
+                <a:latin typeface="Consolas" panose="020B0609020204030204" pitchFamily="49" charset="0"/>
+              </a:rPr>
+              <a:t>    Vidjeti svijet u zrnu pijeska</a:t>
+            </a:r>
+            <a:r>
+              <a:rPr lang="hr-HR" sz="1600" b="0" dirty="0">
+                <a:solidFill>
+                  <a:srgbClr val="808080"/>
+                </a:solidFill>
+                <a:effectLst/>
+                <a:latin typeface="Consolas" panose="020B0609020204030204" pitchFamily="49" charset="0"/>
+              </a:rPr>
+              <a:t>&lt;</a:t>
+            </a:r>
+            <a:r>
+              <a:rPr lang="hr-HR" sz="1600" b="0" dirty="0">
+                <a:solidFill>
+                  <a:srgbClr val="569CD6"/>
+                </a:solidFill>
+                <a:effectLst/>
+                <a:latin typeface="Consolas" panose="020B0609020204030204" pitchFamily="49" charset="0"/>
+              </a:rPr>
+              <a:t>br</a:t>
+            </a:r>
+            <a:r>
+              <a:rPr lang="hr-HR" sz="1600" b="0" dirty="0">
+                <a:solidFill>
+                  <a:srgbClr val="CCCCCC"/>
+                </a:solidFill>
+                <a:effectLst/>
+                <a:latin typeface="Consolas" panose="020B0609020204030204" pitchFamily="49" charset="0"/>
+              </a:rPr>
+              <a:t> </a:t>
+            </a:r>
+            <a:r>
+              <a:rPr lang="hr-HR" sz="1600" b="0" dirty="0">
+                <a:solidFill>
+                  <a:srgbClr val="808080"/>
+                </a:solidFill>
+                <a:effectLst/>
+                <a:latin typeface="Consolas" panose="020B0609020204030204" pitchFamily="49" charset="0"/>
+              </a:rPr>
+              <a:t>/&gt;</a:t>
+            </a:r>
+            <a:endParaRPr lang="hr-HR" sz="1600" b="0" dirty="0">
+              <a:solidFill>
+                <a:srgbClr val="CCCCCC"/>
+              </a:solidFill>
+              <a:effectLst/>
+              <a:latin typeface="Consolas" panose="020B0609020204030204" pitchFamily="49" charset="0"/>
+            </a:endParaRPr>
+          </a:p>
+          <a:p>
+            <a:pPr>
+              <a:lnSpc>
+                <a:spcPts val="1425"/>
+              </a:lnSpc>
+            </a:pPr>
+            <a:r>
+              <a:rPr lang="hr-HR" sz="1600" b="0" dirty="0">
+                <a:solidFill>
+                  <a:srgbClr val="CCCCCC"/>
+                </a:solidFill>
+                <a:effectLst/>
+                <a:latin typeface="Consolas" panose="020B0609020204030204" pitchFamily="49" charset="0"/>
+              </a:rPr>
+              <a:t>    I nebo u divljem cvijetu,</a:t>
+            </a:r>
+            <a:r>
+              <a:rPr lang="hr-HR" sz="1600" b="0" dirty="0">
+                <a:solidFill>
+                  <a:srgbClr val="808080"/>
+                </a:solidFill>
+                <a:effectLst/>
+                <a:latin typeface="Consolas" panose="020B0609020204030204" pitchFamily="49" charset="0"/>
+              </a:rPr>
+              <a:t>&lt;</a:t>
+            </a:r>
+            <a:r>
+              <a:rPr lang="hr-HR" sz="1600" b="0" dirty="0">
+                <a:solidFill>
+                  <a:srgbClr val="569CD6"/>
+                </a:solidFill>
+                <a:effectLst/>
+                <a:latin typeface="Consolas" panose="020B0609020204030204" pitchFamily="49" charset="0"/>
+              </a:rPr>
+              <a:t>br</a:t>
+            </a:r>
+            <a:r>
+              <a:rPr lang="hr-HR" sz="1600" b="0" dirty="0">
+                <a:solidFill>
+                  <a:srgbClr val="CCCCCC"/>
+                </a:solidFill>
+                <a:effectLst/>
+                <a:latin typeface="Consolas" panose="020B0609020204030204" pitchFamily="49" charset="0"/>
+              </a:rPr>
+              <a:t> </a:t>
+            </a:r>
+            <a:r>
+              <a:rPr lang="hr-HR" sz="1600" b="0" dirty="0">
+                <a:solidFill>
+                  <a:srgbClr val="808080"/>
+                </a:solidFill>
+                <a:effectLst/>
+                <a:latin typeface="Consolas" panose="020B0609020204030204" pitchFamily="49" charset="0"/>
+              </a:rPr>
+              <a:t>/&gt;</a:t>
+            </a:r>
+            <a:endParaRPr lang="hr-HR" sz="1600" b="0" dirty="0">
+              <a:solidFill>
+                <a:srgbClr val="CCCCCC"/>
+              </a:solidFill>
+              <a:effectLst/>
+              <a:latin typeface="Consolas" panose="020B0609020204030204" pitchFamily="49" charset="0"/>
+            </a:endParaRPr>
+          </a:p>
+          <a:p>
+            <a:pPr>
+              <a:lnSpc>
+                <a:spcPts val="1425"/>
+              </a:lnSpc>
+            </a:pPr>
+            <a:r>
+              <a:rPr lang="hr-HR" sz="1600" b="0" dirty="0">
+                <a:solidFill>
+                  <a:srgbClr val="CCCCCC"/>
+                </a:solidFill>
+                <a:effectLst/>
+                <a:latin typeface="Consolas" panose="020B0609020204030204" pitchFamily="49" charset="0"/>
+              </a:rPr>
+              <a:t>    Držati beskonačnost u ruci</a:t>
+            </a:r>
+            <a:r>
+              <a:rPr lang="hr-HR" sz="1600" b="0" dirty="0">
+                <a:solidFill>
+                  <a:srgbClr val="808080"/>
+                </a:solidFill>
+                <a:effectLst/>
+                <a:latin typeface="Consolas" panose="020B0609020204030204" pitchFamily="49" charset="0"/>
+              </a:rPr>
+              <a:t>&lt;</a:t>
+            </a:r>
+            <a:r>
+              <a:rPr lang="hr-HR" sz="1600" b="0" dirty="0">
+                <a:solidFill>
+                  <a:srgbClr val="569CD6"/>
+                </a:solidFill>
+                <a:effectLst/>
+                <a:latin typeface="Consolas" panose="020B0609020204030204" pitchFamily="49" charset="0"/>
+              </a:rPr>
+              <a:t>br</a:t>
+            </a:r>
+            <a:r>
+              <a:rPr lang="hr-HR" sz="1600" b="0" dirty="0">
+                <a:solidFill>
+                  <a:srgbClr val="CCCCCC"/>
+                </a:solidFill>
+                <a:effectLst/>
+                <a:latin typeface="Consolas" panose="020B0609020204030204" pitchFamily="49" charset="0"/>
+              </a:rPr>
+              <a:t> </a:t>
+            </a:r>
+            <a:r>
+              <a:rPr lang="hr-HR" sz="1600" b="0" dirty="0">
+                <a:solidFill>
+                  <a:srgbClr val="808080"/>
+                </a:solidFill>
+                <a:effectLst/>
+                <a:latin typeface="Consolas" panose="020B0609020204030204" pitchFamily="49" charset="0"/>
+              </a:rPr>
+              <a:t>/&gt;</a:t>
+            </a:r>
+            <a:endParaRPr lang="hr-HR" sz="1600" b="0" dirty="0">
+              <a:solidFill>
+                <a:srgbClr val="CCCCCC"/>
+              </a:solidFill>
+              <a:effectLst/>
+              <a:latin typeface="Consolas" panose="020B0609020204030204" pitchFamily="49" charset="0"/>
+            </a:endParaRPr>
+          </a:p>
+          <a:p>
+            <a:pPr>
+              <a:lnSpc>
+                <a:spcPts val="1425"/>
+              </a:lnSpc>
+            </a:pPr>
+            <a:r>
+              <a:rPr lang="hr-HR" sz="1600" b="0" dirty="0">
+                <a:solidFill>
+                  <a:srgbClr val="CCCCCC"/>
+                </a:solidFill>
+                <a:effectLst/>
+                <a:latin typeface="Consolas" panose="020B0609020204030204" pitchFamily="49" charset="0"/>
+              </a:rPr>
+              <a:t>    I vječnost u jednom satu.</a:t>
+            </a:r>
+          </a:p>
+          <a:p>
+            <a:pPr>
+              <a:lnSpc>
+                <a:spcPts val="1425"/>
+              </a:lnSpc>
+            </a:pPr>
+            <a:r>
+              <a:rPr lang="hr-HR" sz="1600" b="0" dirty="0">
+                <a:solidFill>
+                  <a:srgbClr val="808080"/>
+                </a:solidFill>
+                <a:effectLst/>
+                <a:latin typeface="Consolas" panose="020B0609020204030204" pitchFamily="49" charset="0"/>
+              </a:rPr>
+              <a:t>&lt;/</a:t>
+            </a:r>
+            <a:r>
+              <a:rPr lang="hr-HR" sz="1600" b="0" dirty="0">
+                <a:solidFill>
+                  <a:srgbClr val="569CD6"/>
+                </a:solidFill>
+                <a:effectLst/>
+                <a:latin typeface="Consolas" panose="020B0609020204030204" pitchFamily="49" charset="0"/>
+              </a:rPr>
+              <a:t>p</a:t>
+            </a:r>
+            <a:r>
+              <a:rPr lang="hr-HR" sz="1600" b="0" dirty="0">
+                <a:solidFill>
+                  <a:srgbClr val="808080"/>
+                </a:solidFill>
+                <a:effectLst/>
+                <a:latin typeface="Consolas" panose="020B0609020204030204" pitchFamily="49" charset="0"/>
+              </a:rPr>
+              <a:t>&gt;</a:t>
+            </a:r>
+            <a:endParaRPr lang="hr-HR" sz="1600" b="0" dirty="0">
+              <a:solidFill>
+                <a:srgbClr val="CCCCCC"/>
+              </a:solidFill>
+              <a:effectLst/>
+              <a:latin typeface="Consolas" panose="020B0609020204030204" pitchFamily="49" charset="0"/>
+            </a:endParaRPr>
+          </a:p>
+          <a:p>
+            <a:pPr lvl="1" rtl="0" fontAlgn="base">
+              <a:spcBef>
+                <a:spcPts val="1200"/>
+              </a:spcBef>
+              <a:buFont typeface="Arial" panose="020B0604020202020204" pitchFamily="34" charset="0"/>
+              <a:buChar char="•"/>
+            </a:pPr>
+            <a:endParaRPr lang="en-US" sz="1100" b="0" i="0" u="none" strike="noStrike" dirty="0">
+              <a:solidFill>
+                <a:srgbClr val="000000"/>
+              </a:solidFill>
+              <a:effectLst/>
+              <a:latin typeface="Arial" panose="020B0604020202020204" pitchFamily="34" charset="0"/>
+            </a:endParaRPr>
+          </a:p>
+        </p:txBody>
+      </p:sp>
+      <p:sp>
+        <p:nvSpPr>
+          <p:cNvPr id="4" name="Slide Number Placeholder 3">
+            <a:extLst>
+              <a:ext uri="{FF2B5EF4-FFF2-40B4-BE49-F238E27FC236}">
+                <a16:creationId xmlns:a16="http://schemas.microsoft.com/office/drawing/2014/main" id="{B10B2DBD-6574-3FD0-B356-218E43F6DBCD}"/>
+              </a:ext>
+            </a:extLst>
+          </p:cNvPr>
+          <p:cNvSpPr>
+            <a:spLocks noGrp="1"/>
+          </p:cNvSpPr>
+          <p:nvPr>
+            <p:ph type="sldNum" sz="quarter" idx="5"/>
+          </p:nvPr>
+        </p:nvSpPr>
+        <p:spPr/>
+        <p:txBody>
+          <a:bodyPr/>
+          <a:lstStyle/>
+          <a:p>
+            <a:fld id="{343B951A-A665-1949-AEDB-B62DC9BE7F13}" type="slidenum">
+              <a:rPr lang="en-US" smtClean="0"/>
+              <a:t>7</a:t>
+            </a:fld>
+            <a:endParaRPr lang="en-US"/>
+          </a:p>
+        </p:txBody>
+      </p:sp>
+    </p:spTree>
+    <p:extLst>
+      <p:ext uri="{BB962C8B-B14F-4D97-AF65-F5344CB8AC3E}">
+        <p14:creationId xmlns:p14="http://schemas.microsoft.com/office/powerpoint/2010/main" val="13865456"/>
+      </p:ext>
+    </p:extLst>
+  </p:cSld>
+  <p:clrMapOvr>
+    <a:masterClrMapping/>
+  </p:clrMapOvr>
+</p:notes>
+</file>
+
+<file path=ppt/notesSlides/notesSlide6.xml><?xml version="1.0" encoding="utf-8"?>
+<p:notes xmlns:a="http://schemas.openxmlformats.org/drawingml/2006/main" xmlns:r="http://schemas.openxmlformats.org/officeDocument/2006/relationships" xmlns:p="http://schemas.openxmlformats.org/presentationml/2006/main">
+  <p:cSld>
+    <p:spTree>
+      <p:nvGrpSpPr>
+        <p:cNvPr id="1" name="">
+          <a:extLst>
+            <a:ext uri="{FF2B5EF4-FFF2-40B4-BE49-F238E27FC236}">
+              <a16:creationId xmlns:a16="http://schemas.microsoft.com/office/drawing/2014/main" id="{DD35FF3F-0578-F3F0-C994-21B2B721CBDC}"/>
+            </a:ext>
+          </a:extLst>
+        </p:cNvPr>
+        <p:cNvGrpSpPr/>
+        <p:nvPr/>
+      </p:nvGrpSpPr>
+      <p:grpSpPr>
+        <a:xfrm>
+          <a:off x="0" y="0"/>
+          <a:ext cx="0" cy="0"/>
+          <a:chOff x="0" y="0"/>
+          <a:chExt cx="0" cy="0"/>
+        </a:xfrm>
+      </p:grpSpPr>
+      <p:sp>
+        <p:nvSpPr>
+          <p:cNvPr id="2" name="Slide Image Placeholder 1">
+            <a:extLst>
+              <a:ext uri="{FF2B5EF4-FFF2-40B4-BE49-F238E27FC236}">
+                <a16:creationId xmlns:a16="http://schemas.microsoft.com/office/drawing/2014/main" id="{7A8F50E4-F05A-7162-4FE5-14F33DEEC7B4}"/>
+              </a:ext>
+            </a:extLst>
+          </p:cNvPr>
+          <p:cNvSpPr>
+            <a:spLocks noGrp="1" noRot="1" noChangeAspect="1"/>
+          </p:cNvSpPr>
+          <p:nvPr>
+            <p:ph type="sldImg"/>
+          </p:nvPr>
+        </p:nvSpPr>
+        <p:spPr/>
+      </p:sp>
+      <p:sp>
+        <p:nvSpPr>
+          <p:cNvPr id="3" name="Notes Placeholder 2">
+            <a:extLst>
+              <a:ext uri="{FF2B5EF4-FFF2-40B4-BE49-F238E27FC236}">
+                <a16:creationId xmlns:a16="http://schemas.microsoft.com/office/drawing/2014/main" id="{07F50A6E-9E12-C15F-92FD-D4027D97E3E7}"/>
+              </a:ext>
+            </a:extLst>
+          </p:cNvPr>
+          <p:cNvSpPr>
+            <a:spLocks noGrp="1"/>
+          </p:cNvSpPr>
+          <p:nvPr>
+            <p:ph type="body" idx="1"/>
+          </p:nvPr>
+        </p:nvSpPr>
+        <p:spPr/>
+        <p:txBody>
+          <a:bodyPr/>
+          <a:lstStyle/>
+          <a:p>
+            <a:pPr rtl="0" fontAlgn="base">
+              <a:spcBef>
+                <a:spcPts val="1200"/>
+              </a:spcBef>
+              <a:buFont typeface="Arial" panose="020B0604020202020204" pitchFamily="34" charset="0"/>
+              <a:buChar char="•"/>
+            </a:pPr>
+            <a:r>
+              <a:rPr lang="en-US" sz="1100" b="0" i="0" u="none" strike="noStrike" dirty="0" err="1">
+                <a:solidFill>
+                  <a:srgbClr val="000000"/>
+                </a:solidFill>
+                <a:effectLst/>
+                <a:latin typeface="Arial" panose="020B0604020202020204" pitchFamily="34" charset="0"/>
+              </a:rPr>
+              <a:t>Prakticna</a:t>
+            </a:r>
+            <a:r>
+              <a:rPr lang="en-US" sz="1100" b="0" i="0" u="none" strike="noStrike" dirty="0">
+                <a:solidFill>
+                  <a:srgbClr val="000000"/>
+                </a:solidFill>
+                <a:effectLst/>
+                <a:latin typeface="Arial" panose="020B0604020202020204" pitchFamily="34" charset="0"/>
+              </a:rPr>
+              <a:t> </a:t>
+            </a:r>
+            <a:r>
+              <a:rPr lang="en-US" sz="1100" b="0" i="0" u="none" strike="noStrike" dirty="0" err="1">
+                <a:solidFill>
+                  <a:srgbClr val="000000"/>
+                </a:solidFill>
+                <a:effectLst/>
+                <a:latin typeface="Arial" panose="020B0604020202020204" pitchFamily="34" charset="0"/>
+              </a:rPr>
+              <a:t>primjena</a:t>
+            </a:r>
+            <a:endParaRPr lang="en-US" sz="1100" b="0" i="0" u="none" strike="noStrike" dirty="0">
+              <a:solidFill>
+                <a:srgbClr val="000000"/>
+              </a:solidFill>
+              <a:effectLst/>
+              <a:latin typeface="Arial" panose="020B0604020202020204" pitchFamily="34" charset="0"/>
+            </a:endParaRPr>
+          </a:p>
+          <a:p>
+            <a:pPr lvl="1" rtl="0" fontAlgn="base">
+              <a:spcBef>
+                <a:spcPts val="1200"/>
+              </a:spcBef>
+              <a:buFont typeface="Arial" panose="020B0604020202020204" pitchFamily="34" charset="0"/>
+              <a:buChar char="•"/>
+            </a:pPr>
+            <a:endParaRPr lang="en-US" sz="1100" b="0" i="0" u="none" strike="noStrike" dirty="0">
+              <a:solidFill>
+                <a:srgbClr val="000000"/>
+              </a:solidFill>
+              <a:effectLst/>
+              <a:latin typeface="Arial" panose="020B0604020202020204" pitchFamily="34" charset="0"/>
+            </a:endParaRPr>
+          </a:p>
+          <a:p>
+            <a:pPr lvl="1" rtl="0" fontAlgn="base">
+              <a:spcBef>
+                <a:spcPts val="1200"/>
+              </a:spcBef>
+              <a:buFont typeface="Arial" panose="020B0604020202020204" pitchFamily="34" charset="0"/>
+              <a:buChar char="•"/>
+            </a:pPr>
+            <a:r>
+              <a:rPr lang="hr-HR" sz="1600" dirty="0"/>
+              <a:t>&lt;p&gt;Prvi paragraf.&lt;/p&gt; </a:t>
+            </a:r>
+            <a:endParaRPr lang="en-US" sz="1600" dirty="0"/>
+          </a:p>
+          <a:p>
+            <a:pPr lvl="1" rtl="0" fontAlgn="base">
+              <a:spcBef>
+                <a:spcPts val="1200"/>
+              </a:spcBef>
+              <a:buFont typeface="Arial" panose="020B0604020202020204" pitchFamily="34" charset="0"/>
+              <a:buChar char="•"/>
+            </a:pPr>
+            <a:r>
+              <a:rPr lang="hr-HR" sz="1600" dirty="0"/>
+              <a:t>&lt;hr /&gt; </a:t>
+            </a:r>
+            <a:endParaRPr lang="en-US" sz="1600" dirty="0"/>
+          </a:p>
+          <a:p>
+            <a:pPr lvl="1" rtl="0" fontAlgn="base">
+              <a:spcBef>
+                <a:spcPts val="1200"/>
+              </a:spcBef>
+              <a:buFont typeface="Arial" panose="020B0604020202020204" pitchFamily="34" charset="0"/>
+              <a:buChar char="•"/>
+            </a:pPr>
+            <a:r>
+              <a:rPr lang="hr-HR" sz="1600" dirty="0"/>
+              <a:t>&lt;p&gt;Drugi paragraf.&lt;/p&gt;</a:t>
+            </a:r>
+            <a:endParaRPr lang="en-US" sz="1600" dirty="0"/>
+          </a:p>
+          <a:p>
+            <a:pPr lvl="1" rtl="0" fontAlgn="base">
+              <a:spcBef>
+                <a:spcPts val="1200"/>
+              </a:spcBef>
+              <a:buFont typeface="Arial" panose="020B0604020202020204" pitchFamily="34" charset="0"/>
+              <a:buChar char="•"/>
+            </a:pPr>
+            <a:endParaRPr lang="en-US" sz="1600" b="0" i="0" u="none" strike="noStrike" dirty="0">
+              <a:solidFill>
+                <a:srgbClr val="000000"/>
+              </a:solidFill>
+              <a:effectLst/>
+              <a:latin typeface="Arial" panose="020B0604020202020204" pitchFamily="34" charset="0"/>
+            </a:endParaRPr>
+          </a:p>
+          <a:p>
+            <a:pPr lvl="1" rtl="0" fontAlgn="base">
+              <a:spcBef>
+                <a:spcPts val="1200"/>
+              </a:spcBef>
+              <a:buFont typeface="Arial" panose="020B0604020202020204" pitchFamily="34" charset="0"/>
+              <a:buChar char="•"/>
+            </a:pPr>
+            <a:endParaRPr lang="en-US" sz="1600" b="0" i="0" u="none" strike="noStrike" dirty="0">
+              <a:solidFill>
+                <a:srgbClr val="000000"/>
+              </a:solidFill>
+              <a:effectLst/>
+              <a:latin typeface="Arial" panose="020B0604020202020204" pitchFamily="34" charset="0"/>
+            </a:endParaRPr>
+          </a:p>
+          <a:p>
+            <a:pPr>
+              <a:lnSpc>
+                <a:spcPts val="1425"/>
+              </a:lnSpc>
+            </a:pPr>
+            <a:r>
+              <a:rPr lang="hr-HR" sz="1600" b="0" dirty="0">
+                <a:solidFill>
+                  <a:srgbClr val="808080"/>
+                </a:solidFill>
+                <a:effectLst/>
+                <a:latin typeface="Consolas" panose="020B0609020204030204" pitchFamily="49" charset="0"/>
+              </a:rPr>
+              <a:t>&lt;</a:t>
+            </a:r>
+            <a:r>
+              <a:rPr lang="hr-HR" sz="1600" b="0" dirty="0">
+                <a:solidFill>
+                  <a:srgbClr val="569CD6"/>
+                </a:solidFill>
+                <a:effectLst/>
+                <a:latin typeface="Consolas" panose="020B0609020204030204" pitchFamily="49" charset="0"/>
+              </a:rPr>
+              <a:t>p</a:t>
+            </a:r>
+            <a:r>
+              <a:rPr lang="hr-HR" sz="1600" b="0" dirty="0">
+                <a:solidFill>
+                  <a:srgbClr val="808080"/>
+                </a:solidFill>
+                <a:effectLst/>
+                <a:latin typeface="Consolas" panose="020B0609020204030204" pitchFamily="49" charset="0"/>
+              </a:rPr>
+              <a:t>&gt;</a:t>
+            </a:r>
+            <a:endParaRPr lang="hr-HR" sz="1600" b="0" dirty="0">
+              <a:solidFill>
+                <a:srgbClr val="CCCCCC"/>
+              </a:solidFill>
+              <a:effectLst/>
+              <a:latin typeface="Consolas" panose="020B0609020204030204" pitchFamily="49" charset="0"/>
+            </a:endParaRPr>
+          </a:p>
+          <a:p>
+            <a:pPr>
+              <a:lnSpc>
+                <a:spcPts val="1425"/>
+              </a:lnSpc>
+            </a:pPr>
+            <a:r>
+              <a:rPr lang="hr-HR" sz="1600" b="0" dirty="0">
+                <a:solidFill>
+                  <a:srgbClr val="CCCCCC"/>
+                </a:solidFill>
+                <a:effectLst/>
+                <a:latin typeface="Consolas" panose="020B0609020204030204" pitchFamily="49" charset="0"/>
+              </a:rPr>
+              <a:t>    Vidjeti svijet u zrnu pijeska</a:t>
+            </a:r>
+            <a:r>
+              <a:rPr lang="hr-HR" sz="1600" b="0" dirty="0">
+                <a:solidFill>
+                  <a:srgbClr val="808080"/>
+                </a:solidFill>
+                <a:effectLst/>
+                <a:latin typeface="Consolas" panose="020B0609020204030204" pitchFamily="49" charset="0"/>
+              </a:rPr>
+              <a:t>&lt;</a:t>
+            </a:r>
+            <a:r>
+              <a:rPr lang="hr-HR" sz="1600" b="0" dirty="0">
+                <a:solidFill>
+                  <a:srgbClr val="569CD6"/>
+                </a:solidFill>
+                <a:effectLst/>
+                <a:latin typeface="Consolas" panose="020B0609020204030204" pitchFamily="49" charset="0"/>
+              </a:rPr>
+              <a:t>br</a:t>
+            </a:r>
+            <a:r>
+              <a:rPr lang="hr-HR" sz="1600" b="0" dirty="0">
+                <a:solidFill>
+                  <a:srgbClr val="CCCCCC"/>
+                </a:solidFill>
+                <a:effectLst/>
+                <a:latin typeface="Consolas" panose="020B0609020204030204" pitchFamily="49" charset="0"/>
+              </a:rPr>
+              <a:t> </a:t>
+            </a:r>
+            <a:r>
+              <a:rPr lang="hr-HR" sz="1600" b="0" dirty="0">
+                <a:solidFill>
+                  <a:srgbClr val="808080"/>
+                </a:solidFill>
+                <a:effectLst/>
+                <a:latin typeface="Consolas" panose="020B0609020204030204" pitchFamily="49" charset="0"/>
+              </a:rPr>
+              <a:t>/&gt;</a:t>
+            </a:r>
+            <a:endParaRPr lang="hr-HR" sz="1600" b="0" dirty="0">
+              <a:solidFill>
+                <a:srgbClr val="CCCCCC"/>
+              </a:solidFill>
+              <a:effectLst/>
+              <a:latin typeface="Consolas" panose="020B0609020204030204" pitchFamily="49" charset="0"/>
+            </a:endParaRPr>
+          </a:p>
+          <a:p>
+            <a:pPr>
+              <a:lnSpc>
+                <a:spcPts val="1425"/>
+              </a:lnSpc>
+            </a:pPr>
+            <a:r>
+              <a:rPr lang="hr-HR" sz="1600" b="0" dirty="0">
+                <a:solidFill>
+                  <a:srgbClr val="CCCCCC"/>
+                </a:solidFill>
+                <a:effectLst/>
+                <a:latin typeface="Consolas" panose="020B0609020204030204" pitchFamily="49" charset="0"/>
+              </a:rPr>
+              <a:t>    I nebo u divljem cvijetu,</a:t>
+            </a:r>
+            <a:r>
+              <a:rPr lang="hr-HR" sz="1600" b="0" dirty="0">
+                <a:solidFill>
+                  <a:srgbClr val="808080"/>
+                </a:solidFill>
+                <a:effectLst/>
+                <a:latin typeface="Consolas" panose="020B0609020204030204" pitchFamily="49" charset="0"/>
+              </a:rPr>
+              <a:t>&lt;</a:t>
+            </a:r>
+            <a:r>
+              <a:rPr lang="hr-HR" sz="1600" b="0" dirty="0">
+                <a:solidFill>
+                  <a:srgbClr val="569CD6"/>
+                </a:solidFill>
+                <a:effectLst/>
+                <a:latin typeface="Consolas" panose="020B0609020204030204" pitchFamily="49" charset="0"/>
+              </a:rPr>
+              <a:t>br</a:t>
+            </a:r>
+            <a:r>
+              <a:rPr lang="hr-HR" sz="1600" b="0" dirty="0">
+                <a:solidFill>
+                  <a:srgbClr val="CCCCCC"/>
+                </a:solidFill>
+                <a:effectLst/>
+                <a:latin typeface="Consolas" panose="020B0609020204030204" pitchFamily="49" charset="0"/>
+              </a:rPr>
+              <a:t> </a:t>
+            </a:r>
+            <a:r>
+              <a:rPr lang="hr-HR" sz="1600" b="0" dirty="0">
+                <a:solidFill>
+                  <a:srgbClr val="808080"/>
+                </a:solidFill>
+                <a:effectLst/>
+                <a:latin typeface="Consolas" panose="020B0609020204030204" pitchFamily="49" charset="0"/>
+              </a:rPr>
+              <a:t>/&gt;</a:t>
+            </a:r>
+            <a:endParaRPr lang="hr-HR" sz="1600" b="0" dirty="0">
+              <a:solidFill>
+                <a:srgbClr val="CCCCCC"/>
+              </a:solidFill>
+              <a:effectLst/>
+              <a:latin typeface="Consolas" panose="020B0609020204030204" pitchFamily="49" charset="0"/>
+            </a:endParaRPr>
+          </a:p>
+          <a:p>
+            <a:pPr>
+              <a:lnSpc>
+                <a:spcPts val="1425"/>
+              </a:lnSpc>
+            </a:pPr>
+            <a:r>
+              <a:rPr lang="hr-HR" sz="1600" b="0" dirty="0">
+                <a:solidFill>
+                  <a:srgbClr val="CCCCCC"/>
+                </a:solidFill>
+                <a:effectLst/>
+                <a:latin typeface="Consolas" panose="020B0609020204030204" pitchFamily="49" charset="0"/>
+              </a:rPr>
+              <a:t>    Držati beskonačnost u ruci</a:t>
+            </a:r>
+            <a:r>
+              <a:rPr lang="hr-HR" sz="1600" b="0" dirty="0">
+                <a:solidFill>
+                  <a:srgbClr val="808080"/>
+                </a:solidFill>
+                <a:effectLst/>
+                <a:latin typeface="Consolas" panose="020B0609020204030204" pitchFamily="49" charset="0"/>
+              </a:rPr>
+              <a:t>&lt;</a:t>
+            </a:r>
+            <a:r>
+              <a:rPr lang="hr-HR" sz="1600" b="0" dirty="0">
+                <a:solidFill>
+                  <a:srgbClr val="569CD6"/>
+                </a:solidFill>
+                <a:effectLst/>
+                <a:latin typeface="Consolas" panose="020B0609020204030204" pitchFamily="49" charset="0"/>
+              </a:rPr>
+              <a:t>br</a:t>
+            </a:r>
+            <a:r>
+              <a:rPr lang="hr-HR" sz="1600" b="0" dirty="0">
+                <a:solidFill>
+                  <a:srgbClr val="CCCCCC"/>
+                </a:solidFill>
+                <a:effectLst/>
+                <a:latin typeface="Consolas" panose="020B0609020204030204" pitchFamily="49" charset="0"/>
+              </a:rPr>
+              <a:t> </a:t>
+            </a:r>
+            <a:r>
+              <a:rPr lang="hr-HR" sz="1600" b="0" dirty="0">
+                <a:solidFill>
+                  <a:srgbClr val="808080"/>
+                </a:solidFill>
+                <a:effectLst/>
+                <a:latin typeface="Consolas" panose="020B0609020204030204" pitchFamily="49" charset="0"/>
+              </a:rPr>
+              <a:t>/&gt;</a:t>
+            </a:r>
+            <a:endParaRPr lang="hr-HR" sz="1600" b="0" dirty="0">
+              <a:solidFill>
+                <a:srgbClr val="CCCCCC"/>
+              </a:solidFill>
+              <a:effectLst/>
+              <a:latin typeface="Consolas" panose="020B0609020204030204" pitchFamily="49" charset="0"/>
+            </a:endParaRPr>
+          </a:p>
+          <a:p>
+            <a:pPr>
+              <a:lnSpc>
+                <a:spcPts val="1425"/>
+              </a:lnSpc>
+            </a:pPr>
+            <a:r>
+              <a:rPr lang="hr-HR" sz="1600" b="0" dirty="0">
+                <a:solidFill>
+                  <a:srgbClr val="CCCCCC"/>
+                </a:solidFill>
+                <a:effectLst/>
+                <a:latin typeface="Consolas" panose="020B0609020204030204" pitchFamily="49" charset="0"/>
+              </a:rPr>
+              <a:t>    I vječnost u jednom satu.</a:t>
+            </a:r>
+          </a:p>
+          <a:p>
+            <a:pPr>
+              <a:lnSpc>
+                <a:spcPts val="1425"/>
+              </a:lnSpc>
+            </a:pPr>
+            <a:r>
+              <a:rPr lang="hr-HR" sz="1600" b="0" dirty="0">
+                <a:solidFill>
+                  <a:srgbClr val="808080"/>
+                </a:solidFill>
+                <a:effectLst/>
+                <a:latin typeface="Consolas" panose="020B0609020204030204" pitchFamily="49" charset="0"/>
+              </a:rPr>
+              <a:t>&lt;/</a:t>
+            </a:r>
+            <a:r>
+              <a:rPr lang="hr-HR" sz="1600" b="0" dirty="0">
+                <a:solidFill>
+                  <a:srgbClr val="569CD6"/>
+                </a:solidFill>
+                <a:effectLst/>
+                <a:latin typeface="Consolas" panose="020B0609020204030204" pitchFamily="49" charset="0"/>
+              </a:rPr>
+              <a:t>p</a:t>
+            </a:r>
+            <a:r>
+              <a:rPr lang="hr-HR" sz="1600" b="0" dirty="0">
+                <a:solidFill>
+                  <a:srgbClr val="808080"/>
+                </a:solidFill>
+                <a:effectLst/>
+                <a:latin typeface="Consolas" panose="020B0609020204030204" pitchFamily="49" charset="0"/>
+              </a:rPr>
+              <a:t>&gt;</a:t>
+            </a:r>
+            <a:endParaRPr lang="en-US" sz="1600" b="0" dirty="0">
+              <a:solidFill>
+                <a:srgbClr val="808080"/>
+              </a:solidFill>
+              <a:effectLst/>
+              <a:latin typeface="Consolas" panose="020B0609020204030204" pitchFamily="49" charset="0"/>
+            </a:endParaRPr>
+          </a:p>
+          <a:p>
+            <a:pPr>
+              <a:lnSpc>
+                <a:spcPts val="1425"/>
+              </a:lnSpc>
+            </a:pPr>
+            <a:endParaRPr lang="en-US" sz="1600" b="0" dirty="0">
+              <a:solidFill>
+                <a:srgbClr val="808080"/>
+              </a:solidFill>
+              <a:effectLst/>
+              <a:latin typeface="Consolas" panose="020B0609020204030204" pitchFamily="49" charset="0"/>
+            </a:endParaRPr>
+          </a:p>
+          <a:p>
+            <a:pPr rtl="0">
+              <a:spcBef>
+                <a:spcPts val="1200"/>
+              </a:spcBef>
+              <a:spcAft>
+                <a:spcPts val="1200"/>
+              </a:spcAft>
+            </a:pPr>
+            <a:r>
+              <a:rPr lang="en-US" sz="1800" b="1" i="0" u="none" strike="noStrike" dirty="0">
+                <a:solidFill>
+                  <a:srgbClr val="000000"/>
+                </a:solidFill>
+                <a:effectLst/>
+                <a:latin typeface="Arial" panose="020B0604020202020204" pitchFamily="34" charset="0"/>
+              </a:rPr>
+              <a:t>Without a closing slash (also valid in HTML5)</a:t>
+            </a:r>
+            <a:r>
+              <a:rPr lang="en-US" sz="1800" b="0" i="0" u="none" strike="noStrike" dirty="0">
+                <a:solidFill>
+                  <a:srgbClr val="000000"/>
+                </a:solidFill>
+                <a:effectLst/>
+                <a:latin typeface="Arial" panose="020B0604020202020204" pitchFamily="34" charset="0"/>
+              </a:rPr>
+              <a:t>:</a:t>
+            </a:r>
+            <a:br>
+              <a:rPr lang="en-US" sz="1800" b="0" i="0" u="none" strike="noStrike" dirty="0">
+                <a:solidFill>
+                  <a:srgbClr val="000000"/>
+                </a:solidFill>
+                <a:effectLst/>
+                <a:latin typeface="Arial" panose="020B0604020202020204" pitchFamily="34" charset="0"/>
+              </a:rPr>
+            </a:br>
+            <a:r>
+              <a:rPr lang="en-US" sz="1800" b="0" i="0" u="none" strike="noStrike" dirty="0">
+                <a:solidFill>
+                  <a:srgbClr val="188038"/>
+                </a:solidFill>
+                <a:effectLst/>
+                <a:latin typeface="Roboto Mono" panose="020F0502020204030204" pitchFamily="49" charset="0"/>
+              </a:rPr>
+              <a:t>&lt;</a:t>
+            </a:r>
+            <a:r>
+              <a:rPr lang="en-US" sz="1800" b="0" i="0" u="none" strike="noStrike" dirty="0" err="1">
+                <a:solidFill>
+                  <a:srgbClr val="188038"/>
+                </a:solidFill>
+                <a:effectLst/>
+                <a:latin typeface="Roboto Mono" panose="020F0502020204030204" pitchFamily="49" charset="0"/>
+              </a:rPr>
+              <a:t>br</a:t>
+            </a:r>
+            <a:r>
+              <a:rPr lang="en-US" sz="1800" b="0" i="0" u="none" strike="noStrike" dirty="0">
+                <a:solidFill>
+                  <a:srgbClr val="188038"/>
+                </a:solidFill>
+                <a:effectLst/>
+                <a:latin typeface="Roboto Mono" panose="020F0502020204030204" pitchFamily="49" charset="0"/>
+              </a:rPr>
+              <a:t>&gt;</a:t>
+            </a:r>
+            <a:endParaRPr lang="en-US" sz="2400" b="0" dirty="0">
+              <a:effectLst/>
+            </a:endParaRPr>
+          </a:p>
+          <a:p>
+            <a:pPr rtl="0">
+              <a:spcBef>
+                <a:spcPts val="1200"/>
+              </a:spcBef>
+              <a:spcAft>
+                <a:spcPts val="1200"/>
+              </a:spcAft>
+            </a:pPr>
+            <a:r>
+              <a:rPr lang="en-US" sz="1800" b="0" i="0" u="none" strike="noStrike" dirty="0">
+                <a:solidFill>
+                  <a:srgbClr val="188038"/>
+                </a:solidFill>
+                <a:effectLst/>
+                <a:latin typeface="Roboto Mono" panose="020F0502020204030204" pitchFamily="49" charset="0"/>
+              </a:rPr>
+              <a:t>&lt;</a:t>
+            </a:r>
+            <a:r>
+              <a:rPr lang="en-US" sz="1800" b="0" i="0" u="none" strike="noStrike" dirty="0" err="1">
+                <a:solidFill>
+                  <a:srgbClr val="188038"/>
+                </a:solidFill>
+                <a:effectLst/>
+                <a:latin typeface="Roboto Mono" panose="020F0502020204030204" pitchFamily="49" charset="0"/>
+              </a:rPr>
+              <a:t>hr</a:t>
+            </a:r>
+            <a:r>
+              <a:rPr lang="en-US" sz="1800" b="0" i="0" u="none" strike="noStrike" dirty="0">
+                <a:solidFill>
+                  <a:srgbClr val="188038"/>
+                </a:solidFill>
+                <a:effectLst/>
+                <a:latin typeface="Roboto Mono" panose="020F0502020204030204" pitchFamily="49" charset="0"/>
+              </a:rPr>
+              <a:t>&gt;</a:t>
+            </a:r>
+            <a:endParaRPr lang="en-US" sz="2400" b="0" dirty="0">
+              <a:effectLst/>
+            </a:endParaRPr>
+          </a:p>
+          <a:p>
+            <a:br>
+              <a:rPr lang="en-US" sz="2400" dirty="0"/>
+            </a:br>
+            <a:endParaRPr lang="hr-HR" sz="1600" b="0" dirty="0">
+              <a:solidFill>
+                <a:srgbClr val="CCCCCC"/>
+              </a:solidFill>
+              <a:effectLst/>
+              <a:latin typeface="Consolas" panose="020B0609020204030204" pitchFamily="49" charset="0"/>
+            </a:endParaRPr>
+          </a:p>
+          <a:p>
+            <a:pPr lvl="1" rtl="0" fontAlgn="base">
+              <a:spcBef>
+                <a:spcPts val="1200"/>
+              </a:spcBef>
+              <a:buFont typeface="Arial" panose="020B0604020202020204" pitchFamily="34" charset="0"/>
+              <a:buChar char="•"/>
+            </a:pPr>
+            <a:endParaRPr lang="en-US" sz="1100" b="0" i="0" u="none" strike="noStrike" dirty="0">
+              <a:solidFill>
+                <a:srgbClr val="000000"/>
+              </a:solidFill>
+              <a:effectLst/>
+              <a:latin typeface="Arial" panose="020B0604020202020204" pitchFamily="34" charset="0"/>
+            </a:endParaRPr>
+          </a:p>
+        </p:txBody>
+      </p:sp>
+      <p:sp>
+        <p:nvSpPr>
+          <p:cNvPr id="4" name="Slide Number Placeholder 3">
+            <a:extLst>
+              <a:ext uri="{FF2B5EF4-FFF2-40B4-BE49-F238E27FC236}">
+                <a16:creationId xmlns:a16="http://schemas.microsoft.com/office/drawing/2014/main" id="{97DC0B80-8D3B-7D0D-D8F0-001404BAEAC3}"/>
+              </a:ext>
+            </a:extLst>
+          </p:cNvPr>
+          <p:cNvSpPr>
+            <a:spLocks noGrp="1"/>
+          </p:cNvSpPr>
+          <p:nvPr>
+            <p:ph type="sldNum" sz="quarter" idx="5"/>
+          </p:nvPr>
+        </p:nvSpPr>
+        <p:spPr/>
+        <p:txBody>
+          <a:bodyPr/>
+          <a:lstStyle/>
+          <a:p>
+            <a:fld id="{343B951A-A665-1949-AEDB-B62DC9BE7F13}" type="slidenum">
+              <a:rPr lang="en-US" smtClean="0"/>
+              <a:t>8</a:t>
+            </a:fld>
+            <a:endParaRPr lang="en-US"/>
+          </a:p>
+        </p:txBody>
+      </p:sp>
+    </p:spTree>
+    <p:extLst>
+      <p:ext uri="{BB962C8B-B14F-4D97-AF65-F5344CB8AC3E}">
+        <p14:creationId xmlns:p14="http://schemas.microsoft.com/office/powerpoint/2010/main" val="3527944031"/>
+      </p:ext>
+    </p:extLst>
+  </p:cSld>
+  <p:clrMapOvr>
+    <a:masterClrMapping/>
+  </p:clrMapOvr>
+</p:notes>
+</file>
+
+<file path=ppt/notesSlides/notesSlide7.xml><?xml version="1.0" encoding="utf-8"?>
+<p:notes xmlns:a="http://schemas.openxmlformats.org/drawingml/2006/main" xmlns:r="http://schemas.openxmlformats.org/officeDocument/2006/relationships" xmlns:p="http://schemas.openxmlformats.org/presentationml/2006/main">
+  <p:cSld>
+    <p:spTree>
+      <p:nvGrpSpPr>
+        <p:cNvPr id="1" name="">
+          <a:extLst>
+            <a:ext uri="{FF2B5EF4-FFF2-40B4-BE49-F238E27FC236}">
+              <a16:creationId xmlns:a16="http://schemas.microsoft.com/office/drawing/2014/main" id="{174D7956-2AD5-4EDA-2D82-8383A364C5E4}"/>
+            </a:ext>
+          </a:extLst>
+        </p:cNvPr>
+        <p:cNvGrpSpPr/>
+        <p:nvPr/>
+      </p:nvGrpSpPr>
+      <p:grpSpPr>
+        <a:xfrm>
+          <a:off x="0" y="0"/>
+          <a:ext cx="0" cy="0"/>
+          <a:chOff x="0" y="0"/>
+          <a:chExt cx="0" cy="0"/>
+        </a:xfrm>
+      </p:grpSpPr>
+      <p:sp>
+        <p:nvSpPr>
+          <p:cNvPr id="2" name="Slide Image Placeholder 1">
+            <a:extLst>
+              <a:ext uri="{FF2B5EF4-FFF2-40B4-BE49-F238E27FC236}">
+                <a16:creationId xmlns:a16="http://schemas.microsoft.com/office/drawing/2014/main" id="{A6FE20F5-E54A-19D5-45D8-B9E6089E2D5A}"/>
+              </a:ext>
+            </a:extLst>
+          </p:cNvPr>
+          <p:cNvSpPr>
+            <a:spLocks noGrp="1" noRot="1" noChangeAspect="1"/>
+          </p:cNvSpPr>
+          <p:nvPr>
+            <p:ph type="sldImg"/>
+          </p:nvPr>
+        </p:nvSpPr>
+        <p:spPr/>
+      </p:sp>
+      <p:sp>
+        <p:nvSpPr>
+          <p:cNvPr id="3" name="Notes Placeholder 2">
+            <a:extLst>
+              <a:ext uri="{FF2B5EF4-FFF2-40B4-BE49-F238E27FC236}">
+                <a16:creationId xmlns:a16="http://schemas.microsoft.com/office/drawing/2014/main" id="{2A2C1345-03E0-4937-2F65-D1A8996451D4}"/>
+              </a:ext>
+            </a:extLst>
+          </p:cNvPr>
+          <p:cNvSpPr>
+            <a:spLocks noGrp="1"/>
+          </p:cNvSpPr>
+          <p:nvPr>
+            <p:ph type="body" idx="1"/>
+          </p:nvPr>
+        </p:nvSpPr>
+        <p:spPr/>
+        <p:txBody>
+          <a:bodyPr/>
+          <a:lstStyle/>
+          <a:p>
+            <a:pPr lvl="1" algn="l" rtl="0" fontAlgn="base">
+              <a:spcBef>
+                <a:spcPts val="1200"/>
+              </a:spcBef>
+              <a:buFont typeface="Arial" panose="020B0604020202020204" pitchFamily="34" charset="0"/>
+              <a:buNone/>
+            </a:pPr>
+            <a:r>
+              <a:rPr lang="en-US" sz="1100" b="0" i="0" u="none" strike="noStrike" dirty="0" err="1">
+                <a:solidFill>
+                  <a:srgbClr val="000000"/>
+                </a:solidFill>
+                <a:effectLst/>
+                <a:latin typeface="Arial" panose="020B0604020202020204" pitchFamily="34" charset="0"/>
+              </a:rPr>
+              <a:t>Primjer</a:t>
+            </a:r>
+            <a:r>
+              <a:rPr lang="en-US" sz="1100" b="0" i="0" u="none" strike="noStrike" dirty="0">
+                <a:solidFill>
+                  <a:srgbClr val="000000"/>
+                </a:solidFill>
+                <a:effectLst/>
+                <a:latin typeface="Arial" panose="020B0604020202020204" pitchFamily="34" charset="0"/>
+              </a:rPr>
+              <a:t>: </a:t>
+            </a:r>
+            <a:r>
+              <a:rPr lang="en-US" sz="1100" b="0" i="0" u="sng" strike="noStrike" dirty="0">
+                <a:solidFill>
+                  <a:srgbClr val="000000"/>
+                </a:solidFill>
+                <a:effectLst/>
+                <a:latin typeface="Arial" panose="020B0604020202020204" pitchFamily="34" charset="0"/>
+              </a:rPr>
+              <a:t>https://www.atptour.com/en/rankings/singles</a:t>
+            </a:r>
+            <a:br>
+              <a:rPr lang="en-US" sz="1100" b="0" i="0" u="sng" strike="noStrike" dirty="0">
+                <a:solidFill>
+                  <a:srgbClr val="000000"/>
+                </a:solidFill>
+                <a:effectLst/>
+                <a:latin typeface="Arial" panose="020B0604020202020204" pitchFamily="34" charset="0"/>
+              </a:rPr>
+            </a:br>
+            <a:br>
+              <a:rPr lang="en-US" sz="1100" b="0" i="0" u="sng" strike="noStrike" dirty="0">
+                <a:solidFill>
+                  <a:srgbClr val="000000"/>
+                </a:solidFill>
+                <a:effectLst/>
+                <a:latin typeface="Arial" panose="020B0604020202020204" pitchFamily="34" charset="0"/>
+              </a:rPr>
+            </a:br>
+            <a:r>
+              <a:rPr lang="en-US" sz="1100" b="0" i="0" u="none" strike="noStrike" dirty="0" err="1">
+                <a:solidFill>
+                  <a:srgbClr val="000000"/>
+                </a:solidFill>
+                <a:effectLst/>
+                <a:latin typeface="Arial" panose="020B0604020202020204" pitchFamily="34" charset="0"/>
+              </a:rPr>
+              <a:t>Pokazi</a:t>
+            </a:r>
+            <a:r>
+              <a:rPr lang="en-US" sz="1100" b="0" i="0" u="none" strike="noStrike" dirty="0">
+                <a:solidFill>
+                  <a:srgbClr val="000000"/>
+                </a:solidFill>
+                <a:effectLst/>
+                <a:latin typeface="Arial" panose="020B0604020202020204" pitchFamily="34" charset="0"/>
+              </a:rPr>
+              <a:t> </a:t>
+            </a:r>
+            <a:r>
+              <a:rPr lang="en-US" sz="1100" b="0" i="0" u="none" strike="noStrike" dirty="0" err="1">
+                <a:solidFill>
+                  <a:srgbClr val="000000"/>
+                </a:solidFill>
+                <a:effectLst/>
+                <a:latin typeface="Arial" panose="020B0604020202020204" pitchFamily="34" charset="0"/>
+              </a:rPr>
+              <a:t>primjer</a:t>
+            </a:r>
+            <a:r>
+              <a:rPr lang="en-US" sz="1100" b="0" i="0" u="none" strike="noStrike" dirty="0">
+                <a:solidFill>
+                  <a:srgbClr val="000000"/>
+                </a:solidFill>
+                <a:effectLst/>
+                <a:latin typeface="Arial" panose="020B0604020202020204" pitchFamily="34" charset="0"/>
+              </a:rPr>
+              <a:t> </a:t>
+            </a:r>
+            <a:r>
+              <a:rPr lang="en-US" sz="1100" b="0" i="0" u="none" strike="noStrike" dirty="0" err="1">
+                <a:solidFill>
+                  <a:srgbClr val="000000"/>
+                </a:solidFill>
+                <a:effectLst/>
+                <a:latin typeface="Arial" panose="020B0604020202020204" pitchFamily="34" charset="0"/>
+              </a:rPr>
+              <a:t>iz</a:t>
+            </a:r>
+            <a:r>
+              <a:rPr lang="en-US" sz="1100" b="0" i="0" u="none" strike="noStrike" dirty="0">
+                <a:solidFill>
+                  <a:srgbClr val="000000"/>
+                </a:solidFill>
+                <a:effectLst/>
+                <a:latin typeface="Arial" panose="020B0604020202020204" pitchFamily="34" charset="0"/>
+              </a:rPr>
+              <a:t> </a:t>
+            </a:r>
+            <a:r>
+              <a:rPr lang="en-US" sz="1100" b="0" i="0" u="none" strike="noStrike" dirty="0" err="1">
+                <a:solidFill>
+                  <a:srgbClr val="000000"/>
+                </a:solidFill>
+                <a:effectLst/>
+                <a:latin typeface="Arial" panose="020B0604020202020204" pitchFamily="34" charset="0"/>
+              </a:rPr>
+              <a:t>ovoga</a:t>
+            </a:r>
+            <a:r>
+              <a:rPr lang="en-US" sz="1100" b="0" i="0" u="none" strike="noStrike" dirty="0">
+                <a:solidFill>
+                  <a:srgbClr val="000000"/>
+                </a:solidFill>
+                <a:effectLst/>
+                <a:latin typeface="Arial" panose="020B0604020202020204" pitchFamily="34" charset="0"/>
+              </a:rPr>
+              <a:t> </a:t>
+            </a:r>
+            <a:r>
+              <a:rPr lang="en-US" sz="1100" b="0" i="0" u="none" strike="noStrike" dirty="0" err="1">
+                <a:solidFill>
+                  <a:srgbClr val="000000"/>
+                </a:solidFill>
+                <a:effectLst/>
+                <a:latin typeface="Arial" panose="020B0604020202020204" pitchFamily="34" charset="0"/>
+              </a:rPr>
+              <a:t>linka</a:t>
+            </a:r>
+            <a:r>
+              <a:rPr lang="en-US" sz="1100" b="0" i="0" u="none" strike="noStrike" dirty="0">
+                <a:solidFill>
+                  <a:srgbClr val="000000"/>
+                </a:solidFill>
+                <a:effectLst/>
+                <a:latin typeface="Arial" panose="020B0604020202020204" pitchFamily="34" charset="0"/>
+              </a:rPr>
+              <a:t> u dev </a:t>
+            </a:r>
+            <a:r>
+              <a:rPr lang="en-US" sz="1100" b="0" i="0" u="none" strike="noStrike" dirty="0" err="1">
+                <a:solidFill>
+                  <a:srgbClr val="000000"/>
+                </a:solidFill>
+                <a:effectLst/>
+                <a:latin typeface="Arial" panose="020B0604020202020204" pitchFamily="34" charset="0"/>
+              </a:rPr>
+              <a:t>toolsu</a:t>
+            </a:r>
+            <a:r>
+              <a:rPr lang="en-US" sz="1100" b="0" i="0" u="none" strike="noStrike" dirty="0">
+                <a:solidFill>
+                  <a:srgbClr val="000000"/>
+                </a:solidFill>
+                <a:effectLst/>
+                <a:latin typeface="Arial" panose="020B0604020202020204" pitchFamily="34" charset="0"/>
+              </a:rPr>
+              <a:t> </a:t>
+            </a:r>
+            <a:r>
+              <a:rPr lang="en-US" sz="1100" b="0" i="0" u="none" strike="noStrike" dirty="0" err="1">
+                <a:solidFill>
+                  <a:srgbClr val="000000"/>
+                </a:solidFill>
+                <a:effectLst/>
+                <a:latin typeface="Arial" panose="020B0604020202020204" pitchFamily="34" charset="0"/>
+              </a:rPr>
+              <a:t>kako</a:t>
+            </a:r>
+            <a:r>
+              <a:rPr lang="en-US" sz="1100" b="0" i="0" u="none" strike="noStrike" dirty="0">
+                <a:solidFill>
+                  <a:srgbClr val="000000"/>
+                </a:solidFill>
+                <a:effectLst/>
+                <a:latin typeface="Arial" panose="020B0604020202020204" pitchFamily="34" charset="0"/>
+              </a:rPr>
+              <a:t> </a:t>
+            </a:r>
+            <a:r>
+              <a:rPr lang="en-US" sz="1100" b="0" i="0" u="none" strike="noStrike" dirty="0" err="1">
+                <a:solidFill>
+                  <a:srgbClr val="000000"/>
+                </a:solidFill>
+                <a:effectLst/>
+                <a:latin typeface="Arial" panose="020B0604020202020204" pitchFamily="34" charset="0"/>
+              </a:rPr>
+              <a:t>izgledaju</a:t>
+            </a:r>
+            <a:r>
+              <a:rPr lang="en-US" sz="1100" b="0" i="0" u="none" strike="noStrike" dirty="0">
+                <a:solidFill>
+                  <a:srgbClr val="000000"/>
+                </a:solidFill>
+                <a:effectLst/>
+                <a:latin typeface="Arial" panose="020B0604020202020204" pitchFamily="34" charset="0"/>
+              </a:rPr>
+              <a:t> list </a:t>
+            </a:r>
+            <a:r>
+              <a:rPr lang="en-US" sz="1100" b="0" i="0" u="none" strike="noStrike" dirty="0" err="1">
+                <a:solidFill>
+                  <a:srgbClr val="000000"/>
+                </a:solidFill>
+                <a:effectLst/>
+                <a:latin typeface="Arial" panose="020B0604020202020204" pitchFamily="34" charset="0"/>
+              </a:rPr>
+              <a:t>na</a:t>
+            </a:r>
+            <a:r>
+              <a:rPr lang="en-US" sz="1100" b="0" i="0" u="none" strike="noStrike" dirty="0">
+                <a:solidFill>
+                  <a:srgbClr val="000000"/>
+                </a:solidFill>
+                <a:effectLst/>
+                <a:latin typeface="Arial" panose="020B0604020202020204" pitchFamily="34" charset="0"/>
+              </a:rPr>
+              <a:t> </a:t>
+            </a:r>
+            <a:r>
+              <a:rPr lang="en-US" sz="1100" b="0" i="0" u="none" strike="noStrike" dirty="0" err="1">
+                <a:solidFill>
+                  <a:srgbClr val="000000"/>
+                </a:solidFill>
+                <a:effectLst/>
+                <a:latin typeface="Arial" panose="020B0604020202020204" pitchFamily="34" charset="0"/>
+              </a:rPr>
+              <a:t>sajtu</a:t>
+            </a:r>
+            <a:r>
+              <a:rPr lang="en-US" sz="1100" b="0" i="0" u="none" strike="noStrike" dirty="0">
+                <a:solidFill>
+                  <a:srgbClr val="000000"/>
+                </a:solidFill>
+                <a:effectLst/>
+                <a:latin typeface="Arial" panose="020B0604020202020204" pitchFamily="34" charset="0"/>
+              </a:rPr>
+              <a:t>.</a:t>
+            </a:r>
+          </a:p>
+        </p:txBody>
+      </p:sp>
+      <p:sp>
+        <p:nvSpPr>
+          <p:cNvPr id="4" name="Slide Number Placeholder 3">
+            <a:extLst>
+              <a:ext uri="{FF2B5EF4-FFF2-40B4-BE49-F238E27FC236}">
+                <a16:creationId xmlns:a16="http://schemas.microsoft.com/office/drawing/2014/main" id="{4D2316CF-7EB9-38C2-32FC-6D8F9CCB0CF7}"/>
+              </a:ext>
+            </a:extLst>
+          </p:cNvPr>
+          <p:cNvSpPr>
+            <a:spLocks noGrp="1"/>
+          </p:cNvSpPr>
+          <p:nvPr>
+            <p:ph type="sldNum" sz="quarter" idx="5"/>
+          </p:nvPr>
+        </p:nvSpPr>
+        <p:spPr/>
+        <p:txBody>
+          <a:bodyPr/>
+          <a:lstStyle/>
+          <a:p>
+            <a:fld id="{343B951A-A665-1949-AEDB-B62DC9BE7F13}" type="slidenum">
+              <a:rPr lang="en-US" smtClean="0"/>
+              <a:t>9</a:t>
+            </a:fld>
+            <a:endParaRPr lang="en-US"/>
+          </a:p>
+        </p:txBody>
+      </p:sp>
+    </p:spTree>
+    <p:extLst>
+      <p:ext uri="{BB962C8B-B14F-4D97-AF65-F5344CB8AC3E}">
+        <p14:creationId xmlns:p14="http://schemas.microsoft.com/office/powerpoint/2010/main" val="1654511626"/>
+      </p:ext>
+    </p:extLst>
+  </p:cSld>
+  <p:clrMapOvr>
+    <a:masterClrMapping/>
+  </p:clrMapOvr>
+</p:notes>
+</file>
+
+<file path=ppt/notesSlides/notesSlide8.xml><?xml version="1.0" encoding="utf-8"?>
+<p:notes xmlns:a="http://schemas.openxmlformats.org/drawingml/2006/main" xmlns:r="http://schemas.openxmlformats.org/officeDocument/2006/relationships" xmlns:p="http://schemas.openxmlformats.org/presentationml/2006/main">
+  <p:cSld>
+    <p:spTree>
+      <p:nvGrpSpPr>
+        <p:cNvPr id="1" name="">
+          <a:extLst>
+            <a:ext uri="{FF2B5EF4-FFF2-40B4-BE49-F238E27FC236}">
+              <a16:creationId xmlns:a16="http://schemas.microsoft.com/office/drawing/2014/main" id="{F4DCE070-4170-A954-8885-A72378E12EDF}"/>
+            </a:ext>
+          </a:extLst>
+        </p:cNvPr>
+        <p:cNvGrpSpPr/>
+        <p:nvPr/>
+      </p:nvGrpSpPr>
+      <p:grpSpPr>
+        <a:xfrm>
+          <a:off x="0" y="0"/>
+          <a:ext cx="0" cy="0"/>
+          <a:chOff x="0" y="0"/>
+          <a:chExt cx="0" cy="0"/>
+        </a:xfrm>
+      </p:grpSpPr>
+      <p:sp>
+        <p:nvSpPr>
+          <p:cNvPr id="2" name="Slide Image Placeholder 1">
+            <a:extLst>
+              <a:ext uri="{FF2B5EF4-FFF2-40B4-BE49-F238E27FC236}">
+                <a16:creationId xmlns:a16="http://schemas.microsoft.com/office/drawing/2014/main" id="{33BF21E2-A8C0-BF5D-65B5-003AF60F09EB}"/>
+              </a:ext>
+            </a:extLst>
+          </p:cNvPr>
+          <p:cNvSpPr>
+            <a:spLocks noGrp="1" noRot="1" noChangeAspect="1"/>
+          </p:cNvSpPr>
+          <p:nvPr>
+            <p:ph type="sldImg"/>
+          </p:nvPr>
+        </p:nvSpPr>
+        <p:spPr/>
+      </p:sp>
+      <p:sp>
+        <p:nvSpPr>
+          <p:cNvPr id="3" name="Notes Placeholder 2">
+            <a:extLst>
+              <a:ext uri="{FF2B5EF4-FFF2-40B4-BE49-F238E27FC236}">
+                <a16:creationId xmlns:a16="http://schemas.microsoft.com/office/drawing/2014/main" id="{AFBCAE87-0F78-A012-0371-3B4C752F22EC}"/>
+              </a:ext>
+            </a:extLst>
+          </p:cNvPr>
+          <p:cNvSpPr>
+            <a:spLocks noGrp="1"/>
+          </p:cNvSpPr>
+          <p:nvPr>
+            <p:ph type="body" idx="1"/>
+          </p:nvPr>
+        </p:nvSpPr>
+        <p:spPr/>
+        <p:txBody>
+          <a:bodyPr/>
+          <a:lstStyle/>
+          <a:p>
+            <a:r>
+              <a:rPr lang="hr-HR" sz="1600" b="1" dirty="0"/>
+              <a:t>Uobičajene greške koje treba izbjegavati:</a:t>
+            </a:r>
+          </a:p>
+          <a:p>
+            <a:r>
+              <a:rPr lang="hr-HR" sz="1600" dirty="0"/>
+              <a:t>❌ </a:t>
+            </a:r>
+            <a:r>
+              <a:rPr lang="hr-HR" sz="1600" b="1" dirty="0"/>
+              <a:t>Zaboravljanje zatvaranja oznaka</a:t>
+            </a:r>
+            <a:r>
+              <a:rPr lang="hr-HR" sz="1600" dirty="0"/>
+              <a:t> (&lt;/</a:t>
+            </a:r>
+            <a:r>
+              <a:rPr lang="hr-HR" sz="1600" dirty="0" err="1"/>
+              <a:t>ul</a:t>
+            </a:r>
+            <a:r>
+              <a:rPr lang="hr-HR" sz="1600" dirty="0"/>
+              <a:t>&gt; ili &lt;/</a:t>
+            </a:r>
+            <a:r>
+              <a:rPr lang="hr-HR" sz="1600" dirty="0" err="1"/>
+              <a:t>ol</a:t>
+            </a:r>
+            <a:r>
+              <a:rPr lang="hr-HR" sz="1600" dirty="0"/>
+              <a:t>&gt;).</a:t>
+            </a:r>
+            <a:br>
+              <a:rPr lang="hr-HR" sz="1600" dirty="0"/>
+            </a:br>
+            <a:r>
+              <a:rPr lang="hr-HR" sz="1600" dirty="0"/>
+              <a:t>❌ </a:t>
+            </a:r>
+            <a:r>
+              <a:rPr lang="hr-HR" sz="1600" b="1" dirty="0"/>
+              <a:t>Nepravilno uvlačenje koda, što otežava čitanje i održavanje.</a:t>
+            </a:r>
+            <a:br>
+              <a:rPr lang="hr-HR" sz="1600" dirty="0"/>
+            </a:br>
+            <a:r>
+              <a:rPr lang="hr-HR" sz="1600" dirty="0"/>
+              <a:t>❌ </a:t>
+            </a:r>
+            <a:r>
+              <a:rPr lang="hr-HR" sz="1600" b="1" dirty="0"/>
+              <a:t>Postavljanje &lt;/li&gt; prije zatvaranja ugniježđene liste umjesto nakon nje.</a:t>
+            </a:r>
+            <a:endParaRPr lang="hr-HR" sz="1600" dirty="0"/>
+          </a:p>
+        </p:txBody>
+      </p:sp>
+      <p:sp>
+        <p:nvSpPr>
+          <p:cNvPr id="4" name="Slide Number Placeholder 3">
+            <a:extLst>
+              <a:ext uri="{FF2B5EF4-FFF2-40B4-BE49-F238E27FC236}">
+                <a16:creationId xmlns:a16="http://schemas.microsoft.com/office/drawing/2014/main" id="{9FA303C3-8959-A931-F693-640233AFCBDD}"/>
+              </a:ext>
+            </a:extLst>
+          </p:cNvPr>
+          <p:cNvSpPr>
+            <a:spLocks noGrp="1"/>
+          </p:cNvSpPr>
+          <p:nvPr>
+            <p:ph type="sldNum" sz="quarter" idx="5"/>
+          </p:nvPr>
+        </p:nvSpPr>
+        <p:spPr/>
+        <p:txBody>
+          <a:bodyPr/>
+          <a:lstStyle/>
+          <a:p>
+            <a:fld id="{343B951A-A665-1949-AEDB-B62DC9BE7F13}" type="slidenum">
+              <a:rPr lang="en-US" smtClean="0"/>
+              <a:t>10</a:t>
+            </a:fld>
+            <a:endParaRPr lang="en-US"/>
+          </a:p>
+        </p:txBody>
+      </p:sp>
+    </p:spTree>
+    <p:extLst>
+      <p:ext uri="{BB962C8B-B14F-4D97-AF65-F5344CB8AC3E}">
+        <p14:creationId xmlns:p14="http://schemas.microsoft.com/office/powerpoint/2010/main" val="895496564"/>
+      </p:ext>
+    </p:extLst>
+  </p:cSld>
+  <p:clrMapOvr>
+    <a:masterClrMapping/>
+  </p:clrMapOvr>
+</p:notes>
+</file>
+
+<file path=ppt/notesSlides/notesSlide9.xml><?xml version="1.0" encoding="utf-8"?>
+<p:notes xmlns:a="http://schemas.openxmlformats.org/drawingml/2006/main" xmlns:r="http://schemas.openxmlformats.org/officeDocument/2006/relationships" xmlns:p="http://schemas.openxmlformats.org/presentationml/2006/main">
+  <p:cSld>
+    <p:spTree>
+      <p:nvGrpSpPr>
+        <p:cNvPr id="1" name="">
+          <a:extLst>
+            <a:ext uri="{FF2B5EF4-FFF2-40B4-BE49-F238E27FC236}">
+              <a16:creationId xmlns:a16="http://schemas.microsoft.com/office/drawing/2014/main" id="{3FA18DC4-D021-7958-C24A-1C3F8F22FCF9}"/>
+            </a:ext>
+          </a:extLst>
+        </p:cNvPr>
+        <p:cNvGrpSpPr/>
+        <p:nvPr/>
+      </p:nvGrpSpPr>
+      <p:grpSpPr>
+        <a:xfrm>
+          <a:off x="0" y="0"/>
+          <a:ext cx="0" cy="0"/>
+          <a:chOff x="0" y="0"/>
+          <a:chExt cx="0" cy="0"/>
+        </a:xfrm>
+      </p:grpSpPr>
+      <p:sp>
+        <p:nvSpPr>
+          <p:cNvPr id="2" name="Slide Image Placeholder 1">
+            <a:extLst>
+              <a:ext uri="{FF2B5EF4-FFF2-40B4-BE49-F238E27FC236}">
+                <a16:creationId xmlns:a16="http://schemas.microsoft.com/office/drawing/2014/main" id="{579629FA-59DB-B2E3-C4A2-D5AEFF0781DC}"/>
+              </a:ext>
+            </a:extLst>
+          </p:cNvPr>
+          <p:cNvSpPr>
+            <a:spLocks noGrp="1" noRot="1" noChangeAspect="1"/>
+          </p:cNvSpPr>
+          <p:nvPr>
+            <p:ph type="sldImg"/>
+          </p:nvPr>
+        </p:nvSpPr>
+        <p:spPr/>
+      </p:sp>
+      <p:sp>
+        <p:nvSpPr>
+          <p:cNvPr id="3" name="Notes Placeholder 2">
+            <a:extLst>
+              <a:ext uri="{FF2B5EF4-FFF2-40B4-BE49-F238E27FC236}">
+                <a16:creationId xmlns:a16="http://schemas.microsoft.com/office/drawing/2014/main" id="{1CFD8D40-B4F1-0787-9BBA-D2B23EEC5B9F}"/>
+              </a:ext>
+            </a:extLst>
+          </p:cNvPr>
+          <p:cNvSpPr>
+            <a:spLocks noGrp="1"/>
+          </p:cNvSpPr>
+          <p:nvPr>
+            <p:ph type="body" idx="1"/>
+          </p:nvPr>
+        </p:nvSpPr>
+        <p:spPr/>
+        <p:txBody>
+          <a:bodyPr/>
+          <a:lstStyle/>
+          <a:p>
+            <a:r>
+              <a:rPr lang="hr-HR" sz="1600" b="1" dirty="0"/>
+              <a:t>Uobičajene greške koje treba izbjegavati:</a:t>
+            </a:r>
+          </a:p>
+          <a:p>
+            <a:r>
+              <a:rPr lang="hr-HR" sz="1600" dirty="0"/>
+              <a:t>❌ </a:t>
+            </a:r>
+            <a:r>
+              <a:rPr lang="hr-HR" sz="1600" b="1" dirty="0"/>
+              <a:t>Zaboravljanje zatvaranja oznaka</a:t>
+            </a:r>
+            <a:r>
+              <a:rPr lang="hr-HR" sz="1600" dirty="0"/>
+              <a:t> (&lt;/</a:t>
+            </a:r>
+            <a:r>
+              <a:rPr lang="hr-HR" sz="1600" dirty="0" err="1"/>
+              <a:t>ul</a:t>
+            </a:r>
+            <a:r>
+              <a:rPr lang="hr-HR" sz="1600" dirty="0"/>
+              <a:t>&gt; ili &lt;/</a:t>
+            </a:r>
+            <a:r>
+              <a:rPr lang="hr-HR" sz="1600" dirty="0" err="1"/>
+              <a:t>ol</a:t>
+            </a:r>
+            <a:r>
+              <a:rPr lang="hr-HR" sz="1600" dirty="0"/>
+              <a:t>&gt;).</a:t>
+            </a:r>
+            <a:br>
+              <a:rPr lang="hr-HR" sz="1600" dirty="0"/>
+            </a:br>
+            <a:r>
+              <a:rPr lang="hr-HR" sz="1600" dirty="0"/>
+              <a:t>❌ </a:t>
+            </a:r>
+            <a:r>
+              <a:rPr lang="hr-HR" sz="1600" b="1" dirty="0"/>
+              <a:t>Nepravilno uvlačenje koda, što otežava čitanje i održavanje.</a:t>
+            </a:r>
+            <a:br>
+              <a:rPr lang="hr-HR" sz="1600" dirty="0"/>
+            </a:br>
+            <a:r>
+              <a:rPr lang="hr-HR" sz="1600" dirty="0"/>
+              <a:t>❌ </a:t>
+            </a:r>
+            <a:r>
+              <a:rPr lang="hr-HR" sz="1600" b="1" dirty="0"/>
+              <a:t>Postavljanje &lt;/li&gt; prije zatvaranja ugniježđene liste umjesto nakon nje.</a:t>
+            </a:r>
+            <a:endParaRPr lang="hr-HR" sz="1600" dirty="0"/>
+          </a:p>
+        </p:txBody>
+      </p:sp>
+      <p:sp>
+        <p:nvSpPr>
+          <p:cNvPr id="4" name="Slide Number Placeholder 3">
+            <a:extLst>
+              <a:ext uri="{FF2B5EF4-FFF2-40B4-BE49-F238E27FC236}">
+                <a16:creationId xmlns:a16="http://schemas.microsoft.com/office/drawing/2014/main" id="{1AEF8008-E724-2DD3-7B02-FC9B92B29961}"/>
+              </a:ext>
+            </a:extLst>
+          </p:cNvPr>
+          <p:cNvSpPr>
+            <a:spLocks noGrp="1"/>
+          </p:cNvSpPr>
+          <p:nvPr>
+            <p:ph type="sldNum" sz="quarter" idx="5"/>
+          </p:nvPr>
+        </p:nvSpPr>
+        <p:spPr/>
+        <p:txBody>
+          <a:bodyPr/>
+          <a:lstStyle/>
+          <a:p>
+            <a:fld id="{343B951A-A665-1949-AEDB-B62DC9BE7F13}" type="slidenum">
+              <a:rPr lang="en-US" smtClean="0"/>
+              <a:t>11</a:t>
+            </a:fld>
+            <a:endParaRPr lang="en-US"/>
+          </a:p>
+        </p:txBody>
+      </p:sp>
+    </p:spTree>
+    <p:extLst>
+      <p:ext uri="{BB962C8B-B14F-4D97-AF65-F5344CB8AC3E}">
+        <p14:creationId xmlns:p14="http://schemas.microsoft.com/office/powerpoint/2010/main" val="2484443407"/>
       </p:ext>
     </p:extLst>
   </p:cSld>
@@ -4371,7 +4458,7 @@
                 <a:ea typeface="Open Sans" panose="020B0606030504020204" pitchFamily="34" charset="0"/>
                 <a:cs typeface="Open Sans" panose="020B0606030504020204" pitchFamily="34" charset="0"/>
               </a:rPr>
-              <a:t>06/04/2025</a:t>
+              <a:t>24/04/2025</a:t>
             </a:fld>
             <a:endParaRPr lang="en-GB" sz="1800" b="0" i="0" kern="1200" dirty="0">
               <a:solidFill>
@@ -5116,7 +5203,7 @@
                 <a:ea typeface="Open Sans" panose="020B0606030504020204" pitchFamily="34" charset="0"/>
                 <a:cs typeface="Open Sans" panose="020B0606030504020204" pitchFamily="34" charset="0"/>
               </a:rPr>
-              <a:t>06/04/2025</a:t>
+              <a:t>24/04/2025</a:t>
             </a:fld>
             <a:endParaRPr lang="en-GB" sz="1800" b="0" i="0" kern="1200" dirty="0">
               <a:solidFill>
@@ -5639,7 +5726,7 @@
                 <a:ea typeface="Open Sans" panose="020B0606030504020204" pitchFamily="34" charset="0"/>
                 <a:cs typeface="Open Sans" panose="020B0606030504020204" pitchFamily="34" charset="0"/>
               </a:rPr>
-              <a:t>06/04/2025</a:t>
+              <a:t>24/04/2025</a:t>
             </a:fld>
             <a:endParaRPr lang="en-GB" sz="1800" b="0" i="0" kern="1200" dirty="0">
               <a:solidFill>
@@ -6605,7 +6692,7 @@
                 <a:ea typeface="Open Sans" panose="020B0606030504020204" pitchFamily="34" charset="0"/>
                 <a:cs typeface="Open Sans" panose="020B0606030504020204" pitchFamily="34" charset="0"/>
               </a:rPr>
-              <a:t>06/04/2025</a:t>
+              <a:t>24/04/2025</a:t>
             </a:fld>
             <a:endParaRPr lang="en-GB" sz="1800" b="0" i="0" kern="1200" dirty="0">
               <a:solidFill>
@@ -7044,7 +7131,7 @@
                 <a:ea typeface="Open Sans" panose="020B0606030504020204" pitchFamily="34" charset="0"/>
                 <a:cs typeface="Open Sans" panose="020B0606030504020204" pitchFamily="34" charset="0"/>
               </a:rPr>
-              <a:t>06/04/2025</a:t>
+              <a:t>24/04/2025</a:t>
             </a:fld>
             <a:endParaRPr lang="en-GB" sz="1800" b="0" i="0" kern="1200" dirty="0">
               <a:solidFill>
@@ -8814,7 +8901,7 @@
                 <a:ea typeface="Open Sans" pitchFamily="2" charset="0"/>
                 <a:cs typeface="Open Sans" pitchFamily="2" charset="0"/>
               </a:rPr>
-              <a:t>06/04/2025</a:t>
+              <a:t>24/04/2025</a:t>
             </a:fld>
             <a:endParaRPr lang="en-GB" sz="1800" b="0" i="0" kern="1200" dirty="0">
               <a:solidFill>
@@ -10564,7 +10651,7 @@
                 <a:ea typeface="Open Sans" pitchFamily="2" charset="0"/>
                 <a:cs typeface="Open Sans" pitchFamily="2" charset="0"/>
               </a:rPr>
-              <a:t>06/04/2025</a:t>
+              <a:t>24/04/2025</a:t>
             </a:fld>
             <a:endParaRPr lang="en-GB" sz="1800" b="0" i="0" kern="1200" dirty="0">
               <a:solidFill>
@@ -11081,7 +11168,7 @@
                 <a:ea typeface="Open Sans" panose="020B0606030504020204" pitchFamily="34" charset="0"/>
                 <a:cs typeface="Open Sans" panose="020B0606030504020204" pitchFamily="34" charset="0"/>
               </a:rPr>
-              <a:t>06/04/2025</a:t>
+              <a:t>24/04/2025</a:t>
             </a:fld>
             <a:endParaRPr lang="en-GB" sz="1800" b="0" i="0" kern="1200" dirty="0">
               <a:solidFill>
@@ -11678,7 +11765,7 @@
                 <a:ea typeface="Open Sans" pitchFamily="2" charset="0"/>
                 <a:cs typeface="Open Sans" pitchFamily="2" charset="0"/>
               </a:rPr>
-              <a:t>06/04/2025</a:t>
+              <a:t>24/04/2025</a:t>
             </a:fld>
             <a:endParaRPr lang="en-GB" sz="1800" b="0" i="0" kern="1200" dirty="0">
               <a:solidFill>
@@ -12218,7 +12305,7 @@
                 <a:ea typeface="Open Sans" panose="020B0606030504020204" pitchFamily="34" charset="0"/>
                 <a:cs typeface="Open Sans" panose="020B0606030504020204" pitchFamily="34" charset="0"/>
               </a:rPr>
-              <a:t>06/04/2025</a:t>
+              <a:t>24/04/2025</a:t>
             </a:fld>
             <a:endParaRPr lang="en-GB" sz="1800" b="0" i="0" kern="1200" dirty="0">
               <a:solidFill>
@@ -12919,7 +13006,7 @@
                 <a:ea typeface="Open Sans" panose="020B0606030504020204" pitchFamily="34" charset="0"/>
                 <a:cs typeface="Open Sans" panose="020B0606030504020204" pitchFamily="34" charset="0"/>
               </a:rPr>
-              <a:t>06/04/2025</a:t>
+              <a:t>24/04/2025</a:t>
             </a:fld>
             <a:endParaRPr lang="en-GB" sz="1800" b="0" i="0" kern="1200" dirty="0">
               <a:solidFill>
@@ -13282,7 +13369,7 @@
                 <a:ea typeface="Open Sans" pitchFamily="2" charset="0"/>
                 <a:cs typeface="Open Sans" pitchFamily="2" charset="0"/>
               </a:rPr>
-              <a:t>06/04/2025</a:t>
+              <a:t>24/04/2025</a:t>
             </a:fld>
             <a:endParaRPr lang="en-GB" sz="1800" b="0" i="0" kern="1200" dirty="0">
               <a:solidFill>
@@ -13677,7 +13764,7 @@
                 <a:ea typeface="Open Sans" pitchFamily="2" charset="0"/>
                 <a:cs typeface="Open Sans" pitchFamily="2" charset="0"/>
               </a:rPr>
-              <a:t>06/04/2025</a:t>
+              <a:t>24/04/2025</a:t>
             </a:fld>
             <a:endParaRPr lang="en-GB" sz="1800" b="0" i="0" kern="1200" dirty="0">
               <a:solidFill>
@@ -14955,8 +15042,8 @@
           <a:lstStyle/>
           <a:p>
             <a:r>
-              <a:rPr lang="en-US" dirty="0"/>
-              <a:t>Ve</a:t>
+              <a:rPr lang="en-US" dirty="0" err="1"/>
+              <a:t>VJe</a:t>
             </a:r>
             <a:r>
               <a:rPr lang="hr-HR" dirty="0" err="1"/>
@@ -19591,16 +19678,171 @@
         </p:spPr>
         <p:txBody>
           <a:bodyPr>
-            <a:normAutofit lnSpcReduction="10000"/>
+            <a:normAutofit fontScale="92500" lnSpcReduction="10000"/>
           </a:bodyPr>
           <a:lstStyle/>
           <a:p>
-            <a:pPr algn="l"/>
             <a:r>
               <a:rPr lang="en-US" sz="1800" dirty="0"/>
-              <a:t>💡 Unlike CSS or JavaScript, a website can only exist with an HTML file
-👉 Markup language: Similar to editorial markup in manuscripts (bold, underline, etc.)
-👉 HTML uses tags to structure content</a:t>
+              <a:t>💡 Za </a:t>
+            </a:r>
+            <a:r>
+              <a:rPr lang="en-US" sz="1800" dirty="0" err="1"/>
+              <a:t>razliku</a:t>
+            </a:r>
+            <a:r>
+              <a:rPr lang="en-US" sz="1800" dirty="0"/>
+              <a:t> od CSS-a </a:t>
+            </a:r>
+            <a:r>
+              <a:rPr lang="en-US" sz="1800" dirty="0" err="1"/>
+              <a:t>ili</a:t>
+            </a:r>
+            <a:r>
+              <a:rPr lang="en-US" sz="1800" dirty="0"/>
+              <a:t> </a:t>
+            </a:r>
+            <a:r>
+              <a:rPr lang="en-US" sz="1800" dirty="0" err="1"/>
+              <a:t>JavaScripta</a:t>
+            </a:r>
+            <a:r>
+              <a:rPr lang="en-US" sz="1800" dirty="0"/>
+              <a:t>, web </a:t>
+            </a:r>
+            <a:r>
+              <a:rPr lang="en-US" sz="1800" dirty="0" err="1"/>
+              <a:t>stranica</a:t>
+            </a:r>
+            <a:r>
+              <a:rPr lang="en-US" sz="1800" dirty="0"/>
+              <a:t> </a:t>
+            </a:r>
+            <a:r>
+              <a:rPr lang="en-US" sz="1800" dirty="0" err="1"/>
+              <a:t>može</a:t>
+            </a:r>
+            <a:r>
+              <a:rPr lang="en-US" sz="1800" dirty="0"/>
+              <a:t> </a:t>
+            </a:r>
+            <a:r>
+              <a:rPr lang="en-US" sz="1800" dirty="0" err="1"/>
+              <a:t>postojati</a:t>
+            </a:r>
+            <a:r>
+              <a:rPr lang="en-US" sz="1800" dirty="0"/>
+              <a:t> </a:t>
+            </a:r>
+            <a:r>
+              <a:rPr lang="en-US" sz="1800" dirty="0" err="1"/>
+              <a:t>samo</a:t>
+            </a:r>
+            <a:r>
+              <a:rPr lang="en-US" sz="1800" dirty="0"/>
+              <a:t> s HTML </a:t>
+            </a:r>
+            <a:r>
+              <a:rPr lang="en-US" sz="1800" dirty="0" err="1"/>
+              <a:t>datotekom</a:t>
+            </a:r>
+            <a:r>
+              <a:rPr lang="en-US" sz="1800" dirty="0"/>
+              <a:t>
+👉 Jezik </a:t>
+            </a:r>
+            <a:r>
+              <a:rPr lang="en-US" sz="1800" dirty="0" err="1"/>
+              <a:t>označavanja</a:t>
+            </a:r>
+            <a:r>
+              <a:rPr lang="en-US" sz="1800" dirty="0"/>
+              <a:t>: </a:t>
+            </a:r>
+            <a:r>
+              <a:rPr lang="en-US" sz="1800" dirty="0" err="1"/>
+              <a:t>Slično</a:t>
+            </a:r>
+            <a:r>
+              <a:rPr lang="en-US" sz="1800" dirty="0"/>
+              <a:t> </a:t>
+            </a:r>
+            <a:r>
+              <a:rPr lang="en-US" sz="1800" dirty="0" err="1"/>
+              <a:t>uredničkom</a:t>
+            </a:r>
+            <a:r>
+              <a:rPr lang="en-US" sz="1800" dirty="0"/>
+              <a:t> </a:t>
+            </a:r>
+            <a:r>
+              <a:rPr lang="en-US" sz="1800" dirty="0" err="1"/>
+              <a:t>označavanju</a:t>
+            </a:r>
+            <a:r>
+              <a:rPr lang="en-US" sz="1800" dirty="0"/>
+              <a:t> u </a:t>
+            </a:r>
+            <a:r>
+              <a:rPr lang="en-US" sz="1800" dirty="0" err="1"/>
+              <a:t>rukopisima</a:t>
+            </a:r>
+            <a:r>
+              <a:rPr lang="en-US" sz="1800" dirty="0"/>
+              <a:t> (</a:t>
+            </a:r>
+            <a:r>
+              <a:rPr lang="en-US" sz="1800" dirty="0" err="1"/>
+              <a:t>podebljano</a:t>
+            </a:r>
+            <a:r>
+              <a:rPr lang="en-US" sz="1800" dirty="0"/>
+              <a:t>, </a:t>
+            </a:r>
+            <a:r>
+              <a:rPr lang="en-US" sz="1800" dirty="0" err="1"/>
+              <a:t>podcrtano</a:t>
+            </a:r>
+            <a:r>
+              <a:rPr lang="en-US" sz="1800" dirty="0"/>
+              <a:t>, </a:t>
+            </a:r>
+            <a:r>
+              <a:rPr lang="en-US" sz="1800" dirty="0" err="1"/>
+              <a:t>itd</a:t>
+            </a:r>
+            <a:r>
+              <a:rPr lang="en-US" sz="1800" dirty="0"/>
+              <a:t>.)
+👉 HTML </a:t>
+            </a:r>
+            <a:r>
+              <a:rPr lang="en-US" sz="1800" dirty="0" err="1"/>
+              <a:t>koristi</a:t>
+            </a:r>
+            <a:r>
+              <a:rPr lang="en-US" sz="1800" dirty="0"/>
+              <a:t> </a:t>
+            </a:r>
+            <a:r>
+              <a:rPr lang="en-US" sz="1800" dirty="0" err="1"/>
+              <a:t>oznake</a:t>
+            </a:r>
+            <a:r>
+              <a:rPr lang="en-US" sz="1800" dirty="0"/>
+              <a:t> za </a:t>
+            </a:r>
+            <a:r>
+              <a:rPr lang="en-US" sz="1800" dirty="0" err="1"/>
+              <a:t>strukturiranje</a:t>
+            </a:r>
+            <a:r>
+              <a:rPr lang="en-US" sz="1800" dirty="0"/>
+              <a:t> </a:t>
+            </a:r>
+            <a:r>
+              <a:rPr lang="en-US" sz="1800" dirty="0" err="1"/>
+              <a:t>sadržaja</a:t>
             </a:r>
             <a:endParaRPr lang="hr-HR" sz="1800" dirty="0"/>
           </a:p>
@@ -19612,36 +19854,6 @@
             <a:extLst>
               <a:ext uri="{FF2B5EF4-FFF2-40B4-BE49-F238E27FC236}">
                 <a16:creationId xmlns:a16="http://schemas.microsoft.com/office/drawing/2014/main" id="{9BC215BC-F47F-9D18-1515-1156C232F3EE}"/>
-              </a:ext>
-            </a:extLst>
-          </p:cNvPr>
-          <p:cNvPicPr>
-            <a:picLocks noChangeAspect="1"/>
-          </p:cNvPicPr>
-          <p:nvPr/>
-        </p:nvPicPr>
-        <p:blipFill>
-          <a:blip r:embed="rId2"/>
-          <a:stretch>
-            <a:fillRect/>
-          </a:stretch>
-        </p:blipFill>
-        <p:spPr>
-          <a:xfrm>
-            <a:off x="7433383" y="5092741"/>
-            <a:ext cx="2600325" cy="419100"/>
-          </a:xfrm>
-          <a:prstGeom prst="rect">
-            <a:avLst/>
-          </a:prstGeom>
-        </p:spPr>
-      </p:pic>
-      <p:pic>
-        <p:nvPicPr>
-          <p:cNvPr id="7" name="Picture 6">
-            <a:extLst>
-              <a:ext uri="{FF2B5EF4-FFF2-40B4-BE49-F238E27FC236}">
-                <a16:creationId xmlns:a16="http://schemas.microsoft.com/office/drawing/2014/main" id="{E98F72EF-7EC5-2B3F-3F95-F9E0C5D6D75D}"/>
               </a:ext>
             </a:extLst>
           </p:cNvPr>
@@ -19658,8 +19870,8 @@
         </p:blipFill>
         <p:spPr>
           <a:xfrm>
-            <a:off x="7450425" y="3816480"/>
-            <a:ext cx="1981200" cy="485775"/>
+            <a:off x="7433383" y="5092741"/>
+            <a:ext cx="2600325" cy="419100"/>
           </a:xfrm>
           <a:prstGeom prst="rect">
             <a:avLst/>
@@ -19668,10 +19880,10 @@
       </p:pic>
       <p:pic>
         <p:nvPicPr>
-          <p:cNvPr id="8" name="Picture 7">
-            <a:extLst>
-              <a:ext uri="{FF2B5EF4-FFF2-40B4-BE49-F238E27FC236}">
-                <a16:creationId xmlns:a16="http://schemas.microsoft.com/office/drawing/2014/main" id="{05E3411A-C771-86DE-2FB1-53D939F7FCC1}"/>
+          <p:cNvPr id="7" name="Picture 6">
+            <a:extLst>
+              <a:ext uri="{FF2B5EF4-FFF2-40B4-BE49-F238E27FC236}">
+                <a16:creationId xmlns:a16="http://schemas.microsoft.com/office/drawing/2014/main" id="{E98F72EF-7EC5-2B3F-3F95-F9E0C5D6D75D}"/>
               </a:ext>
             </a:extLst>
           </p:cNvPr>
@@ -19688,8 +19900,8 @@
         </p:blipFill>
         <p:spPr>
           <a:xfrm>
-            <a:off x="7450425" y="1847800"/>
-            <a:ext cx="3173771" cy="1751621"/>
+            <a:off x="7450425" y="3816480"/>
+            <a:ext cx="1981200" cy="485775"/>
           </a:xfrm>
           <a:prstGeom prst="rect">
             <a:avLst/>
@@ -19698,10 +19910,10 @@
       </p:pic>
       <p:pic>
         <p:nvPicPr>
-          <p:cNvPr id="9" name="Picture 8">
-            <a:extLst>
-              <a:ext uri="{FF2B5EF4-FFF2-40B4-BE49-F238E27FC236}">
-                <a16:creationId xmlns:a16="http://schemas.microsoft.com/office/drawing/2014/main" id="{B60D8DB0-811C-D19B-3869-8FEE69057716}"/>
+          <p:cNvPr id="8" name="Picture 7">
+            <a:extLst>
+              <a:ext uri="{FF2B5EF4-FFF2-40B4-BE49-F238E27FC236}">
+                <a16:creationId xmlns:a16="http://schemas.microsoft.com/office/drawing/2014/main" id="{05E3411A-C771-86DE-2FB1-53D939F7FCC1}"/>
               </a:ext>
             </a:extLst>
           </p:cNvPr>
@@ -19712,6 +19924,36 @@
         </p:nvPicPr>
         <p:blipFill>
           <a:blip r:embed="rId5"/>
+          <a:stretch>
+            <a:fillRect/>
+          </a:stretch>
+        </p:blipFill>
+        <p:spPr>
+          <a:xfrm>
+            <a:off x="7450425" y="1847800"/>
+            <a:ext cx="3173771" cy="1751621"/>
+          </a:xfrm>
+          <a:prstGeom prst="rect">
+            <a:avLst/>
+          </a:prstGeom>
+        </p:spPr>
+      </p:pic>
+      <p:pic>
+        <p:nvPicPr>
+          <p:cNvPr id="9" name="Picture 8">
+            <a:extLst>
+              <a:ext uri="{FF2B5EF4-FFF2-40B4-BE49-F238E27FC236}">
+                <a16:creationId xmlns:a16="http://schemas.microsoft.com/office/drawing/2014/main" id="{B60D8DB0-811C-D19B-3869-8FEE69057716}"/>
+              </a:ext>
+            </a:extLst>
+          </p:cNvPr>
+          <p:cNvPicPr>
+            <a:picLocks noChangeAspect="1"/>
+          </p:cNvPicPr>
+          <p:nvPr/>
+        </p:nvPicPr>
+        <p:blipFill>
+          <a:blip r:embed="rId6"/>
           <a:stretch>
             <a:fillRect/>
           </a:stretch>
@@ -20122,8 +20364,100 @@
             <a:pPr algn="l"/>
             <a:r>
               <a:rPr lang="en-US" sz="1400" dirty="0"/>
-              <a:t>💡 Install in VS code and use the Live Preview plugin to view changes in real-time 
-👉 Recreate image</a:t>
+              <a:t>💡 </a:t>
+            </a:r>
+            <a:r>
+              <a:rPr lang="en-US" sz="1400" dirty="0" err="1"/>
+              <a:t>Instalirajte</a:t>
+            </a:r>
+            <a:r>
+              <a:rPr lang="en-US" sz="1400" dirty="0"/>
+              <a:t> u VS </a:t>
+            </a:r>
+            <a:r>
+              <a:rPr lang="en-US" sz="1400" dirty="0" err="1"/>
+              <a:t>kodu</a:t>
+            </a:r>
+            <a:r>
+              <a:rPr lang="en-US" sz="1400" dirty="0"/>
+              <a:t> </a:t>
+            </a:r>
+            <a:r>
+              <a:rPr lang="en-US" sz="1400" dirty="0" err="1"/>
+              <a:t>i</a:t>
+            </a:r>
+            <a:r>
+              <a:rPr lang="en-US" sz="1400" dirty="0"/>
+              <a:t> </a:t>
+            </a:r>
+            <a:r>
+              <a:rPr lang="en-US" sz="1400" dirty="0" err="1"/>
+              <a:t>koristite</a:t>
+            </a:r>
+            <a:r>
+              <a:rPr lang="en-US" sz="1400" dirty="0"/>
+              <a:t> </a:t>
+            </a:r>
+            <a:r>
+              <a:rPr lang="en-US" sz="1400" dirty="0" err="1"/>
+              <a:t>dodatak</a:t>
+            </a:r>
+            <a:r>
+              <a:rPr lang="en-US" sz="1400" dirty="0"/>
+              <a:t> Live Preview za </a:t>
+            </a:r>
+            <a:r>
+              <a:rPr lang="en-US" sz="1400" dirty="0" err="1"/>
+              <a:t>prikaz</a:t>
+            </a:r>
+            <a:r>
+              <a:rPr lang="en-US" sz="1400" dirty="0"/>
+              <a:t> </a:t>
+            </a:r>
+            <a:r>
+              <a:rPr lang="en-US" sz="1400" dirty="0" err="1"/>
+              <a:t>promjena</a:t>
+            </a:r>
+            <a:r>
+              <a:rPr lang="en-US" sz="1400" dirty="0"/>
+              <a:t> u </a:t>
+            </a:r>
+            <a:r>
+              <a:rPr lang="en-US" sz="1400" dirty="0" err="1"/>
+              <a:t>stvarnom</a:t>
+            </a:r>
+            <a:r>
+              <a:rPr lang="en-US" sz="1400" dirty="0"/>
+              <a:t> </a:t>
+            </a:r>
+            <a:r>
+              <a:rPr lang="en-US" sz="1400" dirty="0" err="1"/>
+              <a:t>vremenu</a:t>
+            </a:r>
+            <a:r>
+              <a:rPr lang="en-US" sz="1400" dirty="0"/>
+              <a:t> 
+👉 </a:t>
+            </a:r>
+            <a:r>
+              <a:rPr lang="en-US" sz="1400" dirty="0" err="1"/>
+              <a:t>Ponovno</a:t>
+            </a:r>
+            <a:r>
+              <a:rPr lang="en-US" sz="1400" dirty="0"/>
+              <a:t> </a:t>
+            </a:r>
+            <a:r>
+              <a:rPr lang="en-US" sz="1400" dirty="0" err="1"/>
+              <a:t>stvorite</a:t>
+            </a:r>
+            <a:r>
+              <a:rPr lang="en-US" sz="1400" dirty="0"/>
+              <a:t> </a:t>
+            </a:r>
+            <a:r>
+              <a:rPr lang="en-US" sz="1400" dirty="0" err="1"/>
+              <a:t>sliku</a:t>
             </a:r>
             <a:endParaRPr lang="hr-HR" sz="1400" dirty="0"/>
           </a:p>
@@ -20244,8 +20578,8 @@
         </p:nvSpPr>
         <p:spPr>
           <a:xfrm>
-            <a:off x="838200" y="2161045"/>
-            <a:ext cx="9298052" cy="883117"/>
+            <a:off x="838200" y="1596325"/>
+            <a:ext cx="9298052" cy="1447837"/>
           </a:xfrm>
           <a:prstGeom prst="rect">
             <a:avLst/>
@@ -20253,7 +20587,7 @@
         </p:spPr>
         <p:txBody>
           <a:bodyPr vert="horz" lIns="91440" tIns="45720" rIns="91440" bIns="45720" rtlCol="0">
-            <a:normAutofit fontScale="62500" lnSpcReduction="20000"/>
+            <a:normAutofit/>
           </a:bodyPr>
           <a:lstStyle>
             <a:lvl1pPr marL="0" indent="0" algn="r" defTabSz="914400" rtl="0" eaLnBrk="1" latinLnBrk="0" hangingPunct="1">
@@ -20423,10 +20757,254 @@
             <a:pPr algn="l"/>
             <a:r>
               <a:rPr lang="en-US" sz="1400" dirty="0"/>
-              <a:t>💡 The paragraph element&lt;p&gt; is used to format the text into separate paragraphs
-👉 Without &lt;p&gt; tags, all the text would be in one long block.
-👉 It separates the text and adds visual spacing between paragraphs.
-👉 Screen readers use &lt;p&gt; labels to help visually impaired users navigate through text</a:t>
+              <a:t>💡 Element&lt;p&gt; </a:t>
+            </a:r>
+            <a:r>
+              <a:rPr lang="en-US" sz="1400" dirty="0" err="1"/>
+              <a:t>paragrafa</a:t>
+            </a:r>
+            <a:r>
+              <a:rPr lang="en-US" sz="1400" dirty="0"/>
+              <a:t> </a:t>
+            </a:r>
+            <a:r>
+              <a:rPr lang="en-US" sz="1400" dirty="0" err="1"/>
+              <a:t>koristi</a:t>
+            </a:r>
+            <a:r>
+              <a:rPr lang="en-US" sz="1400" dirty="0"/>
+              <a:t> se za </a:t>
+            </a:r>
+            <a:r>
+              <a:rPr lang="en-US" sz="1400" dirty="0" err="1"/>
+              <a:t>oblikovanje</a:t>
+            </a:r>
+            <a:r>
+              <a:rPr lang="en-US" sz="1400" dirty="0"/>
+              <a:t> </a:t>
+            </a:r>
+            <a:r>
+              <a:rPr lang="en-US" sz="1400" dirty="0" err="1"/>
+              <a:t>teksta</a:t>
+            </a:r>
+            <a:r>
+              <a:rPr lang="en-US" sz="1400" dirty="0"/>
+              <a:t> u </a:t>
+            </a:r>
+            <a:r>
+              <a:rPr lang="en-US" sz="1400" dirty="0" err="1"/>
+              <a:t>zasebne</a:t>
+            </a:r>
+            <a:r>
+              <a:rPr lang="en-US" sz="1400" dirty="0"/>
+              <a:t> </a:t>
+            </a:r>
+            <a:r>
+              <a:rPr lang="en-US" sz="1400" dirty="0" err="1"/>
+              <a:t>odlomke</a:t>
+            </a:r>
+            <a:r>
+              <a:rPr lang="en-US" sz="1400" dirty="0"/>
+              <a:t>
+👉 Bez &lt;p&gt; </a:t>
+            </a:r>
+            <a:r>
+              <a:rPr lang="en-US" sz="1400" dirty="0" err="1"/>
+              <a:t>oznaka</a:t>
+            </a:r>
+            <a:r>
+              <a:rPr lang="en-US" sz="1400" dirty="0"/>
+              <a:t>, sav </a:t>
+            </a:r>
+            <a:r>
+              <a:rPr lang="en-US" sz="1400" dirty="0" err="1"/>
+              <a:t>tekst</a:t>
+            </a:r>
+            <a:r>
+              <a:rPr lang="en-US" sz="1400" dirty="0"/>
+              <a:t> bi bio u </a:t>
+            </a:r>
+            <a:r>
+              <a:rPr lang="en-US" sz="1400" dirty="0" err="1"/>
+              <a:t>jednom</a:t>
+            </a:r>
+            <a:r>
+              <a:rPr lang="en-US" sz="1400" dirty="0"/>
+              <a:t> </a:t>
+            </a:r>
+            <a:r>
+              <a:rPr lang="en-US" sz="1400" dirty="0" err="1"/>
+              <a:t>dugom</a:t>
+            </a:r>
+            <a:r>
+              <a:rPr lang="en-US" sz="1400" dirty="0"/>
+              <a:t> </a:t>
+            </a:r>
+            <a:r>
+              <a:rPr lang="en-US" sz="1400" dirty="0" err="1"/>
+              <a:t>bloku</a:t>
+            </a:r>
+            <a:r>
+              <a:rPr lang="en-US" sz="1400" dirty="0"/>
+              <a:t>.
+👉 </a:t>
+            </a:r>
+            <a:r>
+              <a:rPr lang="en-US" sz="1400" dirty="0" err="1"/>
+              <a:t>Razdvaja</a:t>
+            </a:r>
+            <a:r>
+              <a:rPr lang="en-US" sz="1400" dirty="0"/>
+              <a:t> </a:t>
+            </a:r>
+            <a:r>
+              <a:rPr lang="en-US" sz="1400" dirty="0" err="1"/>
+              <a:t>tekst</a:t>
+            </a:r>
+            <a:r>
+              <a:rPr lang="en-US" sz="1400" dirty="0"/>
+              <a:t> </a:t>
+            </a:r>
+            <a:r>
+              <a:rPr lang="en-US" sz="1400" dirty="0" err="1"/>
+              <a:t>i</a:t>
+            </a:r>
+            <a:r>
+              <a:rPr lang="en-US" sz="1400" dirty="0"/>
+              <a:t> </a:t>
+            </a:r>
+            <a:r>
+              <a:rPr lang="en-US" sz="1400" dirty="0" err="1"/>
+              <a:t>dodaje</a:t>
+            </a:r>
+            <a:r>
+              <a:rPr lang="en-US" sz="1400" dirty="0"/>
+              <a:t> </a:t>
+            </a:r>
+            <a:r>
+              <a:rPr lang="en-US" sz="1400" dirty="0" err="1"/>
+              <a:t>vizualni</a:t>
+            </a:r>
+            <a:r>
+              <a:rPr lang="en-US" sz="1400" dirty="0"/>
+              <a:t> </a:t>
+            </a:r>
+            <a:r>
+              <a:rPr lang="en-US" sz="1400" dirty="0" err="1"/>
+              <a:t>razmak</a:t>
+            </a:r>
+            <a:r>
+              <a:rPr lang="en-US" sz="1400" dirty="0"/>
+              <a:t> </a:t>
+            </a:r>
+            <a:r>
+              <a:rPr lang="en-US" sz="1400" dirty="0" err="1"/>
+              <a:t>između</a:t>
+            </a:r>
+            <a:r>
+              <a:rPr lang="en-US" sz="1400" dirty="0"/>
+              <a:t> </a:t>
+            </a:r>
+            <a:r>
+              <a:rPr lang="en-US" sz="1400" dirty="0" err="1"/>
+              <a:t>odlomaka</a:t>
+            </a:r>
+            <a:r>
+              <a:rPr lang="en-US" sz="1400" dirty="0"/>
+              <a:t>.
+👉 </a:t>
+            </a:r>
+            <a:r>
+              <a:rPr lang="en-US" sz="1400" dirty="0" err="1"/>
+              <a:t>Čitači</a:t>
+            </a:r>
+            <a:r>
+              <a:rPr lang="en-US" sz="1400" dirty="0"/>
+              <a:t> </a:t>
+            </a:r>
+            <a:r>
+              <a:rPr lang="en-US" sz="1400" dirty="0" err="1"/>
+              <a:t>zaslona</a:t>
+            </a:r>
+            <a:r>
+              <a:rPr lang="en-US" sz="1400" dirty="0"/>
+              <a:t> </a:t>
+            </a:r>
+            <a:r>
+              <a:rPr lang="en-US" sz="1400" dirty="0" err="1"/>
+              <a:t>upotrebljavaju</a:t>
+            </a:r>
+            <a:r>
+              <a:rPr lang="en-US" sz="1400" dirty="0"/>
+              <a:t> &lt;p&gt; </a:t>
+            </a:r>
+            <a:r>
+              <a:rPr lang="en-US" sz="1400" dirty="0" err="1"/>
+              <a:t>oznake</a:t>
+            </a:r>
+            <a:r>
+              <a:rPr lang="en-US" sz="1400" dirty="0"/>
+              <a:t> </a:t>
+            </a:r>
+            <a:r>
+              <a:rPr lang="en-US" sz="1400" dirty="0" err="1"/>
+              <a:t>kako</a:t>
+            </a:r>
+            <a:r>
+              <a:rPr lang="en-US" sz="1400" dirty="0"/>
+              <a:t> bi </a:t>
+            </a:r>
+            <a:r>
+              <a:rPr lang="en-US" sz="1400" dirty="0" err="1"/>
+              <a:t>korisnicima</a:t>
+            </a:r>
+            <a:r>
+              <a:rPr lang="en-US" sz="1400" dirty="0"/>
+              <a:t> s </a:t>
+            </a:r>
+            <a:r>
+              <a:rPr lang="en-US" sz="1400" dirty="0" err="1"/>
+              <a:t>oštećenjem</a:t>
+            </a:r>
+            <a:r>
+              <a:rPr lang="en-US" sz="1400" dirty="0"/>
+              <a:t> </a:t>
+            </a:r>
+            <a:r>
+              <a:rPr lang="en-US" sz="1400" dirty="0" err="1"/>
+              <a:t>vida</a:t>
+            </a:r>
+            <a:r>
+              <a:rPr lang="en-US" sz="1400" dirty="0"/>
+              <a:t> </a:t>
+            </a:r>
+            <a:r>
+              <a:rPr lang="en-US" sz="1400" dirty="0" err="1"/>
+              <a:t>pomogli</a:t>
+            </a:r>
+            <a:r>
+              <a:rPr lang="en-US" sz="1400" dirty="0"/>
+              <a:t> u </a:t>
+            </a:r>
+            <a:r>
+              <a:rPr lang="en-US" sz="1400" dirty="0" err="1"/>
+              <a:t>kretanju</a:t>
+            </a:r>
+            <a:r>
+              <a:rPr lang="en-US" sz="1400" dirty="0"/>
+              <a:t> </a:t>
+            </a:r>
+            <a:r>
+              <a:rPr lang="en-US" sz="1400" dirty="0" err="1"/>
+              <a:t>kroz</a:t>
+            </a:r>
+            <a:r>
+              <a:rPr lang="en-US" sz="1400" dirty="0"/>
+              <a:t> </a:t>
+            </a:r>
+            <a:r>
+              <a:rPr lang="en-US" sz="1400" dirty="0" err="1"/>
+              <a:t>tekst</a:t>
             </a:r>
             <a:endParaRPr lang="hr-HR" sz="1400" dirty="0"/>
           </a:p>
@@ -22287,17 +22865,6 @@
 </file>
 
 <file path=customXml/item1.xml><?xml version="1.0" encoding="utf-8"?>
-<p:properties xmlns:p="http://schemas.microsoft.com/office/2006/metadata/properties" xmlns:xsi="http://www.w3.org/2001/XMLSchema-instance" xmlns:pc="http://schemas.microsoft.com/office/infopath/2007/PartnerControls">
-  <documentManagement>
-    <lcf76f155ced4ddcb4097134ff3c332f xmlns="40806f44-bc4a-4ea4-b660-c6da93f8f179">
-      <Terms xmlns="http://schemas.microsoft.com/office/infopath/2007/PartnerControls"/>
-    </lcf76f155ced4ddcb4097134ff3c332f>
-    <TaxCatchAll xmlns="758d0d8f-b783-4c78-ab73-9740c97b97cf" xsi:nil="true"/>
-  </documentManagement>
-</p:properties>
-</file>
-
-<file path=customXml/item2.xml><?xml version="1.0" encoding="utf-8"?>
 <?mso-contentType ?>
 <FormTemplates xmlns="http://schemas.microsoft.com/sharepoint/v3/contenttype/forms">
   <Display>DocumentLibraryForm</Display>
@@ -22306,7 +22873,7 @@
 </FormTemplates>
 </file>
 
-<file path=customXml/item3.xml><?xml version="1.0" encoding="utf-8"?>
+<file path=customXml/item2.xml><?xml version="1.0" encoding="utf-8"?>
 <ct:contentTypeSchema xmlns:ct="http://schemas.microsoft.com/office/2006/metadata/contentType" xmlns:ma="http://schemas.microsoft.com/office/2006/metadata/properties/metaAttributes" ct:_="" ma:_="" ma:contentTypeName="Document" ma:contentTypeID="0x010100E4F55D9EF0BF0A44B819E681FCAC00B7" ma:contentTypeVersion="12" ma:contentTypeDescription="Create a new document." ma:contentTypeScope="" ma:versionID="068ce121a7a7a0aebcb89dd601c4f0a2">
   <xsd:schema xmlns:xsd="http://www.w3.org/2001/XMLSchema" xmlns:xs="http://www.w3.org/2001/XMLSchema" xmlns:p="http://schemas.microsoft.com/office/2006/metadata/properties" xmlns:ns2="40806f44-bc4a-4ea4-b660-c6da93f8f179" xmlns:ns3="758d0d8f-b783-4c78-ab73-9740c97b97cf" targetNamespace="http://schemas.microsoft.com/office/2006/metadata/properties" ma:root="true" ma:fieldsID="67c58e6c5c8ea9af0822acd84d25e1a2" ns2:_="" ns3:_="">
     <xsd:import namespace="40806f44-bc4a-4ea4-b660-c6da93f8f179"/>
@@ -22523,24 +23090,18 @@
 </ct:contentTypeSchema>
 </file>
 
-<file path=customXml/itemProps1.xml><?xml version="1.0" encoding="utf-8"?>
-<ds:datastoreItem xmlns:ds="http://schemas.openxmlformats.org/officeDocument/2006/customXml" ds:itemID="{61E72F81-8533-461E-8E71-A6D77294CFEF}">
-  <ds:schemaRefs>
-    <ds:schemaRef ds:uri="http://purl.org/dc/elements/1.1/"/>
-    <ds:schemaRef ds:uri="http://www.w3.org/XML/1998/namespace"/>
-    <ds:schemaRef ds:uri="http://purl.org/dc/terms/"/>
-    <ds:schemaRef ds:uri="http://schemas.microsoft.com/office/2006/documentManagement/types"/>
-    <ds:schemaRef ds:uri="40806f44-bc4a-4ea4-b660-c6da93f8f179"/>
-    <ds:schemaRef ds:uri="http://schemas.openxmlformats.org/package/2006/metadata/core-properties"/>
-    <ds:schemaRef ds:uri="http://purl.org/dc/dcmitype/"/>
-    <ds:schemaRef ds:uri="http://schemas.microsoft.com/office/infopath/2007/PartnerControls"/>
-    <ds:schemaRef ds:uri="758d0d8f-b783-4c78-ab73-9740c97b97cf"/>
-    <ds:schemaRef ds:uri="http://schemas.microsoft.com/office/2006/metadata/properties"/>
-  </ds:schemaRefs>
-</ds:datastoreItem>
+<file path=customXml/item3.xml><?xml version="1.0" encoding="utf-8"?>
+<p:properties xmlns:p="http://schemas.microsoft.com/office/2006/metadata/properties" xmlns:xsi="http://www.w3.org/2001/XMLSchema-instance" xmlns:pc="http://schemas.microsoft.com/office/infopath/2007/PartnerControls">
+  <documentManagement>
+    <lcf76f155ced4ddcb4097134ff3c332f xmlns="40806f44-bc4a-4ea4-b660-c6da93f8f179">
+      <Terms xmlns="http://schemas.microsoft.com/office/infopath/2007/PartnerControls"/>
+    </lcf76f155ced4ddcb4097134ff3c332f>
+    <TaxCatchAll xmlns="758d0d8f-b783-4c78-ab73-9740c97b97cf" xsi:nil="true"/>
+  </documentManagement>
+</p:properties>
 </file>
 
-<file path=customXml/itemProps2.xml><?xml version="1.0" encoding="utf-8"?>
+<file path=customXml/itemProps1.xml><?xml version="1.0" encoding="utf-8"?>
 <ds:datastoreItem xmlns:ds="http://schemas.openxmlformats.org/officeDocument/2006/customXml" ds:itemID="{46915D30-CAA6-465E-907F-1770D4E3B01D}">
   <ds:schemaRefs>
     <ds:schemaRef ds:uri="http://schemas.microsoft.com/sharepoint/v3/contenttype/forms"/>
@@ -22548,7 +23109,7 @@
 </ds:datastoreItem>
 </file>
 
-<file path=customXml/itemProps3.xml><?xml version="1.0" encoding="utf-8"?>
+<file path=customXml/itemProps2.xml><?xml version="1.0" encoding="utf-8"?>
 <ds:datastoreItem xmlns:ds="http://schemas.openxmlformats.org/officeDocument/2006/customXml" ds:itemID="{4E6AED0F-96FF-4C7F-8AC9-672C91BFCDFE}">
   <ds:schemaRefs>
     <ds:schemaRef ds:uri="http://schemas.microsoft.com/office/2006/metadata/contentType"/>
@@ -22565,4 +23126,21 @@
     <ds:schemaRef ds:uri="http://schemas.microsoft.com/internal/obd"/>
   </ds:schemaRefs>
 </ds:datastoreItem>
+</file>
+
+<file path=customXml/itemProps3.xml><?xml version="1.0" encoding="utf-8"?>
+<ds:datastoreItem xmlns:ds="http://schemas.openxmlformats.org/officeDocument/2006/customXml" ds:itemID="{61E72F81-8533-461E-8E71-A6D77294CFEF}">
+  <ds:schemaRefs>
+    <ds:schemaRef ds:uri="http://purl.org/dc/elements/1.1/"/>
+    <ds:schemaRef ds:uri="http://www.w3.org/XML/1998/namespace"/>
+    <ds:schemaRef ds:uri="http://purl.org/dc/terms/"/>
+    <ds:schemaRef ds:uri="http://schemas.microsoft.com/office/2006/documentManagement/types"/>
+    <ds:schemaRef ds:uri="40806f44-bc4a-4ea4-b660-c6da93f8f179"/>
+    <ds:schemaRef ds:uri="http://schemas.openxmlformats.org/package/2006/metadata/core-properties"/>
+    <ds:schemaRef ds:uri="http://purl.org/dc/dcmitype/"/>
+    <ds:schemaRef ds:uri="http://schemas.microsoft.com/office/infopath/2007/PartnerControls"/>
+    <ds:schemaRef ds:uri="758d0d8f-b783-4c78-ab73-9740c97b97cf"/>
+    <ds:schemaRef ds:uri="http://schemas.microsoft.com/office/2006/metadata/properties"/>
+  </ds:schemaRefs>
+</ds:datastoreItem>
 </file>
--- a/Bootcamp/html-uvod/html-uvod.pptx
+++ b/Bootcamp/html-uvod/html-uvod.pptx
@@ -263,7 +263,7 @@
           <a:p>
             <a:fld id="{B2A70591-2E3C-5F42-A4E1-C0F5A0F4E5DB}" type="datetimeFigureOut">
               <a:rPr lang="en-US" smtClean="0"/>
-              <a:t>4/24/2025</a:t>
+              <a:t>4/27/2025</a:t>
             </a:fld>
             <a:endParaRPr lang="en-US"/>
           </a:p>
@@ -1369,6 +1369,104 @@
 </p:notes>
 </file>
 
+<file path=ppt/notesSlides/notesSlide17.xml><?xml version="1.0" encoding="utf-8"?>
+<p:notes xmlns:a="http://schemas.openxmlformats.org/drawingml/2006/main" xmlns:r="http://schemas.openxmlformats.org/officeDocument/2006/relationships" xmlns:p="http://schemas.openxmlformats.org/presentationml/2006/main">
+  <p:cSld>
+    <p:spTree>
+      <p:nvGrpSpPr>
+        <p:cNvPr id="1" name=""/>
+        <p:cNvGrpSpPr/>
+        <p:nvPr/>
+      </p:nvGrpSpPr>
+      <p:grpSpPr>
+        <a:xfrm>
+          <a:off x="0" y="0"/>
+          <a:ext cx="0" cy="0"/>
+          <a:chOff x="0" y="0"/>
+          <a:chExt cx="0" cy="0"/>
+        </a:xfrm>
+      </p:grpSpPr>
+      <p:sp>
+        <p:nvSpPr>
+          <p:cNvPr id="2" name="Slide Image Placeholder 1"/>
+          <p:cNvSpPr>
+            <a:spLocks noGrp="1" noRot="1" noChangeAspect="1"/>
+          </p:cNvSpPr>
+          <p:nvPr>
+            <p:ph type="sldImg"/>
+          </p:nvPr>
+        </p:nvSpPr>
+        <p:spPr/>
+      </p:sp>
+      <p:sp>
+        <p:nvSpPr>
+          <p:cNvPr id="3" name="Notes Placeholder 2"/>
+          <p:cNvSpPr>
+            <a:spLocks noGrp="1"/>
+          </p:cNvSpPr>
+          <p:nvPr>
+            <p:ph type="body" idx="1"/>
+          </p:nvPr>
+        </p:nvSpPr>
+        <p:spPr/>
+        <p:txBody>
+          <a:bodyPr/>
+          <a:lstStyle/>
+          <a:p>
+            <a:r>
+              <a:rPr lang="hr-HR" dirty="0"/>
+              <a:t>https://docs.google.com/document/d/1eJrPLGON9uT088ZXSvQLK9HB-NnRr-I-rpjihxeZjqA/edit?usp=sharing</a:t>
+            </a:r>
+            <a:br>
+              <a:rPr lang="en-US" dirty="0"/>
+            </a:br>
+            <a:br>
+              <a:rPr lang="en-US" dirty="0"/>
+            </a:br>
+            <a:r>
+              <a:rPr lang="en-US" dirty="0"/>
+              <a:t>https://dinoduvnjak.github.io/portfolio/index.html</a:t>
+            </a:r>
+            <a:endParaRPr lang="hr-HR" dirty="0"/>
+          </a:p>
+        </p:txBody>
+      </p:sp>
+      <p:sp>
+        <p:nvSpPr>
+          <p:cNvPr id="4" name="Slide Number Placeholder 3"/>
+          <p:cNvSpPr>
+            <a:spLocks noGrp="1"/>
+          </p:cNvSpPr>
+          <p:nvPr>
+            <p:ph type="sldNum" sz="quarter" idx="5"/>
+          </p:nvPr>
+        </p:nvSpPr>
+        <p:spPr/>
+        <p:txBody>
+          <a:bodyPr/>
+          <a:lstStyle/>
+          <a:p>
+            <a:fld id="{343B951A-A665-1949-AEDB-B62DC9BE7F13}" type="slidenum">
+              <a:rPr lang="en-US" smtClean="0"/>
+              <a:t>22</a:t>
+            </a:fld>
+            <a:endParaRPr lang="en-US"/>
+          </a:p>
+        </p:txBody>
+      </p:sp>
+    </p:spTree>
+    <p:extLst>
+      <p:ext uri="{BB962C8B-B14F-4D97-AF65-F5344CB8AC3E}">
+        <p14:creationId xmlns:p14="http://schemas.microsoft.com/office/powerpoint/2010/main" val="2063423346"/>
+      </p:ext>
+    </p:extLst>
+  </p:cSld>
+  <p:clrMapOvr>
+    <a:masterClrMapping/>
+  </p:clrMapOvr>
+</p:notes>
+</file>
+
 <file path=ppt/notesSlides/notesSlide2.xml><?xml version="1.0" encoding="utf-8"?>
 <p:notes xmlns:a="http://schemas.openxmlformats.org/drawingml/2006/main" xmlns:r="http://schemas.openxmlformats.org/officeDocument/2006/relationships" xmlns:p="http://schemas.openxmlformats.org/presentationml/2006/main">
   <p:cSld>
@@ -4458,7 +4556,7 @@
                 <a:ea typeface="Open Sans" panose="020B0606030504020204" pitchFamily="34" charset="0"/>
                 <a:cs typeface="Open Sans" panose="020B0606030504020204" pitchFamily="34" charset="0"/>
               </a:rPr>
-              <a:t>24/04/2025</a:t>
+              <a:t>27/04/2025</a:t>
             </a:fld>
             <a:endParaRPr lang="en-GB" sz="1800" b="0" i="0" kern="1200" dirty="0">
               <a:solidFill>
@@ -5203,7 +5301,7 @@
                 <a:ea typeface="Open Sans" panose="020B0606030504020204" pitchFamily="34" charset="0"/>
                 <a:cs typeface="Open Sans" panose="020B0606030504020204" pitchFamily="34" charset="0"/>
               </a:rPr>
-              <a:t>24/04/2025</a:t>
+              <a:t>27/04/2025</a:t>
             </a:fld>
             <a:endParaRPr lang="en-GB" sz="1800" b="0" i="0" kern="1200" dirty="0">
               <a:solidFill>
@@ -5726,7 +5824,7 @@
                 <a:ea typeface="Open Sans" panose="020B0606030504020204" pitchFamily="34" charset="0"/>
                 <a:cs typeface="Open Sans" panose="020B0606030504020204" pitchFamily="34" charset="0"/>
               </a:rPr>
-              <a:t>24/04/2025</a:t>
+              <a:t>27/04/2025</a:t>
             </a:fld>
             <a:endParaRPr lang="en-GB" sz="1800" b="0" i="0" kern="1200" dirty="0">
               <a:solidFill>
@@ -6692,7 +6790,7 @@
                 <a:ea typeface="Open Sans" panose="020B0606030504020204" pitchFamily="34" charset="0"/>
                 <a:cs typeface="Open Sans" panose="020B0606030504020204" pitchFamily="34" charset="0"/>
               </a:rPr>
-              <a:t>24/04/2025</a:t>
+              <a:t>27/04/2025</a:t>
             </a:fld>
             <a:endParaRPr lang="en-GB" sz="1800" b="0" i="0" kern="1200" dirty="0">
               <a:solidFill>
@@ -7131,7 +7229,7 @@
                 <a:ea typeface="Open Sans" panose="020B0606030504020204" pitchFamily="34" charset="0"/>
                 <a:cs typeface="Open Sans" panose="020B0606030504020204" pitchFamily="34" charset="0"/>
               </a:rPr>
-              <a:t>24/04/2025</a:t>
+              <a:t>27/04/2025</a:t>
             </a:fld>
             <a:endParaRPr lang="en-GB" sz="1800" b="0" i="0" kern="1200" dirty="0">
               <a:solidFill>
@@ -8901,7 +8999,7 @@
                 <a:ea typeface="Open Sans" pitchFamily="2" charset="0"/>
                 <a:cs typeface="Open Sans" pitchFamily="2" charset="0"/>
               </a:rPr>
-              <a:t>24/04/2025</a:t>
+              <a:t>27/04/2025</a:t>
             </a:fld>
             <a:endParaRPr lang="en-GB" sz="1800" b="0" i="0" kern="1200" dirty="0">
               <a:solidFill>
@@ -10651,7 +10749,7 @@
                 <a:ea typeface="Open Sans" pitchFamily="2" charset="0"/>
                 <a:cs typeface="Open Sans" pitchFamily="2" charset="0"/>
               </a:rPr>
-              <a:t>24/04/2025</a:t>
+              <a:t>27/04/2025</a:t>
             </a:fld>
             <a:endParaRPr lang="en-GB" sz="1800" b="0" i="0" kern="1200" dirty="0">
               <a:solidFill>
@@ -11168,7 +11266,7 @@
                 <a:ea typeface="Open Sans" panose="020B0606030504020204" pitchFamily="34" charset="0"/>
                 <a:cs typeface="Open Sans" panose="020B0606030504020204" pitchFamily="34" charset="0"/>
               </a:rPr>
-              <a:t>24/04/2025</a:t>
+              <a:t>27/04/2025</a:t>
             </a:fld>
             <a:endParaRPr lang="en-GB" sz="1800" b="0" i="0" kern="1200" dirty="0">
               <a:solidFill>
@@ -11765,7 +11863,7 @@
                 <a:ea typeface="Open Sans" pitchFamily="2" charset="0"/>
                 <a:cs typeface="Open Sans" pitchFamily="2" charset="0"/>
               </a:rPr>
-              <a:t>24/04/2025</a:t>
+              <a:t>27/04/2025</a:t>
             </a:fld>
             <a:endParaRPr lang="en-GB" sz="1800" b="0" i="0" kern="1200" dirty="0">
               <a:solidFill>
@@ -12305,7 +12403,7 @@
                 <a:ea typeface="Open Sans" panose="020B0606030504020204" pitchFamily="34" charset="0"/>
                 <a:cs typeface="Open Sans" panose="020B0606030504020204" pitchFamily="34" charset="0"/>
               </a:rPr>
-              <a:t>24/04/2025</a:t>
+              <a:t>27/04/2025</a:t>
             </a:fld>
             <a:endParaRPr lang="en-GB" sz="1800" b="0" i="0" kern="1200" dirty="0">
               <a:solidFill>
@@ -13006,7 +13104,7 @@
                 <a:ea typeface="Open Sans" panose="020B0606030504020204" pitchFamily="34" charset="0"/>
                 <a:cs typeface="Open Sans" panose="020B0606030504020204" pitchFamily="34" charset="0"/>
               </a:rPr>
-              <a:t>24/04/2025</a:t>
+              <a:t>27/04/2025</a:t>
             </a:fld>
             <a:endParaRPr lang="en-GB" sz="1800" b="0" i="0" kern="1200" dirty="0">
               <a:solidFill>
@@ -13369,7 +13467,7 @@
                 <a:ea typeface="Open Sans" pitchFamily="2" charset="0"/>
                 <a:cs typeface="Open Sans" pitchFamily="2" charset="0"/>
               </a:rPr>
-              <a:t>24/04/2025</a:t>
+              <a:t>27/04/2025</a:t>
             </a:fld>
             <a:endParaRPr lang="en-GB" sz="1800" b="0" i="0" kern="1200" dirty="0">
               <a:solidFill>
@@ -13764,7 +13862,7 @@
                 <a:ea typeface="Open Sans" pitchFamily="2" charset="0"/>
                 <a:cs typeface="Open Sans" pitchFamily="2" charset="0"/>
               </a:rPr>
-              <a:t>24/04/2025</a:t>
+              <a:t>27/04/2025</a:t>
             </a:fld>
             <a:endParaRPr lang="en-GB" sz="1800" b="0" i="0" kern="1200" dirty="0">
               <a:solidFill>
@@ -19400,193 +19498,39 @@
       </p:sp>
       <p:sp>
         <p:nvSpPr>
-          <p:cNvPr id="8" name="Text Placeholder 5">
-            <a:extLst>
-              <a:ext uri="{FF2B5EF4-FFF2-40B4-BE49-F238E27FC236}">
-                <a16:creationId xmlns:a16="http://schemas.microsoft.com/office/drawing/2014/main" id="{DF5068FB-3941-C9EA-80C4-C54D6D99BACB}"/>
-              </a:ext>
-            </a:extLst>
-          </p:cNvPr>
-          <p:cNvSpPr>
-            <a:spLocks noGrp="1"/>
-          </p:cNvSpPr>
-          <p:nvPr>
-            <p:ph type="subTitle" idx="1"/>
-          </p:nvPr>
+          <p:cNvPr id="9" name="TextBox 8">
+            <a:extLst>
+              <a:ext uri="{FF2B5EF4-FFF2-40B4-BE49-F238E27FC236}">
+                <a16:creationId xmlns:a16="http://schemas.microsoft.com/office/drawing/2014/main" id="{5BC3553C-ABE6-88CA-BF0A-1DE5DF80A8B1}"/>
+              </a:ext>
+            </a:extLst>
+          </p:cNvPr>
+          <p:cNvSpPr txBox="1"/>
+          <p:nvPr/>
         </p:nvSpPr>
         <p:spPr>
           <a:xfrm>
-            <a:off x="1061483" y="2213230"/>
-            <a:ext cx="9144000" cy="4040085"/>
-          </a:xfrm>
+            <a:off x="2987299" y="2524649"/>
+            <a:ext cx="6102456" cy="646331"/>
+          </a:xfrm>
+          <a:prstGeom prst="rect">
+            <a:avLst/>
+          </a:prstGeom>
+          <a:noFill/>
         </p:spPr>
         <p:txBody>
-          <a:bodyPr>
-            <a:noAutofit/>
+          <a:bodyPr wrap="square">
+            <a:spAutoFit/>
           </a:bodyPr>
           <a:lstStyle/>
           <a:p>
             <a:r>
-              <a:rPr lang="en-US" sz="1200" dirty="0" err="1"/>
-              <a:t>Implementirajte</a:t>
-            </a:r>
-            <a:r>
-              <a:rPr lang="en-US" sz="1200" dirty="0"/>
-              <a:t> </a:t>
-            </a:r>
-            <a:r>
-              <a:rPr lang="en-US" sz="1200" dirty="0" err="1"/>
-              <a:t>stranicu</a:t>
-            </a:r>
-            <a:r>
-              <a:rPr lang="en-US" sz="1200" dirty="0"/>
-              <a:t> u HTML-u koji </a:t>
-            </a:r>
-            <a:r>
-              <a:rPr lang="en-US" sz="1200" dirty="0" err="1"/>
-              <a:t>sadrzi</a:t>
-            </a:r>
-            <a:r>
-              <a:rPr lang="en-US" sz="1200" dirty="0"/>
-              <a:t> </a:t>
-            </a:r>
-            <a:r>
-              <a:rPr lang="en-US" sz="1200" dirty="0" err="1"/>
-              <a:t>sljedece</a:t>
-            </a:r>
-            <a:r>
-              <a:rPr lang="en-US" sz="1200" dirty="0"/>
-              <a:t>:</a:t>
-            </a:r>
-          </a:p>
-          <a:p>
-            <a:r>
-              <a:rPr lang="en-US" sz="1200" dirty="0" err="1"/>
-              <a:t>Stranice</a:t>
-            </a:r>
-            <a:r>
-              <a:rPr lang="en-US" sz="1200" dirty="0"/>
-              <a:t>:</a:t>
-            </a:r>
-          </a:p>
-          <a:p>
-            <a:r>
-              <a:rPr lang="en-US" sz="1200" dirty="0"/>
-              <a:t>- Login</a:t>
-            </a:r>
-          </a:p>
-          <a:p>
-            <a:r>
-              <a:rPr lang="en-US" sz="1200" dirty="0"/>
-              <a:t>- Register</a:t>
-            </a:r>
-          </a:p>
-          <a:p>
-            <a:r>
-              <a:rPr lang="en-US" sz="1200" dirty="0"/>
-              <a:t>- Lista </a:t>
-            </a:r>
-            <a:r>
-              <a:rPr lang="en-US" sz="1200" dirty="0" err="1"/>
-              <a:t>dućana</a:t>
-            </a:r>
-            <a:endParaRPr lang="en-US" sz="1200" dirty="0"/>
-          </a:p>
-          <a:p>
-            <a:r>
-              <a:rPr lang="en-US" sz="1200" dirty="0"/>
-              <a:t>- Lista </a:t>
-            </a:r>
-            <a:r>
-              <a:rPr lang="en-US" sz="1200" dirty="0" err="1"/>
-              <a:t>itema</a:t>
-            </a:r>
-            <a:endParaRPr lang="en-US" sz="1200" dirty="0"/>
-          </a:p>
-          <a:p>
-            <a:r>
-              <a:rPr lang="en-US" sz="1200" dirty="0"/>
-              <a:t>- </a:t>
-            </a:r>
-            <a:r>
-              <a:rPr lang="en-US" sz="1200" dirty="0" err="1"/>
-              <a:t>Kreiranje</a:t>
-            </a:r>
-            <a:r>
-              <a:rPr lang="en-US" sz="1200" dirty="0"/>
-              <a:t> </a:t>
-            </a:r>
-            <a:r>
-              <a:rPr lang="en-US" sz="1200" dirty="0" err="1"/>
-              <a:t>ducana</a:t>
-            </a:r>
-            <a:endParaRPr lang="en-US" sz="1200" dirty="0"/>
-          </a:p>
-          <a:p>
-            <a:pPr marL="285750" indent="-285750">
-              <a:buFontTx/>
-              <a:buChar char="-"/>
-            </a:pPr>
-            <a:r>
-              <a:rPr lang="en-US" sz="1200" dirty="0" err="1"/>
-              <a:t>Kreiranje</a:t>
-            </a:r>
-            <a:r>
-              <a:rPr lang="en-US" sz="1200" dirty="0"/>
-              <a:t> item-a</a:t>
-            </a:r>
-          </a:p>
-          <a:p>
-            <a:pPr marL="285750" indent="-285750">
-              <a:buFontTx/>
-              <a:buChar char="-"/>
-            </a:pPr>
-            <a:endParaRPr lang="en-US" sz="1200" dirty="0"/>
-          </a:p>
-          <a:p>
-            <a:r>
-              <a:rPr lang="en-US" sz="1200" dirty="0"/>
-              <a:t>- </a:t>
-            </a:r>
-            <a:r>
-              <a:rPr lang="en-US" sz="1200" dirty="0" err="1"/>
-              <a:t>Napravite</a:t>
-            </a:r>
-            <a:r>
-              <a:rPr lang="en-US" sz="1200" dirty="0"/>
-              <a:t> git </a:t>
-            </a:r>
-            <a:r>
-              <a:rPr lang="en-US" sz="1200" dirty="0" err="1"/>
-              <a:t>repositorij</a:t>
-            </a:r>
-            <a:r>
-              <a:rPr lang="en-US" sz="1200" dirty="0"/>
-              <a:t> </a:t>
-            </a:r>
-            <a:r>
-              <a:rPr lang="en-US" sz="1200" dirty="0" err="1"/>
-              <a:t>i</a:t>
-            </a:r>
-            <a:r>
-              <a:rPr lang="en-US" sz="1200" dirty="0"/>
-              <a:t> </a:t>
-            </a:r>
-            <a:r>
-              <a:rPr lang="en-US" sz="1200" dirty="0" err="1"/>
-              <a:t>azurirajte</a:t>
-            </a:r>
-            <a:r>
-              <a:rPr lang="en-US" sz="1200" dirty="0"/>
-              <a:t> </a:t>
-            </a:r>
-            <a:r>
-              <a:rPr lang="en-US" sz="1200" dirty="0" err="1"/>
-              <a:t>kod</a:t>
-            </a:r>
-            <a:r>
-              <a:rPr lang="en-US" sz="1200" dirty="0"/>
-              <a:t>.</a:t>
+              <a:rPr lang="hr-HR" dirty="0">
+                <a:solidFill>
+                  <a:schemeClr val="bg1"/>
+                </a:solidFill>
+              </a:rPr>
+              <a:t>https://docs.google.com/document/d/1eJrPLGON9uT088ZXSvQLK9HB-NnRr-I-rpjihxeZjqA/edit?usp=sharing</a:t>
             </a:r>
           </a:p>
         </p:txBody>
@@ -22865,12 +22809,14 @@
 </file>
 
 <file path=customXml/item1.xml><?xml version="1.0" encoding="utf-8"?>
-<?mso-contentType ?>
-<FormTemplates xmlns="http://schemas.microsoft.com/sharepoint/v3/contenttype/forms">
-  <Display>DocumentLibraryForm</Display>
-  <Edit>DocumentLibraryForm</Edit>
-  <New>DocumentLibraryForm</New>
-</FormTemplates>
+<p:properties xmlns:p="http://schemas.microsoft.com/office/2006/metadata/properties" xmlns:xsi="http://www.w3.org/2001/XMLSchema-instance" xmlns:pc="http://schemas.microsoft.com/office/infopath/2007/PartnerControls">
+  <documentManagement>
+    <lcf76f155ced4ddcb4097134ff3c332f xmlns="40806f44-bc4a-4ea4-b660-c6da93f8f179">
+      <Terms xmlns="http://schemas.microsoft.com/office/infopath/2007/PartnerControls"/>
+    </lcf76f155ced4ddcb4097134ff3c332f>
+    <TaxCatchAll xmlns="758d0d8f-b783-4c78-ab73-9740c97b97cf" xsi:nil="true"/>
+  </documentManagement>
+</p:properties>
 </file>
 
 <file path=customXml/item2.xml><?xml version="1.0" encoding="utf-8"?>
@@ -23091,20 +23037,27 @@
 </file>
 
 <file path=customXml/item3.xml><?xml version="1.0" encoding="utf-8"?>
-<p:properties xmlns:p="http://schemas.microsoft.com/office/2006/metadata/properties" xmlns:xsi="http://www.w3.org/2001/XMLSchema-instance" xmlns:pc="http://schemas.microsoft.com/office/infopath/2007/PartnerControls">
-  <documentManagement>
-    <lcf76f155ced4ddcb4097134ff3c332f xmlns="40806f44-bc4a-4ea4-b660-c6da93f8f179">
-      <Terms xmlns="http://schemas.microsoft.com/office/infopath/2007/PartnerControls"/>
-    </lcf76f155ced4ddcb4097134ff3c332f>
-    <TaxCatchAll xmlns="758d0d8f-b783-4c78-ab73-9740c97b97cf" xsi:nil="true"/>
-  </documentManagement>
-</p:properties>
+<?mso-contentType ?>
+<FormTemplates xmlns="http://schemas.microsoft.com/sharepoint/v3/contenttype/forms">
+  <Display>DocumentLibraryForm</Display>
+  <Edit>DocumentLibraryForm</Edit>
+  <New>DocumentLibraryForm</New>
+</FormTemplates>
 </file>
 
 <file path=customXml/itemProps1.xml><?xml version="1.0" encoding="utf-8"?>
-<ds:datastoreItem xmlns:ds="http://schemas.openxmlformats.org/officeDocument/2006/customXml" ds:itemID="{46915D30-CAA6-465E-907F-1770D4E3B01D}">
+<ds:datastoreItem xmlns:ds="http://schemas.openxmlformats.org/officeDocument/2006/customXml" ds:itemID="{61E72F81-8533-461E-8E71-A6D77294CFEF}">
   <ds:schemaRefs>
-    <ds:schemaRef ds:uri="http://schemas.microsoft.com/sharepoint/v3/contenttype/forms"/>
+    <ds:schemaRef ds:uri="http://purl.org/dc/elements/1.1/"/>
+    <ds:schemaRef ds:uri="http://www.w3.org/XML/1998/namespace"/>
+    <ds:schemaRef ds:uri="http://purl.org/dc/terms/"/>
+    <ds:schemaRef ds:uri="http://schemas.microsoft.com/office/2006/documentManagement/types"/>
+    <ds:schemaRef ds:uri="40806f44-bc4a-4ea4-b660-c6da93f8f179"/>
+    <ds:schemaRef ds:uri="http://schemas.openxmlformats.org/package/2006/metadata/core-properties"/>
+    <ds:schemaRef ds:uri="http://purl.org/dc/dcmitype/"/>
+    <ds:schemaRef ds:uri="http://schemas.microsoft.com/office/infopath/2007/PartnerControls"/>
+    <ds:schemaRef ds:uri="758d0d8f-b783-4c78-ab73-9740c97b97cf"/>
+    <ds:schemaRef ds:uri="http://schemas.microsoft.com/office/2006/metadata/properties"/>
   </ds:schemaRefs>
 </ds:datastoreItem>
 </file>
@@ -23129,18 +23082,9 @@
 </file>
 
 <file path=customXml/itemProps3.xml><?xml version="1.0" encoding="utf-8"?>
-<ds:datastoreItem xmlns:ds="http://schemas.openxmlformats.org/officeDocument/2006/customXml" ds:itemID="{61E72F81-8533-461E-8E71-A6D77294CFEF}">
+<ds:datastoreItem xmlns:ds="http://schemas.openxmlformats.org/officeDocument/2006/customXml" ds:itemID="{46915D30-CAA6-465E-907F-1770D4E3B01D}">
   <ds:schemaRefs>
-    <ds:schemaRef ds:uri="http://purl.org/dc/elements/1.1/"/>
-    <ds:schemaRef ds:uri="http://www.w3.org/XML/1998/namespace"/>
-    <ds:schemaRef ds:uri="http://purl.org/dc/terms/"/>
-    <ds:schemaRef ds:uri="http://schemas.microsoft.com/office/2006/documentManagement/types"/>
-    <ds:schemaRef ds:uri="40806f44-bc4a-4ea4-b660-c6da93f8f179"/>
-    <ds:schemaRef ds:uri="http://schemas.openxmlformats.org/package/2006/metadata/core-properties"/>
-    <ds:schemaRef ds:uri="http://purl.org/dc/dcmitype/"/>
-    <ds:schemaRef ds:uri="http://schemas.microsoft.com/office/infopath/2007/PartnerControls"/>
-    <ds:schemaRef ds:uri="758d0d8f-b783-4c78-ab73-9740c97b97cf"/>
-    <ds:schemaRef ds:uri="http://schemas.microsoft.com/office/2006/metadata/properties"/>
+    <ds:schemaRef ds:uri="http://schemas.microsoft.com/sharepoint/v3/contenttype/forms"/>
   </ds:schemaRefs>
 </ds:datastoreItem>
 </file>